--- a/20210407_python/20210407_ICT同好会資料_20210330編集.pptx
+++ b/20210407_python/20210407_ICT同好会資料_20210330編集.pptx
@@ -34,7 +34,7 @@
     <p:sldId id="281" r:id="rId29"/>
   </p:sldIdLst>
   <p:sldSz cx="9144000" cy="5143500"/>
-  <p:notesSz cx="6858000" cy="9144000"/>
+  <p:notesSz cx="7559675" cy="10691812"/>
 </p:presentation>
 </file>
 
@@ -79,7 +79,7 @@
       </p:grpSpPr>
       <p:sp>
         <p:nvSpPr>
-          <p:cNvPr id="48" name="PlaceHolder 1"/>
+          <p:cNvPr id="47" name="PlaceHolder 1"/>
           <p:cNvSpPr>
             <a:spLocks noGrp="1"/>
           </p:cNvSpPr>
@@ -90,7 +90,7 @@
         <p:spPr>
           <a:xfrm>
             <a:off x="819000" y="845640"/>
-            <a:ext cx="7505280" cy="954360"/>
+            <a:ext cx="7504920" cy="954000"/>
           </a:xfrm>
           <a:prstGeom prst="rect">
             <a:avLst/>
@@ -101,10 +101,8 @@
             <a:noAutofit/>
           </a:bodyPr>
           <a:p>
-            <a:endParaRPr b="0" lang="en-US" sz="1400" spc="-1" strike="noStrike">
-              <a:solidFill>
-                <a:srgbClr val="000000"/>
-              </a:solidFill>
+            <a:pPr algn="ctr"/>
+            <a:endParaRPr b="0" lang="en-US" sz="4400" spc="-1" strike="noStrike">
               <a:latin typeface="Arial"/>
             </a:endParaRPr>
           </a:p>
@@ -112,7 +110,7 @@
       </p:sp>
       <p:sp>
         <p:nvSpPr>
-          <p:cNvPr id="49" name="PlaceHolder 2"/>
+          <p:cNvPr id="48" name="PlaceHolder 2"/>
           <p:cNvSpPr>
             <a:spLocks noGrp="1"/>
           </p:cNvSpPr>
@@ -123,7 +121,7 @@
         <p:spPr>
           <a:xfrm>
             <a:off x="819000" y="1990800"/>
-            <a:ext cx="7505280" cy="1167480"/>
+            <a:ext cx="7504920" cy="1167120"/>
           </a:xfrm>
           <a:prstGeom prst="rect">
             <a:avLst/>
@@ -134,10 +132,7 @@
             <a:normAutofit/>
           </a:bodyPr>
           <a:p>
-            <a:endParaRPr b="0" lang="en-US" sz="1400" spc="-1" strike="noStrike">
-              <a:solidFill>
-                <a:srgbClr val="000000"/>
-              </a:solidFill>
+            <a:endParaRPr b="0" lang="en-US" sz="3200" spc="-1" strike="noStrike">
               <a:latin typeface="Arial"/>
             </a:endParaRPr>
           </a:p>
@@ -145,7 +140,7 @@
       </p:sp>
       <p:sp>
         <p:nvSpPr>
-          <p:cNvPr id="50" name="PlaceHolder 3"/>
+          <p:cNvPr id="49" name="PlaceHolder 3"/>
           <p:cNvSpPr>
             <a:spLocks noGrp="1"/>
           </p:cNvSpPr>
@@ -155,8 +150,8 @@
         </p:nvSpPr>
         <p:spPr>
           <a:xfrm>
-            <a:off x="819000" y="3269520"/>
-            <a:ext cx="7505280" cy="1167480"/>
+            <a:off x="819000" y="3269160"/>
+            <a:ext cx="7504920" cy="1167120"/>
           </a:xfrm>
           <a:prstGeom prst="rect">
             <a:avLst/>
@@ -167,10 +162,7 @@
             <a:normAutofit/>
           </a:bodyPr>
           <a:p>
-            <a:endParaRPr b="0" lang="en-US" sz="1400" spc="-1" strike="noStrike">
-              <a:solidFill>
-                <a:srgbClr val="000000"/>
-              </a:solidFill>
+            <a:endParaRPr b="0" lang="en-US" sz="3200" spc="-1" strike="noStrike">
               <a:latin typeface="Arial"/>
             </a:endParaRPr>
           </a:p>
@@ -200,7 +192,7 @@
       </p:grpSpPr>
       <p:sp>
         <p:nvSpPr>
-          <p:cNvPr id="51" name="PlaceHolder 1"/>
+          <p:cNvPr id="50" name="PlaceHolder 1"/>
           <p:cNvSpPr>
             <a:spLocks noGrp="1"/>
           </p:cNvSpPr>
@@ -211,7 +203,7 @@
         <p:spPr>
           <a:xfrm>
             <a:off x="819000" y="845640"/>
-            <a:ext cx="7505280" cy="954360"/>
+            <a:ext cx="7504920" cy="954000"/>
           </a:xfrm>
           <a:prstGeom prst="rect">
             <a:avLst/>
@@ -222,10 +214,8 @@
             <a:noAutofit/>
           </a:bodyPr>
           <a:p>
-            <a:endParaRPr b="0" lang="en-US" sz="1400" spc="-1" strike="noStrike">
-              <a:solidFill>
-                <a:srgbClr val="000000"/>
-              </a:solidFill>
+            <a:pPr algn="ctr"/>
+            <a:endParaRPr b="0" lang="en-US" sz="4400" spc="-1" strike="noStrike">
               <a:latin typeface="Arial"/>
             </a:endParaRPr>
           </a:p>
@@ -233,7 +223,7 @@
       </p:sp>
       <p:sp>
         <p:nvSpPr>
-          <p:cNvPr id="52" name="PlaceHolder 2"/>
+          <p:cNvPr id="51" name="PlaceHolder 2"/>
           <p:cNvSpPr>
             <a:spLocks noGrp="1"/>
           </p:cNvSpPr>
@@ -244,7 +234,7 @@
         <p:spPr>
           <a:xfrm>
             <a:off x="819000" y="1990800"/>
-            <a:ext cx="3662280" cy="1167480"/>
+            <a:ext cx="3662280" cy="1167120"/>
           </a:xfrm>
           <a:prstGeom prst="rect">
             <a:avLst/>
@@ -255,10 +245,7 @@
             <a:normAutofit/>
           </a:bodyPr>
           <a:p>
-            <a:endParaRPr b="0" lang="en-US" sz="1400" spc="-1" strike="noStrike">
-              <a:solidFill>
-                <a:srgbClr val="000000"/>
-              </a:solidFill>
+            <a:endParaRPr b="0" lang="en-US" sz="3200" spc="-1" strike="noStrike">
               <a:latin typeface="Arial"/>
             </a:endParaRPr>
           </a:p>
@@ -266,7 +253,7 @@
       </p:sp>
       <p:sp>
         <p:nvSpPr>
-          <p:cNvPr id="53" name="PlaceHolder 3"/>
+          <p:cNvPr id="52" name="PlaceHolder 3"/>
           <p:cNvSpPr>
             <a:spLocks noGrp="1"/>
           </p:cNvSpPr>
@@ -277,7 +264,7 @@
         <p:spPr>
           <a:xfrm>
             <a:off x="4664880" y="1990800"/>
-            <a:ext cx="3662280" cy="1167480"/>
+            <a:ext cx="3662280" cy="1167120"/>
           </a:xfrm>
           <a:prstGeom prst="rect">
             <a:avLst/>
@@ -288,10 +275,7 @@
             <a:normAutofit/>
           </a:bodyPr>
           <a:p>
-            <a:endParaRPr b="0" lang="en-US" sz="1400" spc="-1" strike="noStrike">
-              <a:solidFill>
-                <a:srgbClr val="000000"/>
-              </a:solidFill>
+            <a:endParaRPr b="0" lang="en-US" sz="3200" spc="-1" strike="noStrike">
               <a:latin typeface="Arial"/>
             </a:endParaRPr>
           </a:p>
@@ -299,7 +283,7 @@
       </p:sp>
       <p:sp>
         <p:nvSpPr>
-          <p:cNvPr id="54" name="PlaceHolder 4"/>
+          <p:cNvPr id="53" name="PlaceHolder 4"/>
           <p:cNvSpPr>
             <a:spLocks noGrp="1"/>
           </p:cNvSpPr>
@@ -309,8 +293,8 @@
         </p:nvSpPr>
         <p:spPr>
           <a:xfrm>
-            <a:off x="819000" y="3269520"/>
-            <a:ext cx="3662280" cy="1167480"/>
+            <a:off x="819000" y="3269160"/>
+            <a:ext cx="3662280" cy="1167120"/>
           </a:xfrm>
           <a:prstGeom prst="rect">
             <a:avLst/>
@@ -321,10 +305,7 @@
             <a:normAutofit/>
           </a:bodyPr>
           <a:p>
-            <a:endParaRPr b="0" lang="en-US" sz="1400" spc="-1" strike="noStrike">
-              <a:solidFill>
-                <a:srgbClr val="000000"/>
-              </a:solidFill>
+            <a:endParaRPr b="0" lang="en-US" sz="3200" spc="-1" strike="noStrike">
               <a:latin typeface="Arial"/>
             </a:endParaRPr>
           </a:p>
@@ -332,7 +313,7 @@
       </p:sp>
       <p:sp>
         <p:nvSpPr>
-          <p:cNvPr id="55" name="PlaceHolder 5"/>
+          <p:cNvPr id="54" name="PlaceHolder 5"/>
           <p:cNvSpPr>
             <a:spLocks noGrp="1"/>
           </p:cNvSpPr>
@@ -342,8 +323,8 @@
         </p:nvSpPr>
         <p:spPr>
           <a:xfrm>
-            <a:off x="4664880" y="3269520"/>
-            <a:ext cx="3662280" cy="1167480"/>
+            <a:off x="4664880" y="3269160"/>
+            <a:ext cx="3662280" cy="1167120"/>
           </a:xfrm>
           <a:prstGeom prst="rect">
             <a:avLst/>
@@ -354,10 +335,7 @@
             <a:normAutofit/>
           </a:bodyPr>
           <a:p>
-            <a:endParaRPr b="0" lang="en-US" sz="1400" spc="-1" strike="noStrike">
-              <a:solidFill>
-                <a:srgbClr val="000000"/>
-              </a:solidFill>
+            <a:endParaRPr b="0" lang="en-US" sz="3200" spc="-1" strike="noStrike">
               <a:latin typeface="Arial"/>
             </a:endParaRPr>
           </a:p>
@@ -387,7 +365,7 @@
       </p:grpSpPr>
       <p:sp>
         <p:nvSpPr>
-          <p:cNvPr id="56" name="PlaceHolder 1"/>
+          <p:cNvPr id="55" name="PlaceHolder 1"/>
           <p:cNvSpPr>
             <a:spLocks noGrp="1"/>
           </p:cNvSpPr>
@@ -398,7 +376,7 @@
         <p:spPr>
           <a:xfrm>
             <a:off x="819000" y="845640"/>
-            <a:ext cx="7505280" cy="954360"/>
+            <a:ext cx="7504920" cy="954000"/>
           </a:xfrm>
           <a:prstGeom prst="rect">
             <a:avLst/>
@@ -409,10 +387,8 @@
             <a:noAutofit/>
           </a:bodyPr>
           <a:p>
-            <a:endParaRPr b="0" lang="en-US" sz="1400" spc="-1" strike="noStrike">
-              <a:solidFill>
-                <a:srgbClr val="000000"/>
-              </a:solidFill>
+            <a:pPr algn="ctr"/>
+            <a:endParaRPr b="0" lang="en-US" sz="4400" spc="-1" strike="noStrike">
               <a:latin typeface="Arial"/>
             </a:endParaRPr>
           </a:p>
@@ -420,7 +396,7 @@
       </p:sp>
       <p:sp>
         <p:nvSpPr>
-          <p:cNvPr id="57" name="PlaceHolder 2"/>
+          <p:cNvPr id="56" name="PlaceHolder 2"/>
           <p:cNvSpPr>
             <a:spLocks noGrp="1"/>
           </p:cNvSpPr>
@@ -431,7 +407,7 @@
         <p:spPr>
           <a:xfrm>
             <a:off x="819000" y="1990800"/>
-            <a:ext cx="2416320" cy="1167480"/>
+            <a:ext cx="2416320" cy="1167120"/>
           </a:xfrm>
           <a:prstGeom prst="rect">
             <a:avLst/>
@@ -442,10 +418,7 @@
             <a:normAutofit/>
           </a:bodyPr>
           <a:p>
-            <a:endParaRPr b="0" lang="en-US" sz="1400" spc="-1" strike="noStrike">
-              <a:solidFill>
-                <a:srgbClr val="000000"/>
-              </a:solidFill>
+            <a:endParaRPr b="0" lang="en-US" sz="3200" spc="-1" strike="noStrike">
               <a:latin typeface="Arial"/>
             </a:endParaRPr>
           </a:p>
@@ -453,7 +426,7 @@
       </p:sp>
       <p:sp>
         <p:nvSpPr>
-          <p:cNvPr id="58" name="PlaceHolder 3"/>
+          <p:cNvPr id="57" name="PlaceHolder 3"/>
           <p:cNvSpPr>
             <a:spLocks noGrp="1"/>
           </p:cNvSpPr>
@@ -464,7 +437,7 @@
         <p:spPr>
           <a:xfrm>
             <a:off x="3356640" y="1990800"/>
-            <a:ext cx="2416320" cy="1167480"/>
+            <a:ext cx="2416320" cy="1167120"/>
           </a:xfrm>
           <a:prstGeom prst="rect">
             <a:avLst/>
@@ -475,10 +448,7 @@
             <a:normAutofit/>
           </a:bodyPr>
           <a:p>
-            <a:endParaRPr b="0" lang="en-US" sz="1400" spc="-1" strike="noStrike">
-              <a:solidFill>
-                <a:srgbClr val="000000"/>
-              </a:solidFill>
+            <a:endParaRPr b="0" lang="en-US" sz="3200" spc="-1" strike="noStrike">
               <a:latin typeface="Arial"/>
             </a:endParaRPr>
           </a:p>
@@ -486,7 +456,7 @@
       </p:sp>
       <p:sp>
         <p:nvSpPr>
-          <p:cNvPr id="59" name="PlaceHolder 4"/>
+          <p:cNvPr id="58" name="PlaceHolder 4"/>
           <p:cNvSpPr>
             <a:spLocks noGrp="1"/>
           </p:cNvSpPr>
@@ -497,7 +467,7 @@
         <p:spPr>
           <a:xfrm>
             <a:off x="5893920" y="1990800"/>
-            <a:ext cx="2416320" cy="1167480"/>
+            <a:ext cx="2416320" cy="1167120"/>
           </a:xfrm>
           <a:prstGeom prst="rect">
             <a:avLst/>
@@ -508,10 +478,7 @@
             <a:normAutofit/>
           </a:bodyPr>
           <a:p>
-            <a:endParaRPr b="0" lang="en-US" sz="1400" spc="-1" strike="noStrike">
-              <a:solidFill>
-                <a:srgbClr val="000000"/>
-              </a:solidFill>
+            <a:endParaRPr b="0" lang="en-US" sz="3200" spc="-1" strike="noStrike">
               <a:latin typeface="Arial"/>
             </a:endParaRPr>
           </a:p>
@@ -519,7 +486,7 @@
       </p:sp>
       <p:sp>
         <p:nvSpPr>
-          <p:cNvPr id="60" name="PlaceHolder 5"/>
+          <p:cNvPr id="59" name="PlaceHolder 5"/>
           <p:cNvSpPr>
             <a:spLocks noGrp="1"/>
           </p:cNvSpPr>
@@ -529,8 +496,8 @@
         </p:nvSpPr>
         <p:spPr>
           <a:xfrm>
-            <a:off x="819000" y="3269520"/>
-            <a:ext cx="2416320" cy="1167480"/>
+            <a:off x="819000" y="3269160"/>
+            <a:ext cx="2416320" cy="1167120"/>
           </a:xfrm>
           <a:prstGeom prst="rect">
             <a:avLst/>
@@ -541,10 +508,7 @@
             <a:normAutofit/>
           </a:bodyPr>
           <a:p>
-            <a:endParaRPr b="0" lang="en-US" sz="1400" spc="-1" strike="noStrike">
-              <a:solidFill>
-                <a:srgbClr val="000000"/>
-              </a:solidFill>
+            <a:endParaRPr b="0" lang="en-US" sz="3200" spc="-1" strike="noStrike">
               <a:latin typeface="Arial"/>
             </a:endParaRPr>
           </a:p>
@@ -552,7 +516,7 @@
       </p:sp>
       <p:sp>
         <p:nvSpPr>
-          <p:cNvPr id="61" name="PlaceHolder 6"/>
+          <p:cNvPr id="60" name="PlaceHolder 6"/>
           <p:cNvSpPr>
             <a:spLocks noGrp="1"/>
           </p:cNvSpPr>
@@ -562,8 +526,8 @@
         </p:nvSpPr>
         <p:spPr>
           <a:xfrm>
-            <a:off x="3356640" y="3269520"/>
-            <a:ext cx="2416320" cy="1167480"/>
+            <a:off x="3356640" y="3269160"/>
+            <a:ext cx="2416320" cy="1167120"/>
           </a:xfrm>
           <a:prstGeom prst="rect">
             <a:avLst/>
@@ -574,10 +538,7 @@
             <a:normAutofit/>
           </a:bodyPr>
           <a:p>
-            <a:endParaRPr b="0" lang="en-US" sz="1400" spc="-1" strike="noStrike">
-              <a:solidFill>
-                <a:srgbClr val="000000"/>
-              </a:solidFill>
+            <a:endParaRPr b="0" lang="en-US" sz="3200" spc="-1" strike="noStrike">
               <a:latin typeface="Arial"/>
             </a:endParaRPr>
           </a:p>
@@ -585,7 +546,7 @@
       </p:sp>
       <p:sp>
         <p:nvSpPr>
-          <p:cNvPr id="62" name="PlaceHolder 7"/>
+          <p:cNvPr id="61" name="PlaceHolder 7"/>
           <p:cNvSpPr>
             <a:spLocks noGrp="1"/>
           </p:cNvSpPr>
@@ -595,8 +556,8 @@
         </p:nvSpPr>
         <p:spPr>
           <a:xfrm>
-            <a:off x="5893920" y="3269520"/>
-            <a:ext cx="2416320" cy="1167480"/>
+            <a:off x="5893920" y="3269160"/>
+            <a:ext cx="2416320" cy="1167120"/>
           </a:xfrm>
           <a:prstGeom prst="rect">
             <a:avLst/>
@@ -607,10 +568,7 @@
             <a:normAutofit/>
           </a:bodyPr>
           <a:p>
-            <a:endParaRPr b="0" lang="en-US" sz="1400" spc="-1" strike="noStrike">
-              <a:solidFill>
-                <a:srgbClr val="000000"/>
-              </a:solidFill>
+            <a:endParaRPr b="0" lang="en-US" sz="3200" spc="-1" strike="noStrike">
               <a:latin typeface="Arial"/>
             </a:endParaRPr>
           </a:p>
@@ -662,6 +620,90 @@
       </p:grpSpPr>
       <p:sp>
         <p:nvSpPr>
+          <p:cNvPr id="67" name="PlaceHolder 1"/>
+          <p:cNvSpPr>
+            <a:spLocks noGrp="1"/>
+          </p:cNvSpPr>
+          <p:nvPr>
+            <p:ph type="title"/>
+          </p:nvPr>
+        </p:nvSpPr>
+        <p:spPr>
+          <a:xfrm>
+            <a:off x="819000" y="845640"/>
+            <a:ext cx="7504920" cy="954000"/>
+          </a:xfrm>
+          <a:prstGeom prst="rect">
+            <a:avLst/>
+          </a:prstGeom>
+        </p:spPr>
+        <p:txBody>
+          <a:bodyPr lIns="0" rIns="0" tIns="0" bIns="0" anchor="ctr">
+            <a:noAutofit/>
+          </a:bodyPr>
+          <a:p>
+            <a:pPr algn="ctr"/>
+            <a:endParaRPr b="0" lang="en-US" sz="4400" spc="-1" strike="noStrike">
+              <a:latin typeface="Arial"/>
+            </a:endParaRPr>
+          </a:p>
+        </p:txBody>
+      </p:sp>
+      <p:sp>
+        <p:nvSpPr>
+          <p:cNvPr id="68" name="PlaceHolder 2"/>
+          <p:cNvSpPr>
+            <a:spLocks noGrp="1"/>
+          </p:cNvSpPr>
+          <p:nvPr>
+            <p:ph type="subTitle"/>
+          </p:nvPr>
+        </p:nvSpPr>
+        <p:spPr>
+          <a:xfrm>
+            <a:off x="819000" y="1990800"/>
+            <a:ext cx="7504920" cy="2447280"/>
+          </a:xfrm>
+          <a:prstGeom prst="rect">
+            <a:avLst/>
+          </a:prstGeom>
+        </p:spPr>
+        <p:txBody>
+          <a:bodyPr lIns="0" rIns="0" tIns="0" bIns="0" anchor="ctr">
+            <a:noAutofit/>
+          </a:bodyPr>
+          <a:p>
+            <a:pPr algn="ctr"/>
+            <a:endParaRPr b="0" lang="en-US" sz="3200" spc="-1" strike="noStrike">
+              <a:latin typeface="Arial"/>
+            </a:endParaRPr>
+          </a:p>
+        </p:txBody>
+      </p:sp>
+    </p:spTree>
+  </p:cSld>
+</p:sldLayout>
+</file>
+
+<file path=ppt/slideLayouts/slideLayout15.xml><?xml version="1.0" encoding="utf-8"?>
+<p:sldLayout xmlns:a="http://schemas.openxmlformats.org/drawingml/2006/main" xmlns:p="http://schemas.openxmlformats.org/presentationml/2006/main" xmlns:r="http://schemas.openxmlformats.org/officeDocument/2006/relationships" xmlns:p14="http://schemas.microsoft.com/office/powerpoint/2010/main" xmlns:p15="http://schemas.microsoft.com/office/powerpoint/2012/main" xmlns:mc="http://schemas.openxmlformats.org/markup-compatibility/2006" type="obj" preserve="1">
+  <p:cSld name="Title, Content">
+    <p:spTree>
+      <p:nvGrpSpPr>
+        <p:cNvPr id="1" name=""/>
+        <p:cNvGrpSpPr/>
+        <p:nvPr/>
+      </p:nvGrpSpPr>
+      <p:grpSpPr>
+        <a:xfrm>
+          <a:off x="0" y="0"/>
+          <a:ext cx="0" cy="0"/>
+          <a:chOff x="0" y="0"/>
+          <a:chExt cx="0" cy="0"/>
+        </a:xfrm>
+      </p:grpSpPr>
+      <p:sp>
+        <p:nvSpPr>
           <p:cNvPr id="69" name="PlaceHolder 1"/>
           <p:cNvSpPr>
             <a:spLocks noGrp="1"/>
@@ -673,7 +715,7 @@
         <p:spPr>
           <a:xfrm>
             <a:off x="819000" y="845640"/>
-            <a:ext cx="7505280" cy="954360"/>
+            <a:ext cx="7504920" cy="954000"/>
           </a:xfrm>
           <a:prstGeom prst="rect">
             <a:avLst/>
@@ -684,10 +726,8 @@
             <a:noAutofit/>
           </a:bodyPr>
           <a:p>
-            <a:endParaRPr b="0" lang="en-US" sz="1400" spc="-1" strike="noStrike">
-              <a:solidFill>
-                <a:srgbClr val="000000"/>
-              </a:solidFill>
+            <a:pPr algn="ctr"/>
+            <a:endParaRPr b="0" lang="en-US" sz="4400" spc="-1" strike="noStrike">
               <a:latin typeface="Arial"/>
             </a:endParaRPr>
           </a:p>
@@ -700,24 +740,23 @@
             <a:spLocks noGrp="1"/>
           </p:cNvSpPr>
           <p:nvPr>
-            <p:ph type="subTitle"/>
+            <p:ph type="body"/>
           </p:nvPr>
         </p:nvSpPr>
         <p:spPr>
           <a:xfrm>
             <a:off x="819000" y="1990800"/>
-            <a:ext cx="7505280" cy="2447640"/>
+            <a:ext cx="7504920" cy="2447280"/>
           </a:xfrm>
           <a:prstGeom prst="rect">
             <a:avLst/>
           </a:prstGeom>
         </p:spPr>
         <p:txBody>
-          <a:bodyPr lIns="0" rIns="0" tIns="0" bIns="0" anchor="ctr">
-            <a:noAutofit/>
+          <a:bodyPr lIns="0" rIns="0" tIns="0" bIns="0">
+            <a:normAutofit/>
           </a:bodyPr>
           <a:p>
-            <a:pPr algn="ctr"/>
             <a:endParaRPr b="0" lang="en-US" sz="3200" spc="-1" strike="noStrike">
               <a:latin typeface="Arial"/>
             </a:endParaRPr>
@@ -729,9 +768,9 @@
 </p:sldLayout>
 </file>
 
-<file path=ppt/slideLayouts/slideLayout15.xml><?xml version="1.0" encoding="utf-8"?>
-<p:sldLayout xmlns:a="http://schemas.openxmlformats.org/drawingml/2006/main" xmlns:p="http://schemas.openxmlformats.org/presentationml/2006/main" xmlns:r="http://schemas.openxmlformats.org/officeDocument/2006/relationships" xmlns:p14="http://schemas.microsoft.com/office/powerpoint/2010/main" xmlns:p15="http://schemas.microsoft.com/office/powerpoint/2012/main" xmlns:mc="http://schemas.openxmlformats.org/markup-compatibility/2006" type="obj" preserve="1">
-  <p:cSld name="Title, Content">
+<file path=ppt/slideLayouts/slideLayout16.xml><?xml version="1.0" encoding="utf-8"?>
+<p:sldLayout xmlns:a="http://schemas.openxmlformats.org/drawingml/2006/main" xmlns:p="http://schemas.openxmlformats.org/presentationml/2006/main" xmlns:r="http://schemas.openxmlformats.org/officeDocument/2006/relationships" xmlns:p14="http://schemas.microsoft.com/office/powerpoint/2010/main" xmlns:p15="http://schemas.microsoft.com/office/powerpoint/2012/main" xmlns:mc="http://schemas.openxmlformats.org/markup-compatibility/2006" type="twoObj" preserve="1">
+  <p:cSld name="Title, 2 Content">
     <p:spTree>
       <p:nvGrpSpPr>
         <p:cNvPr id="1" name=""/>
@@ -759,7 +798,7 @@
         <p:spPr>
           <a:xfrm>
             <a:off x="819000" y="845640"/>
-            <a:ext cx="7505280" cy="954360"/>
+            <a:ext cx="7504920" cy="954000"/>
           </a:xfrm>
           <a:prstGeom prst="rect">
             <a:avLst/>
@@ -770,10 +809,8 @@
             <a:noAutofit/>
           </a:bodyPr>
           <a:p>
-            <a:endParaRPr b="0" lang="en-US" sz="1400" spc="-1" strike="noStrike">
-              <a:solidFill>
-                <a:srgbClr val="000000"/>
-              </a:solidFill>
+            <a:pPr algn="ctr"/>
+            <a:endParaRPr b="0" lang="en-US" sz="4400" spc="-1" strike="noStrike">
               <a:latin typeface="Arial"/>
             </a:endParaRPr>
           </a:p>
@@ -792,7 +829,7 @@
         <p:spPr>
           <a:xfrm>
             <a:off x="819000" y="1990800"/>
-            <a:ext cx="7505280" cy="2447640"/>
+            <a:ext cx="3662280" cy="2447280"/>
           </a:xfrm>
           <a:prstGeom prst="rect">
             <a:avLst/>
@@ -803,10 +840,37 @@
             <a:normAutofit/>
           </a:bodyPr>
           <a:p>
-            <a:endParaRPr b="0" lang="en-US" sz="1400" spc="-1" strike="noStrike">
-              <a:solidFill>
-                <a:srgbClr val="000000"/>
-              </a:solidFill>
+            <a:endParaRPr b="0" lang="en-US" sz="3200" spc="-1" strike="noStrike">
+              <a:latin typeface="Arial"/>
+            </a:endParaRPr>
+          </a:p>
+        </p:txBody>
+      </p:sp>
+      <p:sp>
+        <p:nvSpPr>
+          <p:cNvPr id="73" name="PlaceHolder 3"/>
+          <p:cNvSpPr>
+            <a:spLocks noGrp="1"/>
+          </p:cNvSpPr>
+          <p:nvPr>
+            <p:ph type="body"/>
+          </p:nvPr>
+        </p:nvSpPr>
+        <p:spPr>
+          <a:xfrm>
+            <a:off x="4664880" y="1990800"/>
+            <a:ext cx="3662280" cy="2447280"/>
+          </a:xfrm>
+          <a:prstGeom prst="rect">
+            <a:avLst/>
+          </a:prstGeom>
+        </p:spPr>
+        <p:txBody>
+          <a:bodyPr lIns="0" rIns="0" tIns="0" bIns="0">
+            <a:normAutofit/>
+          </a:bodyPr>
+          <a:p>
+            <a:endParaRPr b="0" lang="en-US" sz="3200" spc="-1" strike="noStrike">
               <a:latin typeface="Arial"/>
             </a:endParaRPr>
           </a:p>
@@ -817,9 +881,9 @@
 </p:sldLayout>
 </file>
 
-<file path=ppt/slideLayouts/slideLayout16.xml><?xml version="1.0" encoding="utf-8"?>
-<p:sldLayout xmlns:a="http://schemas.openxmlformats.org/drawingml/2006/main" xmlns:p="http://schemas.openxmlformats.org/presentationml/2006/main" xmlns:r="http://schemas.openxmlformats.org/officeDocument/2006/relationships" xmlns:p14="http://schemas.microsoft.com/office/powerpoint/2010/main" xmlns:p15="http://schemas.microsoft.com/office/powerpoint/2012/main" xmlns:mc="http://schemas.openxmlformats.org/markup-compatibility/2006" type="twoObj" preserve="1">
-  <p:cSld name="Title, 2 Content">
+<file path=ppt/slideLayouts/slideLayout17.xml><?xml version="1.0" encoding="utf-8"?>
+<p:sldLayout xmlns:a="http://schemas.openxmlformats.org/drawingml/2006/main" xmlns:p="http://schemas.openxmlformats.org/presentationml/2006/main" xmlns:r="http://schemas.openxmlformats.org/officeDocument/2006/relationships" xmlns:p14="http://schemas.microsoft.com/office/powerpoint/2010/main" xmlns:p15="http://schemas.microsoft.com/office/powerpoint/2012/main" xmlns:mc="http://schemas.openxmlformats.org/markup-compatibility/2006" type="titleOnly" preserve="1">
+  <p:cSld name="Title Only">
     <p:spTree>
       <p:nvGrpSpPr>
         <p:cNvPr id="1" name=""/>
@@ -836,7 +900,7 @@
       </p:grpSpPr>
       <p:sp>
         <p:nvSpPr>
-          <p:cNvPr id="73" name="PlaceHolder 1"/>
+          <p:cNvPr id="74" name="PlaceHolder 1"/>
           <p:cNvSpPr>
             <a:spLocks noGrp="1"/>
           </p:cNvSpPr>
@@ -847,7 +911,7 @@
         <p:spPr>
           <a:xfrm>
             <a:off x="819000" y="845640"/>
-            <a:ext cx="7505280" cy="954360"/>
+            <a:ext cx="7504920" cy="954000"/>
           </a:xfrm>
           <a:prstGeom prst="rect">
             <a:avLst/>
@@ -858,76 +922,8 @@
             <a:noAutofit/>
           </a:bodyPr>
           <a:p>
-            <a:endParaRPr b="0" lang="en-US" sz="1400" spc="-1" strike="noStrike">
-              <a:solidFill>
-                <a:srgbClr val="000000"/>
-              </a:solidFill>
-              <a:latin typeface="Arial"/>
-            </a:endParaRPr>
-          </a:p>
-        </p:txBody>
-      </p:sp>
-      <p:sp>
-        <p:nvSpPr>
-          <p:cNvPr id="74" name="PlaceHolder 2"/>
-          <p:cNvSpPr>
-            <a:spLocks noGrp="1"/>
-          </p:cNvSpPr>
-          <p:nvPr>
-            <p:ph type="body"/>
-          </p:nvPr>
-        </p:nvSpPr>
-        <p:spPr>
-          <a:xfrm>
-            <a:off x="819000" y="1990800"/>
-            <a:ext cx="3662280" cy="2447640"/>
-          </a:xfrm>
-          <a:prstGeom prst="rect">
-            <a:avLst/>
-          </a:prstGeom>
-        </p:spPr>
-        <p:txBody>
-          <a:bodyPr lIns="0" rIns="0" tIns="0" bIns="0">
-            <a:normAutofit/>
-          </a:bodyPr>
-          <a:p>
-            <a:endParaRPr b="0" lang="en-US" sz="1400" spc="-1" strike="noStrike">
-              <a:solidFill>
-                <a:srgbClr val="000000"/>
-              </a:solidFill>
-              <a:latin typeface="Arial"/>
-            </a:endParaRPr>
-          </a:p>
-        </p:txBody>
-      </p:sp>
-      <p:sp>
-        <p:nvSpPr>
-          <p:cNvPr id="75" name="PlaceHolder 3"/>
-          <p:cNvSpPr>
-            <a:spLocks noGrp="1"/>
-          </p:cNvSpPr>
-          <p:nvPr>
-            <p:ph type="body"/>
-          </p:nvPr>
-        </p:nvSpPr>
-        <p:spPr>
-          <a:xfrm>
-            <a:off x="4664880" y="1990800"/>
-            <a:ext cx="3662280" cy="2447640"/>
-          </a:xfrm>
-          <a:prstGeom prst="rect">
-            <a:avLst/>
-          </a:prstGeom>
-        </p:spPr>
-        <p:txBody>
-          <a:bodyPr lIns="0" rIns="0" tIns="0" bIns="0">
-            <a:normAutofit/>
-          </a:bodyPr>
-          <a:p>
-            <a:endParaRPr b="0" lang="en-US" sz="1400" spc="-1" strike="noStrike">
-              <a:solidFill>
-                <a:srgbClr val="000000"/>
-              </a:solidFill>
+            <a:pPr algn="ctr"/>
+            <a:endParaRPr b="0" lang="en-US" sz="4400" spc="-1" strike="noStrike">
               <a:latin typeface="Arial"/>
             </a:endParaRPr>
           </a:p>
@@ -938,9 +934,62 @@
 </p:sldLayout>
 </file>
 
-<file path=ppt/slideLayouts/slideLayout17.xml><?xml version="1.0" encoding="utf-8"?>
-<p:sldLayout xmlns:a="http://schemas.openxmlformats.org/drawingml/2006/main" xmlns:p="http://schemas.openxmlformats.org/presentationml/2006/main" xmlns:r="http://schemas.openxmlformats.org/officeDocument/2006/relationships" xmlns:p14="http://schemas.microsoft.com/office/powerpoint/2010/main" xmlns:p15="http://schemas.microsoft.com/office/powerpoint/2012/main" xmlns:mc="http://schemas.openxmlformats.org/markup-compatibility/2006" type="titleOnly" preserve="1">
-  <p:cSld name="Title Only">
+<file path=ppt/slideLayouts/slideLayout18.xml><?xml version="1.0" encoding="utf-8"?>
+<p:sldLayout xmlns:a="http://schemas.openxmlformats.org/drawingml/2006/main" xmlns:p="http://schemas.openxmlformats.org/presentationml/2006/main" xmlns:r="http://schemas.openxmlformats.org/officeDocument/2006/relationships" xmlns:p14="http://schemas.microsoft.com/office/powerpoint/2010/main" xmlns:p15="http://schemas.microsoft.com/office/powerpoint/2012/main" xmlns:mc="http://schemas.openxmlformats.org/markup-compatibility/2006" type="objOnly" preserve="1">
+  <p:cSld name="Centered Text">
+    <p:spTree>
+      <p:nvGrpSpPr>
+        <p:cNvPr id="1" name=""/>
+        <p:cNvGrpSpPr/>
+        <p:nvPr/>
+      </p:nvGrpSpPr>
+      <p:grpSpPr>
+        <a:xfrm>
+          <a:off x="0" y="0"/>
+          <a:ext cx="0" cy="0"/>
+          <a:chOff x="0" y="0"/>
+          <a:chExt cx="0" cy="0"/>
+        </a:xfrm>
+      </p:grpSpPr>
+      <p:sp>
+        <p:nvSpPr>
+          <p:cNvPr id="75" name="PlaceHolder 1"/>
+          <p:cNvSpPr>
+            <a:spLocks noGrp="1"/>
+          </p:cNvSpPr>
+          <p:nvPr>
+            <p:ph type="subTitle"/>
+          </p:nvPr>
+        </p:nvSpPr>
+        <p:spPr>
+          <a:xfrm>
+            <a:off x="819000" y="845640"/>
+            <a:ext cx="7504920" cy="4423320"/>
+          </a:xfrm>
+          <a:prstGeom prst="rect">
+            <a:avLst/>
+          </a:prstGeom>
+        </p:spPr>
+        <p:txBody>
+          <a:bodyPr lIns="0" rIns="0" tIns="0" bIns="0" anchor="ctr">
+            <a:noAutofit/>
+          </a:bodyPr>
+          <a:p>
+            <a:pPr algn="ctr"/>
+            <a:endParaRPr b="0" lang="en-US" sz="3200" spc="-1" strike="noStrike">
+              <a:latin typeface="Arial"/>
+            </a:endParaRPr>
+          </a:p>
+        </p:txBody>
+      </p:sp>
+    </p:spTree>
+  </p:cSld>
+</p:sldLayout>
+</file>
+
+<file path=ppt/slideLayouts/slideLayout19.xml><?xml version="1.0" encoding="utf-8"?>
+<p:sldLayout xmlns:a="http://schemas.openxmlformats.org/drawingml/2006/main" xmlns:p="http://schemas.openxmlformats.org/presentationml/2006/main" xmlns:r="http://schemas.openxmlformats.org/officeDocument/2006/relationships" xmlns:p14="http://schemas.microsoft.com/office/powerpoint/2010/main" xmlns:p15="http://schemas.microsoft.com/office/powerpoint/2012/main" xmlns:mc="http://schemas.openxmlformats.org/markup-compatibility/2006" type="twoObjAndObj" preserve="1">
+  <p:cSld name="Title, 2 Content and Content">
     <p:spTree>
       <p:nvGrpSpPr>
         <p:cNvPr id="1" name=""/>
@@ -968,7 +1017,7 @@
         <p:spPr>
           <a:xfrm>
             <a:off x="819000" y="845640"/>
-            <a:ext cx="7505280" cy="954360"/>
+            <a:ext cx="7504920" cy="954000"/>
           </a:xfrm>
           <a:prstGeom prst="rect">
             <a:avLst/>
@@ -979,118 +1028,8 @@
             <a:noAutofit/>
           </a:bodyPr>
           <a:p>
-            <a:endParaRPr b="0" lang="en-US" sz="1400" spc="-1" strike="noStrike">
-              <a:solidFill>
-                <a:srgbClr val="000000"/>
-              </a:solidFill>
-              <a:latin typeface="Arial"/>
-            </a:endParaRPr>
-          </a:p>
-        </p:txBody>
-      </p:sp>
-    </p:spTree>
-  </p:cSld>
-</p:sldLayout>
-</file>
-
-<file path=ppt/slideLayouts/slideLayout18.xml><?xml version="1.0" encoding="utf-8"?>
-<p:sldLayout xmlns:a="http://schemas.openxmlformats.org/drawingml/2006/main" xmlns:p="http://schemas.openxmlformats.org/presentationml/2006/main" xmlns:r="http://schemas.openxmlformats.org/officeDocument/2006/relationships" xmlns:p14="http://schemas.microsoft.com/office/powerpoint/2010/main" xmlns:p15="http://schemas.microsoft.com/office/powerpoint/2012/main" xmlns:mc="http://schemas.openxmlformats.org/markup-compatibility/2006" type="objOnly" preserve="1">
-  <p:cSld name="Centered Text">
-    <p:spTree>
-      <p:nvGrpSpPr>
-        <p:cNvPr id="1" name=""/>
-        <p:cNvGrpSpPr/>
-        <p:nvPr/>
-      </p:nvGrpSpPr>
-      <p:grpSpPr>
-        <a:xfrm>
-          <a:off x="0" y="0"/>
-          <a:ext cx="0" cy="0"/>
-          <a:chOff x="0" y="0"/>
-          <a:chExt cx="0" cy="0"/>
-        </a:xfrm>
-      </p:grpSpPr>
-      <p:sp>
-        <p:nvSpPr>
-          <p:cNvPr id="77" name="PlaceHolder 1"/>
-          <p:cNvSpPr>
-            <a:spLocks noGrp="1"/>
-          </p:cNvSpPr>
-          <p:nvPr>
-            <p:ph type="subTitle"/>
-          </p:nvPr>
-        </p:nvSpPr>
-        <p:spPr>
-          <a:xfrm>
-            <a:off x="819000" y="845640"/>
-            <a:ext cx="7505280" cy="4425120"/>
-          </a:xfrm>
-          <a:prstGeom prst="rect">
-            <a:avLst/>
-          </a:prstGeom>
-        </p:spPr>
-        <p:txBody>
-          <a:bodyPr lIns="0" rIns="0" tIns="0" bIns="0" anchor="ctr">
-            <a:noAutofit/>
-          </a:bodyPr>
-          <a:p>
             <a:pPr algn="ctr"/>
-            <a:endParaRPr b="0" lang="en-US" sz="3200" spc="-1" strike="noStrike">
-              <a:latin typeface="Arial"/>
-            </a:endParaRPr>
-          </a:p>
-        </p:txBody>
-      </p:sp>
-    </p:spTree>
-  </p:cSld>
-</p:sldLayout>
-</file>
-
-<file path=ppt/slideLayouts/slideLayout19.xml><?xml version="1.0" encoding="utf-8"?>
-<p:sldLayout xmlns:a="http://schemas.openxmlformats.org/drawingml/2006/main" xmlns:p="http://schemas.openxmlformats.org/presentationml/2006/main" xmlns:r="http://schemas.openxmlformats.org/officeDocument/2006/relationships" xmlns:p14="http://schemas.microsoft.com/office/powerpoint/2010/main" xmlns:p15="http://schemas.microsoft.com/office/powerpoint/2012/main" xmlns:mc="http://schemas.openxmlformats.org/markup-compatibility/2006" type="twoObjAndObj" preserve="1">
-  <p:cSld name="Title, 2 Content and Content">
-    <p:spTree>
-      <p:nvGrpSpPr>
-        <p:cNvPr id="1" name=""/>
-        <p:cNvGrpSpPr/>
-        <p:nvPr/>
-      </p:nvGrpSpPr>
-      <p:grpSpPr>
-        <a:xfrm>
-          <a:off x="0" y="0"/>
-          <a:ext cx="0" cy="0"/>
-          <a:chOff x="0" y="0"/>
-          <a:chExt cx="0" cy="0"/>
-        </a:xfrm>
-      </p:grpSpPr>
-      <p:sp>
-        <p:nvSpPr>
-          <p:cNvPr id="78" name="PlaceHolder 1"/>
-          <p:cNvSpPr>
-            <a:spLocks noGrp="1"/>
-          </p:cNvSpPr>
-          <p:nvPr>
-            <p:ph type="title"/>
-          </p:nvPr>
-        </p:nvSpPr>
-        <p:spPr>
-          <a:xfrm>
-            <a:off x="819000" y="845640"/>
-            <a:ext cx="7505280" cy="954360"/>
-          </a:xfrm>
-          <a:prstGeom prst="rect">
-            <a:avLst/>
-          </a:prstGeom>
-        </p:spPr>
-        <p:txBody>
-          <a:bodyPr lIns="0" rIns="0" tIns="0" bIns="0" anchor="ctr">
-            <a:noAutofit/>
-          </a:bodyPr>
-          <a:p>
-            <a:endParaRPr b="0" lang="en-US" sz="1400" spc="-1" strike="noStrike">
-              <a:solidFill>
-                <a:srgbClr val="000000"/>
-              </a:solidFill>
+            <a:endParaRPr b="0" lang="en-US" sz="4400" spc="-1" strike="noStrike">
               <a:latin typeface="Arial"/>
             </a:endParaRPr>
           </a:p>
@@ -1098,7 +1037,7 @@
       </p:sp>
       <p:sp>
         <p:nvSpPr>
-          <p:cNvPr id="79" name="PlaceHolder 2"/>
+          <p:cNvPr id="77" name="PlaceHolder 2"/>
           <p:cNvSpPr>
             <a:spLocks noGrp="1"/>
           </p:cNvSpPr>
@@ -1109,7 +1048,7 @@
         <p:spPr>
           <a:xfrm>
             <a:off x="819000" y="1990800"/>
-            <a:ext cx="3662280" cy="1167480"/>
+            <a:ext cx="3662280" cy="1167120"/>
           </a:xfrm>
           <a:prstGeom prst="rect">
             <a:avLst/>
@@ -1120,10 +1059,7 @@
             <a:normAutofit/>
           </a:bodyPr>
           <a:p>
-            <a:endParaRPr b="0" lang="en-US" sz="1400" spc="-1" strike="noStrike">
-              <a:solidFill>
-                <a:srgbClr val="000000"/>
-              </a:solidFill>
+            <a:endParaRPr b="0" lang="en-US" sz="3200" spc="-1" strike="noStrike">
               <a:latin typeface="Arial"/>
             </a:endParaRPr>
           </a:p>
@@ -1131,7 +1067,7 @@
       </p:sp>
       <p:sp>
         <p:nvSpPr>
-          <p:cNvPr id="80" name="PlaceHolder 3"/>
+          <p:cNvPr id="78" name="PlaceHolder 3"/>
           <p:cNvSpPr>
             <a:spLocks noGrp="1"/>
           </p:cNvSpPr>
@@ -1142,7 +1078,7 @@
         <p:spPr>
           <a:xfrm>
             <a:off x="4664880" y="1990800"/>
-            <a:ext cx="3662280" cy="2447640"/>
+            <a:ext cx="3662280" cy="2447280"/>
           </a:xfrm>
           <a:prstGeom prst="rect">
             <a:avLst/>
@@ -1153,10 +1089,7 @@
             <a:normAutofit/>
           </a:bodyPr>
           <a:p>
-            <a:endParaRPr b="0" lang="en-US" sz="1400" spc="-1" strike="noStrike">
-              <a:solidFill>
-                <a:srgbClr val="000000"/>
-              </a:solidFill>
+            <a:endParaRPr b="0" lang="en-US" sz="3200" spc="-1" strike="noStrike">
               <a:latin typeface="Arial"/>
             </a:endParaRPr>
           </a:p>
@@ -1164,7 +1097,7 @@
       </p:sp>
       <p:sp>
         <p:nvSpPr>
-          <p:cNvPr id="81" name="PlaceHolder 4"/>
+          <p:cNvPr id="79" name="PlaceHolder 4"/>
           <p:cNvSpPr>
             <a:spLocks noGrp="1"/>
           </p:cNvSpPr>
@@ -1174,8 +1107,8 @@
         </p:nvSpPr>
         <p:spPr>
           <a:xfrm>
-            <a:off x="819000" y="3269520"/>
-            <a:ext cx="3662280" cy="1167480"/>
+            <a:off x="819000" y="3269160"/>
+            <a:ext cx="3662280" cy="1167120"/>
           </a:xfrm>
           <a:prstGeom prst="rect">
             <a:avLst/>
@@ -1186,10 +1119,7 @@
             <a:normAutofit/>
           </a:bodyPr>
           <a:p>
-            <a:endParaRPr b="0" lang="en-US" sz="1400" spc="-1" strike="noStrike">
-              <a:solidFill>
-                <a:srgbClr val="000000"/>
-              </a:solidFill>
+            <a:endParaRPr b="0" lang="en-US" sz="3200" spc="-1" strike="noStrike">
               <a:latin typeface="Arial"/>
             </a:endParaRPr>
           </a:p>
@@ -1219,7 +1149,7 @@
       </p:grpSpPr>
       <p:sp>
         <p:nvSpPr>
-          <p:cNvPr id="27" name="PlaceHolder 1"/>
+          <p:cNvPr id="26" name="PlaceHolder 1"/>
           <p:cNvSpPr>
             <a:spLocks noGrp="1"/>
           </p:cNvSpPr>
@@ -1230,7 +1160,7 @@
         <p:spPr>
           <a:xfrm>
             <a:off x="819000" y="845640"/>
-            <a:ext cx="7505280" cy="954360"/>
+            <a:ext cx="7504920" cy="954000"/>
           </a:xfrm>
           <a:prstGeom prst="rect">
             <a:avLst/>
@@ -1241,10 +1171,8 @@
             <a:noAutofit/>
           </a:bodyPr>
           <a:p>
-            <a:endParaRPr b="0" lang="en-US" sz="1400" spc="-1" strike="noStrike">
-              <a:solidFill>
-                <a:srgbClr val="000000"/>
-              </a:solidFill>
+            <a:pPr algn="ctr"/>
+            <a:endParaRPr b="0" lang="en-US" sz="4400" spc="-1" strike="noStrike">
               <a:latin typeface="Arial"/>
             </a:endParaRPr>
           </a:p>
@@ -1252,7 +1180,7 @@
       </p:sp>
       <p:sp>
         <p:nvSpPr>
-          <p:cNvPr id="28" name="PlaceHolder 2"/>
+          <p:cNvPr id="27" name="PlaceHolder 2"/>
           <p:cNvSpPr>
             <a:spLocks noGrp="1"/>
           </p:cNvSpPr>
@@ -1263,7 +1191,7 @@
         <p:spPr>
           <a:xfrm>
             <a:off x="819000" y="1990800"/>
-            <a:ext cx="7505280" cy="2447640"/>
+            <a:ext cx="7504920" cy="2447280"/>
           </a:xfrm>
           <a:prstGeom prst="rect">
             <a:avLst/>
@@ -1305,7 +1233,7 @@
       </p:grpSpPr>
       <p:sp>
         <p:nvSpPr>
-          <p:cNvPr id="82" name="PlaceHolder 1"/>
+          <p:cNvPr id="80" name="PlaceHolder 1"/>
           <p:cNvSpPr>
             <a:spLocks noGrp="1"/>
           </p:cNvSpPr>
@@ -1316,7 +1244,7 @@
         <p:spPr>
           <a:xfrm>
             <a:off x="819000" y="845640"/>
-            <a:ext cx="7505280" cy="954360"/>
+            <a:ext cx="7504920" cy="954000"/>
           </a:xfrm>
           <a:prstGeom prst="rect">
             <a:avLst/>
@@ -1327,10 +1255,8 @@
             <a:noAutofit/>
           </a:bodyPr>
           <a:p>
-            <a:endParaRPr b="0" lang="en-US" sz="1400" spc="-1" strike="noStrike">
-              <a:solidFill>
-                <a:srgbClr val="000000"/>
-              </a:solidFill>
+            <a:pPr algn="ctr"/>
+            <a:endParaRPr b="0" lang="en-US" sz="4400" spc="-1" strike="noStrike">
               <a:latin typeface="Arial"/>
             </a:endParaRPr>
           </a:p>
@@ -1338,7 +1264,7 @@
       </p:sp>
       <p:sp>
         <p:nvSpPr>
-          <p:cNvPr id="83" name="PlaceHolder 2"/>
+          <p:cNvPr id="81" name="PlaceHolder 2"/>
           <p:cNvSpPr>
             <a:spLocks noGrp="1"/>
           </p:cNvSpPr>
@@ -1349,7 +1275,7 @@
         <p:spPr>
           <a:xfrm>
             <a:off x="819000" y="1990800"/>
-            <a:ext cx="3662280" cy="2447640"/>
+            <a:ext cx="3662280" cy="2447280"/>
           </a:xfrm>
           <a:prstGeom prst="rect">
             <a:avLst/>
@@ -1360,10 +1286,7 @@
             <a:normAutofit/>
           </a:bodyPr>
           <a:p>
-            <a:endParaRPr b="0" lang="en-US" sz="1400" spc="-1" strike="noStrike">
-              <a:solidFill>
-                <a:srgbClr val="000000"/>
-              </a:solidFill>
+            <a:endParaRPr b="0" lang="en-US" sz="3200" spc="-1" strike="noStrike">
               <a:latin typeface="Arial"/>
             </a:endParaRPr>
           </a:p>
@@ -1371,7 +1294,7 @@
       </p:sp>
       <p:sp>
         <p:nvSpPr>
-          <p:cNvPr id="84" name="PlaceHolder 3"/>
+          <p:cNvPr id="82" name="PlaceHolder 3"/>
           <p:cNvSpPr>
             <a:spLocks noGrp="1"/>
           </p:cNvSpPr>
@@ -1382,7 +1305,7 @@
         <p:spPr>
           <a:xfrm>
             <a:off x="4664880" y="1990800"/>
-            <a:ext cx="3662280" cy="1167480"/>
+            <a:ext cx="3662280" cy="1167120"/>
           </a:xfrm>
           <a:prstGeom prst="rect">
             <a:avLst/>
@@ -1393,10 +1316,7 @@
             <a:normAutofit/>
           </a:bodyPr>
           <a:p>
-            <a:endParaRPr b="0" lang="en-US" sz="1400" spc="-1" strike="noStrike">
-              <a:solidFill>
-                <a:srgbClr val="000000"/>
-              </a:solidFill>
+            <a:endParaRPr b="0" lang="en-US" sz="3200" spc="-1" strike="noStrike">
               <a:latin typeface="Arial"/>
             </a:endParaRPr>
           </a:p>
@@ -1404,7 +1324,7 @@
       </p:sp>
       <p:sp>
         <p:nvSpPr>
-          <p:cNvPr id="85" name="PlaceHolder 4"/>
+          <p:cNvPr id="83" name="PlaceHolder 4"/>
           <p:cNvSpPr>
             <a:spLocks noGrp="1"/>
           </p:cNvSpPr>
@@ -1414,8 +1334,8 @@
         </p:nvSpPr>
         <p:spPr>
           <a:xfrm>
-            <a:off x="4664880" y="3269520"/>
-            <a:ext cx="3662280" cy="1167480"/>
+            <a:off x="4664880" y="3269160"/>
+            <a:ext cx="3662280" cy="1167120"/>
           </a:xfrm>
           <a:prstGeom prst="rect">
             <a:avLst/>
@@ -1426,10 +1346,7 @@
             <a:normAutofit/>
           </a:bodyPr>
           <a:p>
-            <a:endParaRPr b="0" lang="en-US" sz="1400" spc="-1" strike="noStrike">
-              <a:solidFill>
-                <a:srgbClr val="000000"/>
-              </a:solidFill>
+            <a:endParaRPr b="0" lang="en-US" sz="3200" spc="-1" strike="noStrike">
               <a:latin typeface="Arial"/>
             </a:endParaRPr>
           </a:p>
@@ -1459,7 +1376,7 @@
       </p:grpSpPr>
       <p:sp>
         <p:nvSpPr>
-          <p:cNvPr id="86" name="PlaceHolder 1"/>
+          <p:cNvPr id="84" name="PlaceHolder 1"/>
           <p:cNvSpPr>
             <a:spLocks noGrp="1"/>
           </p:cNvSpPr>
@@ -1470,7 +1387,7 @@
         <p:spPr>
           <a:xfrm>
             <a:off x="819000" y="845640"/>
-            <a:ext cx="7505280" cy="954360"/>
+            <a:ext cx="7504920" cy="954000"/>
           </a:xfrm>
           <a:prstGeom prst="rect">
             <a:avLst/>
@@ -1481,10 +1398,8 @@
             <a:noAutofit/>
           </a:bodyPr>
           <a:p>
-            <a:endParaRPr b="0" lang="en-US" sz="1400" spc="-1" strike="noStrike">
-              <a:solidFill>
-                <a:srgbClr val="000000"/>
-              </a:solidFill>
+            <a:pPr algn="ctr"/>
+            <a:endParaRPr b="0" lang="en-US" sz="4400" spc="-1" strike="noStrike">
               <a:latin typeface="Arial"/>
             </a:endParaRPr>
           </a:p>
@@ -1492,7 +1407,7 @@
       </p:sp>
       <p:sp>
         <p:nvSpPr>
-          <p:cNvPr id="87" name="PlaceHolder 2"/>
+          <p:cNvPr id="85" name="PlaceHolder 2"/>
           <p:cNvSpPr>
             <a:spLocks noGrp="1"/>
           </p:cNvSpPr>
@@ -1503,7 +1418,7 @@
         <p:spPr>
           <a:xfrm>
             <a:off x="819000" y="1990800"/>
-            <a:ext cx="3662280" cy="1167480"/>
+            <a:ext cx="3662280" cy="1167120"/>
           </a:xfrm>
           <a:prstGeom prst="rect">
             <a:avLst/>
@@ -1514,10 +1429,7 @@
             <a:normAutofit/>
           </a:bodyPr>
           <a:p>
-            <a:endParaRPr b="0" lang="en-US" sz="1400" spc="-1" strike="noStrike">
-              <a:solidFill>
-                <a:srgbClr val="000000"/>
-              </a:solidFill>
+            <a:endParaRPr b="0" lang="en-US" sz="3200" spc="-1" strike="noStrike">
               <a:latin typeface="Arial"/>
             </a:endParaRPr>
           </a:p>
@@ -1525,7 +1437,7 @@
       </p:sp>
       <p:sp>
         <p:nvSpPr>
-          <p:cNvPr id="88" name="PlaceHolder 3"/>
+          <p:cNvPr id="86" name="PlaceHolder 3"/>
           <p:cNvSpPr>
             <a:spLocks noGrp="1"/>
           </p:cNvSpPr>
@@ -1536,7 +1448,7 @@
         <p:spPr>
           <a:xfrm>
             <a:off x="4664880" y="1990800"/>
-            <a:ext cx="3662280" cy="1167480"/>
+            <a:ext cx="3662280" cy="1167120"/>
           </a:xfrm>
           <a:prstGeom prst="rect">
             <a:avLst/>
@@ -1547,10 +1459,7 @@
             <a:normAutofit/>
           </a:bodyPr>
           <a:p>
-            <a:endParaRPr b="0" lang="en-US" sz="1400" spc="-1" strike="noStrike">
-              <a:solidFill>
-                <a:srgbClr val="000000"/>
-              </a:solidFill>
+            <a:endParaRPr b="0" lang="en-US" sz="3200" spc="-1" strike="noStrike">
               <a:latin typeface="Arial"/>
             </a:endParaRPr>
           </a:p>
@@ -1558,7 +1467,7 @@
       </p:sp>
       <p:sp>
         <p:nvSpPr>
-          <p:cNvPr id="89" name="PlaceHolder 4"/>
+          <p:cNvPr id="87" name="PlaceHolder 4"/>
           <p:cNvSpPr>
             <a:spLocks noGrp="1"/>
           </p:cNvSpPr>
@@ -1568,8 +1477,8 @@
         </p:nvSpPr>
         <p:spPr>
           <a:xfrm>
-            <a:off x="819000" y="3269520"/>
-            <a:ext cx="7505280" cy="1167480"/>
+            <a:off x="819000" y="3269160"/>
+            <a:ext cx="7504920" cy="1167120"/>
           </a:xfrm>
           <a:prstGeom prst="rect">
             <a:avLst/>
@@ -1580,10 +1489,7 @@
             <a:normAutofit/>
           </a:bodyPr>
           <a:p>
-            <a:endParaRPr b="0" lang="en-US" sz="1400" spc="-1" strike="noStrike">
-              <a:solidFill>
-                <a:srgbClr val="000000"/>
-              </a:solidFill>
+            <a:endParaRPr b="0" lang="en-US" sz="3200" spc="-1" strike="noStrike">
               <a:latin typeface="Arial"/>
             </a:endParaRPr>
           </a:p>
@@ -1613,7 +1519,7 @@
       </p:grpSpPr>
       <p:sp>
         <p:nvSpPr>
-          <p:cNvPr id="90" name="PlaceHolder 1"/>
+          <p:cNvPr id="88" name="PlaceHolder 1"/>
           <p:cNvSpPr>
             <a:spLocks noGrp="1"/>
           </p:cNvSpPr>
@@ -1624,7 +1530,7 @@
         <p:spPr>
           <a:xfrm>
             <a:off x="819000" y="845640"/>
-            <a:ext cx="7505280" cy="954360"/>
+            <a:ext cx="7504920" cy="954000"/>
           </a:xfrm>
           <a:prstGeom prst="rect">
             <a:avLst/>
@@ -1635,10 +1541,8 @@
             <a:noAutofit/>
           </a:bodyPr>
           <a:p>
-            <a:endParaRPr b="0" lang="en-US" sz="1400" spc="-1" strike="noStrike">
-              <a:solidFill>
-                <a:srgbClr val="000000"/>
-              </a:solidFill>
+            <a:pPr algn="ctr"/>
+            <a:endParaRPr b="0" lang="en-US" sz="4400" spc="-1" strike="noStrike">
               <a:latin typeface="Arial"/>
             </a:endParaRPr>
           </a:p>
@@ -1646,7 +1550,7 @@
       </p:sp>
       <p:sp>
         <p:nvSpPr>
-          <p:cNvPr id="91" name="PlaceHolder 2"/>
+          <p:cNvPr id="89" name="PlaceHolder 2"/>
           <p:cNvSpPr>
             <a:spLocks noGrp="1"/>
           </p:cNvSpPr>
@@ -1657,7 +1561,7 @@
         <p:spPr>
           <a:xfrm>
             <a:off x="819000" y="1990800"/>
-            <a:ext cx="7505280" cy="1167480"/>
+            <a:ext cx="7504920" cy="1167120"/>
           </a:xfrm>
           <a:prstGeom prst="rect">
             <a:avLst/>
@@ -1668,10 +1572,7 @@
             <a:normAutofit/>
           </a:bodyPr>
           <a:p>
-            <a:endParaRPr b="0" lang="en-US" sz="1400" spc="-1" strike="noStrike">
-              <a:solidFill>
-                <a:srgbClr val="000000"/>
-              </a:solidFill>
+            <a:endParaRPr b="0" lang="en-US" sz="3200" spc="-1" strike="noStrike">
               <a:latin typeface="Arial"/>
             </a:endParaRPr>
           </a:p>
@@ -1679,7 +1580,7 @@
       </p:sp>
       <p:sp>
         <p:nvSpPr>
-          <p:cNvPr id="92" name="PlaceHolder 3"/>
+          <p:cNvPr id="90" name="PlaceHolder 3"/>
           <p:cNvSpPr>
             <a:spLocks noGrp="1"/>
           </p:cNvSpPr>
@@ -1689,8 +1590,8 @@
         </p:nvSpPr>
         <p:spPr>
           <a:xfrm>
-            <a:off x="819000" y="3269520"/>
-            <a:ext cx="7505280" cy="1167480"/>
+            <a:off x="819000" y="3269160"/>
+            <a:ext cx="7504920" cy="1167120"/>
           </a:xfrm>
           <a:prstGeom prst="rect">
             <a:avLst/>
@@ -1701,10 +1602,7 @@
             <a:normAutofit/>
           </a:bodyPr>
           <a:p>
-            <a:endParaRPr b="0" lang="en-US" sz="1400" spc="-1" strike="noStrike">
-              <a:solidFill>
-                <a:srgbClr val="000000"/>
-              </a:solidFill>
+            <a:endParaRPr b="0" lang="en-US" sz="3200" spc="-1" strike="noStrike">
               <a:latin typeface="Arial"/>
             </a:endParaRPr>
           </a:p>
@@ -1734,7 +1632,7 @@
       </p:grpSpPr>
       <p:sp>
         <p:nvSpPr>
-          <p:cNvPr id="93" name="PlaceHolder 1"/>
+          <p:cNvPr id="91" name="PlaceHolder 1"/>
           <p:cNvSpPr>
             <a:spLocks noGrp="1"/>
           </p:cNvSpPr>
@@ -1745,7 +1643,7 @@
         <p:spPr>
           <a:xfrm>
             <a:off x="819000" y="845640"/>
-            <a:ext cx="7505280" cy="954360"/>
+            <a:ext cx="7504920" cy="954000"/>
           </a:xfrm>
           <a:prstGeom prst="rect">
             <a:avLst/>
@@ -1756,10 +1654,8 @@
             <a:noAutofit/>
           </a:bodyPr>
           <a:p>
-            <a:endParaRPr b="0" lang="en-US" sz="1400" spc="-1" strike="noStrike">
-              <a:solidFill>
-                <a:srgbClr val="000000"/>
-              </a:solidFill>
+            <a:pPr algn="ctr"/>
+            <a:endParaRPr b="0" lang="en-US" sz="4400" spc="-1" strike="noStrike">
               <a:latin typeface="Arial"/>
             </a:endParaRPr>
           </a:p>
@@ -1767,7 +1663,7 @@
       </p:sp>
       <p:sp>
         <p:nvSpPr>
-          <p:cNvPr id="94" name="PlaceHolder 2"/>
+          <p:cNvPr id="92" name="PlaceHolder 2"/>
           <p:cNvSpPr>
             <a:spLocks noGrp="1"/>
           </p:cNvSpPr>
@@ -1778,7 +1674,7 @@
         <p:spPr>
           <a:xfrm>
             <a:off x="819000" y="1990800"/>
-            <a:ext cx="3662280" cy="1167480"/>
+            <a:ext cx="3662280" cy="1167120"/>
           </a:xfrm>
           <a:prstGeom prst="rect">
             <a:avLst/>
@@ -1789,10 +1685,7 @@
             <a:normAutofit/>
           </a:bodyPr>
           <a:p>
-            <a:endParaRPr b="0" lang="en-US" sz="1400" spc="-1" strike="noStrike">
-              <a:solidFill>
-                <a:srgbClr val="000000"/>
-              </a:solidFill>
+            <a:endParaRPr b="0" lang="en-US" sz="3200" spc="-1" strike="noStrike">
               <a:latin typeface="Arial"/>
             </a:endParaRPr>
           </a:p>
@@ -1800,7 +1693,7 @@
       </p:sp>
       <p:sp>
         <p:nvSpPr>
-          <p:cNvPr id="95" name="PlaceHolder 3"/>
+          <p:cNvPr id="93" name="PlaceHolder 3"/>
           <p:cNvSpPr>
             <a:spLocks noGrp="1"/>
           </p:cNvSpPr>
@@ -1811,7 +1704,7 @@
         <p:spPr>
           <a:xfrm>
             <a:off x="4664880" y="1990800"/>
-            <a:ext cx="3662280" cy="1167480"/>
+            <a:ext cx="3662280" cy="1167120"/>
           </a:xfrm>
           <a:prstGeom prst="rect">
             <a:avLst/>
@@ -1822,10 +1715,7 @@
             <a:normAutofit/>
           </a:bodyPr>
           <a:p>
-            <a:endParaRPr b="0" lang="en-US" sz="1400" spc="-1" strike="noStrike">
-              <a:solidFill>
-                <a:srgbClr val="000000"/>
-              </a:solidFill>
+            <a:endParaRPr b="0" lang="en-US" sz="3200" spc="-1" strike="noStrike">
               <a:latin typeface="Arial"/>
             </a:endParaRPr>
           </a:p>
@@ -1833,7 +1723,7 @@
       </p:sp>
       <p:sp>
         <p:nvSpPr>
-          <p:cNvPr id="96" name="PlaceHolder 4"/>
+          <p:cNvPr id="94" name="PlaceHolder 4"/>
           <p:cNvSpPr>
             <a:spLocks noGrp="1"/>
           </p:cNvSpPr>
@@ -1843,8 +1733,8 @@
         </p:nvSpPr>
         <p:spPr>
           <a:xfrm>
-            <a:off x="819000" y="3269520"/>
-            <a:ext cx="3662280" cy="1167480"/>
+            <a:off x="819000" y="3269160"/>
+            <a:ext cx="3662280" cy="1167120"/>
           </a:xfrm>
           <a:prstGeom prst="rect">
             <a:avLst/>
@@ -1855,10 +1745,7 @@
             <a:normAutofit/>
           </a:bodyPr>
           <a:p>
-            <a:endParaRPr b="0" lang="en-US" sz="1400" spc="-1" strike="noStrike">
-              <a:solidFill>
-                <a:srgbClr val="000000"/>
-              </a:solidFill>
+            <a:endParaRPr b="0" lang="en-US" sz="3200" spc="-1" strike="noStrike">
               <a:latin typeface="Arial"/>
             </a:endParaRPr>
           </a:p>
@@ -1866,7 +1753,7 @@
       </p:sp>
       <p:sp>
         <p:nvSpPr>
-          <p:cNvPr id="97" name="PlaceHolder 5"/>
+          <p:cNvPr id="95" name="PlaceHolder 5"/>
           <p:cNvSpPr>
             <a:spLocks noGrp="1"/>
           </p:cNvSpPr>
@@ -1876,8 +1763,8 @@
         </p:nvSpPr>
         <p:spPr>
           <a:xfrm>
-            <a:off x="4664880" y="3269520"/>
-            <a:ext cx="3662280" cy="1167480"/>
+            <a:off x="4664880" y="3269160"/>
+            <a:ext cx="3662280" cy="1167120"/>
           </a:xfrm>
           <a:prstGeom prst="rect">
             <a:avLst/>
@@ -1888,10 +1775,7 @@
             <a:normAutofit/>
           </a:bodyPr>
           <a:p>
-            <a:endParaRPr b="0" lang="en-US" sz="1400" spc="-1" strike="noStrike">
-              <a:solidFill>
-                <a:srgbClr val="000000"/>
-              </a:solidFill>
+            <a:endParaRPr b="0" lang="en-US" sz="3200" spc="-1" strike="noStrike">
               <a:latin typeface="Arial"/>
             </a:endParaRPr>
           </a:p>
@@ -1921,7 +1805,7 @@
       </p:grpSpPr>
       <p:sp>
         <p:nvSpPr>
-          <p:cNvPr id="98" name="PlaceHolder 1"/>
+          <p:cNvPr id="96" name="PlaceHolder 1"/>
           <p:cNvSpPr>
             <a:spLocks noGrp="1"/>
           </p:cNvSpPr>
@@ -1932,7 +1816,7 @@
         <p:spPr>
           <a:xfrm>
             <a:off x="819000" y="845640"/>
-            <a:ext cx="7505280" cy="954360"/>
+            <a:ext cx="7504920" cy="954000"/>
           </a:xfrm>
           <a:prstGeom prst="rect">
             <a:avLst/>
@@ -1943,10 +1827,8 @@
             <a:noAutofit/>
           </a:bodyPr>
           <a:p>
-            <a:endParaRPr b="0" lang="en-US" sz="1400" spc="-1" strike="noStrike">
-              <a:solidFill>
-                <a:srgbClr val="000000"/>
-              </a:solidFill>
+            <a:pPr algn="ctr"/>
+            <a:endParaRPr b="0" lang="en-US" sz="4400" spc="-1" strike="noStrike">
               <a:latin typeface="Arial"/>
             </a:endParaRPr>
           </a:p>
@@ -1954,7 +1836,7 @@
       </p:sp>
       <p:sp>
         <p:nvSpPr>
-          <p:cNvPr id="99" name="PlaceHolder 2"/>
+          <p:cNvPr id="97" name="PlaceHolder 2"/>
           <p:cNvSpPr>
             <a:spLocks noGrp="1"/>
           </p:cNvSpPr>
@@ -1965,7 +1847,7 @@
         <p:spPr>
           <a:xfrm>
             <a:off x="819000" y="1990800"/>
-            <a:ext cx="2416320" cy="1167480"/>
+            <a:ext cx="2416320" cy="1167120"/>
           </a:xfrm>
           <a:prstGeom prst="rect">
             <a:avLst/>
@@ -1976,10 +1858,7 @@
             <a:normAutofit/>
           </a:bodyPr>
           <a:p>
-            <a:endParaRPr b="0" lang="en-US" sz="1400" spc="-1" strike="noStrike">
-              <a:solidFill>
-                <a:srgbClr val="000000"/>
-              </a:solidFill>
+            <a:endParaRPr b="0" lang="en-US" sz="3200" spc="-1" strike="noStrike">
               <a:latin typeface="Arial"/>
             </a:endParaRPr>
           </a:p>
@@ -1987,7 +1866,7 @@
       </p:sp>
       <p:sp>
         <p:nvSpPr>
-          <p:cNvPr id="100" name="PlaceHolder 3"/>
+          <p:cNvPr id="98" name="PlaceHolder 3"/>
           <p:cNvSpPr>
             <a:spLocks noGrp="1"/>
           </p:cNvSpPr>
@@ -1998,7 +1877,7 @@
         <p:spPr>
           <a:xfrm>
             <a:off x="3356640" y="1990800"/>
-            <a:ext cx="2416320" cy="1167480"/>
+            <a:ext cx="2416320" cy="1167120"/>
           </a:xfrm>
           <a:prstGeom prst="rect">
             <a:avLst/>
@@ -2009,10 +1888,7 @@
             <a:normAutofit/>
           </a:bodyPr>
           <a:p>
-            <a:endParaRPr b="0" lang="en-US" sz="1400" spc="-1" strike="noStrike">
-              <a:solidFill>
-                <a:srgbClr val="000000"/>
-              </a:solidFill>
+            <a:endParaRPr b="0" lang="en-US" sz="3200" spc="-1" strike="noStrike">
               <a:latin typeface="Arial"/>
             </a:endParaRPr>
           </a:p>
@@ -2020,7 +1896,7 @@
       </p:sp>
       <p:sp>
         <p:nvSpPr>
-          <p:cNvPr id="101" name="PlaceHolder 4"/>
+          <p:cNvPr id="99" name="PlaceHolder 4"/>
           <p:cNvSpPr>
             <a:spLocks noGrp="1"/>
           </p:cNvSpPr>
@@ -2031,7 +1907,7 @@
         <p:spPr>
           <a:xfrm>
             <a:off x="5893920" y="1990800"/>
-            <a:ext cx="2416320" cy="1167480"/>
+            <a:ext cx="2416320" cy="1167120"/>
           </a:xfrm>
           <a:prstGeom prst="rect">
             <a:avLst/>
@@ -2042,10 +1918,7 @@
             <a:normAutofit/>
           </a:bodyPr>
           <a:p>
-            <a:endParaRPr b="0" lang="en-US" sz="1400" spc="-1" strike="noStrike">
-              <a:solidFill>
-                <a:srgbClr val="000000"/>
-              </a:solidFill>
+            <a:endParaRPr b="0" lang="en-US" sz="3200" spc="-1" strike="noStrike">
               <a:latin typeface="Arial"/>
             </a:endParaRPr>
           </a:p>
@@ -2053,7 +1926,7 @@
       </p:sp>
       <p:sp>
         <p:nvSpPr>
-          <p:cNvPr id="102" name="PlaceHolder 5"/>
+          <p:cNvPr id="100" name="PlaceHolder 5"/>
           <p:cNvSpPr>
             <a:spLocks noGrp="1"/>
           </p:cNvSpPr>
@@ -2063,8 +1936,8 @@
         </p:nvSpPr>
         <p:spPr>
           <a:xfrm>
-            <a:off x="819000" y="3269520"/>
-            <a:ext cx="2416320" cy="1167480"/>
+            <a:off x="819000" y="3269160"/>
+            <a:ext cx="2416320" cy="1167120"/>
           </a:xfrm>
           <a:prstGeom prst="rect">
             <a:avLst/>
@@ -2075,10 +1948,7 @@
             <a:normAutofit/>
           </a:bodyPr>
           <a:p>
-            <a:endParaRPr b="0" lang="en-US" sz="1400" spc="-1" strike="noStrike">
-              <a:solidFill>
-                <a:srgbClr val="000000"/>
-              </a:solidFill>
+            <a:endParaRPr b="0" lang="en-US" sz="3200" spc="-1" strike="noStrike">
               <a:latin typeface="Arial"/>
             </a:endParaRPr>
           </a:p>
@@ -2086,7 +1956,7 @@
       </p:sp>
       <p:sp>
         <p:nvSpPr>
-          <p:cNvPr id="103" name="PlaceHolder 6"/>
+          <p:cNvPr id="101" name="PlaceHolder 6"/>
           <p:cNvSpPr>
             <a:spLocks noGrp="1"/>
           </p:cNvSpPr>
@@ -2096,8 +1966,8 @@
         </p:nvSpPr>
         <p:spPr>
           <a:xfrm>
-            <a:off x="3356640" y="3269520"/>
-            <a:ext cx="2416320" cy="1167480"/>
+            <a:off x="3356640" y="3269160"/>
+            <a:ext cx="2416320" cy="1167120"/>
           </a:xfrm>
           <a:prstGeom prst="rect">
             <a:avLst/>
@@ -2108,10 +1978,7 @@
             <a:normAutofit/>
           </a:bodyPr>
           <a:p>
-            <a:endParaRPr b="0" lang="en-US" sz="1400" spc="-1" strike="noStrike">
-              <a:solidFill>
-                <a:srgbClr val="000000"/>
-              </a:solidFill>
+            <a:endParaRPr b="0" lang="en-US" sz="3200" spc="-1" strike="noStrike">
               <a:latin typeface="Arial"/>
             </a:endParaRPr>
           </a:p>
@@ -2119,7 +1986,7 @@
       </p:sp>
       <p:sp>
         <p:nvSpPr>
-          <p:cNvPr id="104" name="PlaceHolder 7"/>
+          <p:cNvPr id="102" name="PlaceHolder 7"/>
           <p:cNvSpPr>
             <a:spLocks noGrp="1"/>
           </p:cNvSpPr>
@@ -2129,8 +1996,8 @@
         </p:nvSpPr>
         <p:spPr>
           <a:xfrm>
-            <a:off x="5893920" y="3269520"/>
-            <a:ext cx="2416320" cy="1167480"/>
+            <a:off x="5893920" y="3269160"/>
+            <a:ext cx="2416320" cy="1167120"/>
           </a:xfrm>
           <a:prstGeom prst="rect">
             <a:avLst/>
@@ -2141,10 +2008,7 @@
             <a:normAutofit/>
           </a:bodyPr>
           <a:p>
-            <a:endParaRPr b="0" lang="en-US" sz="1400" spc="-1" strike="noStrike">
-              <a:solidFill>
-                <a:srgbClr val="000000"/>
-              </a:solidFill>
+            <a:endParaRPr b="0" lang="en-US" sz="3200" spc="-1" strike="noStrike">
               <a:latin typeface="Arial"/>
             </a:endParaRPr>
           </a:p>
@@ -2174,7 +2038,7 @@
       </p:grpSpPr>
       <p:sp>
         <p:nvSpPr>
-          <p:cNvPr id="29" name="PlaceHolder 1"/>
+          <p:cNvPr id="28" name="PlaceHolder 1"/>
           <p:cNvSpPr>
             <a:spLocks noGrp="1"/>
           </p:cNvSpPr>
@@ -2185,7 +2049,7 @@
         <p:spPr>
           <a:xfrm>
             <a:off x="819000" y="845640"/>
-            <a:ext cx="7505280" cy="954360"/>
+            <a:ext cx="7504920" cy="954000"/>
           </a:xfrm>
           <a:prstGeom prst="rect">
             <a:avLst/>
@@ -2196,10 +2060,8 @@
             <a:noAutofit/>
           </a:bodyPr>
           <a:p>
-            <a:endParaRPr b="0" lang="en-US" sz="1400" spc="-1" strike="noStrike">
-              <a:solidFill>
-                <a:srgbClr val="000000"/>
-              </a:solidFill>
+            <a:pPr algn="ctr"/>
+            <a:endParaRPr b="0" lang="en-US" sz="4400" spc="-1" strike="noStrike">
               <a:latin typeface="Arial"/>
             </a:endParaRPr>
           </a:p>
@@ -2207,7 +2069,7 @@
       </p:sp>
       <p:sp>
         <p:nvSpPr>
-          <p:cNvPr id="30" name="PlaceHolder 2"/>
+          <p:cNvPr id="29" name="PlaceHolder 2"/>
           <p:cNvSpPr>
             <a:spLocks noGrp="1"/>
           </p:cNvSpPr>
@@ -2218,7 +2080,7 @@
         <p:spPr>
           <a:xfrm>
             <a:off x="819000" y="1990800"/>
-            <a:ext cx="7505280" cy="2447640"/>
+            <a:ext cx="7504920" cy="2447280"/>
           </a:xfrm>
           <a:prstGeom prst="rect">
             <a:avLst/>
@@ -2229,10 +2091,7 @@
             <a:normAutofit/>
           </a:bodyPr>
           <a:p>
-            <a:endParaRPr b="0" lang="en-US" sz="1400" spc="-1" strike="noStrike">
-              <a:solidFill>
-                <a:srgbClr val="000000"/>
-              </a:solidFill>
+            <a:endParaRPr b="0" lang="en-US" sz="3200" spc="-1" strike="noStrike">
               <a:latin typeface="Arial"/>
             </a:endParaRPr>
           </a:p>
@@ -2262,7 +2121,7 @@
       </p:grpSpPr>
       <p:sp>
         <p:nvSpPr>
-          <p:cNvPr id="31" name="PlaceHolder 1"/>
+          <p:cNvPr id="30" name="PlaceHolder 1"/>
           <p:cNvSpPr>
             <a:spLocks noGrp="1"/>
           </p:cNvSpPr>
@@ -2273,7 +2132,7 @@
         <p:spPr>
           <a:xfrm>
             <a:off x="819000" y="845640"/>
-            <a:ext cx="7505280" cy="954360"/>
+            <a:ext cx="7504920" cy="954000"/>
           </a:xfrm>
           <a:prstGeom prst="rect">
             <a:avLst/>
@@ -2284,10 +2143,8 @@
             <a:noAutofit/>
           </a:bodyPr>
           <a:p>
-            <a:endParaRPr b="0" lang="en-US" sz="1400" spc="-1" strike="noStrike">
-              <a:solidFill>
-                <a:srgbClr val="000000"/>
-              </a:solidFill>
+            <a:pPr algn="ctr"/>
+            <a:endParaRPr b="0" lang="en-US" sz="4400" spc="-1" strike="noStrike">
               <a:latin typeface="Arial"/>
             </a:endParaRPr>
           </a:p>
@@ -2295,7 +2152,7 @@
       </p:sp>
       <p:sp>
         <p:nvSpPr>
-          <p:cNvPr id="32" name="PlaceHolder 2"/>
+          <p:cNvPr id="31" name="PlaceHolder 2"/>
           <p:cNvSpPr>
             <a:spLocks noGrp="1"/>
           </p:cNvSpPr>
@@ -2306,7 +2163,7 @@
         <p:spPr>
           <a:xfrm>
             <a:off x="819000" y="1990800"/>
-            <a:ext cx="3662280" cy="2447640"/>
+            <a:ext cx="3662280" cy="2447280"/>
           </a:xfrm>
           <a:prstGeom prst="rect">
             <a:avLst/>
@@ -2317,10 +2174,7 @@
             <a:normAutofit/>
           </a:bodyPr>
           <a:p>
-            <a:endParaRPr b="0" lang="en-US" sz="1400" spc="-1" strike="noStrike">
-              <a:solidFill>
-                <a:srgbClr val="000000"/>
-              </a:solidFill>
+            <a:endParaRPr b="0" lang="en-US" sz="3200" spc="-1" strike="noStrike">
               <a:latin typeface="Arial"/>
             </a:endParaRPr>
           </a:p>
@@ -2328,7 +2182,7 @@
       </p:sp>
       <p:sp>
         <p:nvSpPr>
-          <p:cNvPr id="33" name="PlaceHolder 3"/>
+          <p:cNvPr id="32" name="PlaceHolder 3"/>
           <p:cNvSpPr>
             <a:spLocks noGrp="1"/>
           </p:cNvSpPr>
@@ -2339,7 +2193,7 @@
         <p:spPr>
           <a:xfrm>
             <a:off x="4664880" y="1990800"/>
-            <a:ext cx="3662280" cy="2447640"/>
+            <a:ext cx="3662280" cy="2447280"/>
           </a:xfrm>
           <a:prstGeom prst="rect">
             <a:avLst/>
@@ -2350,10 +2204,7 @@
             <a:normAutofit/>
           </a:bodyPr>
           <a:p>
-            <a:endParaRPr b="0" lang="en-US" sz="1400" spc="-1" strike="noStrike">
-              <a:solidFill>
-                <a:srgbClr val="000000"/>
-              </a:solidFill>
+            <a:endParaRPr b="0" lang="en-US" sz="3200" spc="-1" strike="noStrike">
               <a:latin typeface="Arial"/>
             </a:endParaRPr>
           </a:p>
@@ -2383,7 +2234,7 @@
       </p:grpSpPr>
       <p:sp>
         <p:nvSpPr>
-          <p:cNvPr id="34" name="PlaceHolder 1"/>
+          <p:cNvPr id="33" name="PlaceHolder 1"/>
           <p:cNvSpPr>
             <a:spLocks noGrp="1"/>
           </p:cNvSpPr>
@@ -2394,7 +2245,7 @@
         <p:spPr>
           <a:xfrm>
             <a:off x="819000" y="845640"/>
-            <a:ext cx="7505280" cy="954360"/>
+            <a:ext cx="7504920" cy="954000"/>
           </a:xfrm>
           <a:prstGeom prst="rect">
             <a:avLst/>
@@ -2405,10 +2256,8 @@
             <a:noAutofit/>
           </a:bodyPr>
           <a:p>
-            <a:endParaRPr b="0" lang="en-US" sz="1400" spc="-1" strike="noStrike">
-              <a:solidFill>
-                <a:srgbClr val="000000"/>
-              </a:solidFill>
+            <a:pPr algn="ctr"/>
+            <a:endParaRPr b="0" lang="en-US" sz="4400" spc="-1" strike="noStrike">
               <a:latin typeface="Arial"/>
             </a:endParaRPr>
           </a:p>
@@ -2438,7 +2287,7 @@
       </p:grpSpPr>
       <p:sp>
         <p:nvSpPr>
-          <p:cNvPr id="35" name="PlaceHolder 1"/>
+          <p:cNvPr id="34" name="PlaceHolder 1"/>
           <p:cNvSpPr>
             <a:spLocks noGrp="1"/>
           </p:cNvSpPr>
@@ -2449,7 +2298,7 @@
         <p:spPr>
           <a:xfrm>
             <a:off x="819000" y="845640"/>
-            <a:ext cx="7505280" cy="4425120"/>
+            <a:ext cx="7504920" cy="4423320"/>
           </a:xfrm>
           <a:prstGeom prst="rect">
             <a:avLst/>
@@ -2491,7 +2340,7 @@
       </p:grpSpPr>
       <p:sp>
         <p:nvSpPr>
-          <p:cNvPr id="36" name="PlaceHolder 1"/>
+          <p:cNvPr id="35" name="PlaceHolder 1"/>
           <p:cNvSpPr>
             <a:spLocks noGrp="1"/>
           </p:cNvSpPr>
@@ -2502,7 +2351,7 @@
         <p:spPr>
           <a:xfrm>
             <a:off x="819000" y="845640"/>
-            <a:ext cx="7505280" cy="954360"/>
+            <a:ext cx="7504920" cy="954000"/>
           </a:xfrm>
           <a:prstGeom prst="rect">
             <a:avLst/>
@@ -2513,10 +2362,8 @@
             <a:noAutofit/>
           </a:bodyPr>
           <a:p>
-            <a:endParaRPr b="0" lang="en-US" sz="1400" spc="-1" strike="noStrike">
-              <a:solidFill>
-                <a:srgbClr val="000000"/>
-              </a:solidFill>
+            <a:pPr algn="ctr"/>
+            <a:endParaRPr b="0" lang="en-US" sz="4400" spc="-1" strike="noStrike">
               <a:latin typeface="Arial"/>
             </a:endParaRPr>
           </a:p>
@@ -2524,7 +2371,7 @@
       </p:sp>
       <p:sp>
         <p:nvSpPr>
-          <p:cNvPr id="37" name="PlaceHolder 2"/>
+          <p:cNvPr id="36" name="PlaceHolder 2"/>
           <p:cNvSpPr>
             <a:spLocks noGrp="1"/>
           </p:cNvSpPr>
@@ -2535,7 +2382,7 @@
         <p:spPr>
           <a:xfrm>
             <a:off x="819000" y="1990800"/>
-            <a:ext cx="3662280" cy="1167480"/>
+            <a:ext cx="3662280" cy="1167120"/>
           </a:xfrm>
           <a:prstGeom prst="rect">
             <a:avLst/>
@@ -2546,10 +2393,7 @@
             <a:normAutofit/>
           </a:bodyPr>
           <a:p>
-            <a:endParaRPr b="0" lang="en-US" sz="1400" spc="-1" strike="noStrike">
-              <a:solidFill>
-                <a:srgbClr val="000000"/>
-              </a:solidFill>
+            <a:endParaRPr b="0" lang="en-US" sz="3200" spc="-1" strike="noStrike">
               <a:latin typeface="Arial"/>
             </a:endParaRPr>
           </a:p>
@@ -2557,7 +2401,7 @@
       </p:sp>
       <p:sp>
         <p:nvSpPr>
-          <p:cNvPr id="38" name="PlaceHolder 3"/>
+          <p:cNvPr id="37" name="PlaceHolder 3"/>
           <p:cNvSpPr>
             <a:spLocks noGrp="1"/>
           </p:cNvSpPr>
@@ -2568,7 +2412,7 @@
         <p:spPr>
           <a:xfrm>
             <a:off x="4664880" y="1990800"/>
-            <a:ext cx="3662280" cy="2447640"/>
+            <a:ext cx="3662280" cy="2447280"/>
           </a:xfrm>
           <a:prstGeom prst="rect">
             <a:avLst/>
@@ -2579,10 +2423,7 @@
             <a:normAutofit/>
           </a:bodyPr>
           <a:p>
-            <a:endParaRPr b="0" lang="en-US" sz="1400" spc="-1" strike="noStrike">
-              <a:solidFill>
-                <a:srgbClr val="000000"/>
-              </a:solidFill>
+            <a:endParaRPr b="0" lang="en-US" sz="3200" spc="-1" strike="noStrike">
               <a:latin typeface="Arial"/>
             </a:endParaRPr>
           </a:p>
@@ -2590,7 +2431,7 @@
       </p:sp>
       <p:sp>
         <p:nvSpPr>
-          <p:cNvPr id="39" name="PlaceHolder 4"/>
+          <p:cNvPr id="38" name="PlaceHolder 4"/>
           <p:cNvSpPr>
             <a:spLocks noGrp="1"/>
           </p:cNvSpPr>
@@ -2600,8 +2441,8 @@
         </p:nvSpPr>
         <p:spPr>
           <a:xfrm>
-            <a:off x="819000" y="3269520"/>
-            <a:ext cx="3662280" cy="1167480"/>
+            <a:off x="819000" y="3269160"/>
+            <a:ext cx="3662280" cy="1167120"/>
           </a:xfrm>
           <a:prstGeom prst="rect">
             <a:avLst/>
@@ -2612,10 +2453,7 @@
             <a:normAutofit/>
           </a:bodyPr>
           <a:p>
-            <a:endParaRPr b="0" lang="en-US" sz="1400" spc="-1" strike="noStrike">
-              <a:solidFill>
-                <a:srgbClr val="000000"/>
-              </a:solidFill>
+            <a:endParaRPr b="0" lang="en-US" sz="3200" spc="-1" strike="noStrike">
               <a:latin typeface="Arial"/>
             </a:endParaRPr>
           </a:p>
@@ -2645,7 +2483,7 @@
       </p:grpSpPr>
       <p:sp>
         <p:nvSpPr>
-          <p:cNvPr id="40" name="PlaceHolder 1"/>
+          <p:cNvPr id="39" name="PlaceHolder 1"/>
           <p:cNvSpPr>
             <a:spLocks noGrp="1"/>
           </p:cNvSpPr>
@@ -2656,7 +2494,7 @@
         <p:spPr>
           <a:xfrm>
             <a:off x="819000" y="845640"/>
-            <a:ext cx="7505280" cy="954360"/>
+            <a:ext cx="7504920" cy="954000"/>
           </a:xfrm>
           <a:prstGeom prst="rect">
             <a:avLst/>
@@ -2667,10 +2505,8 @@
             <a:noAutofit/>
           </a:bodyPr>
           <a:p>
-            <a:endParaRPr b="0" lang="en-US" sz="1400" spc="-1" strike="noStrike">
-              <a:solidFill>
-                <a:srgbClr val="000000"/>
-              </a:solidFill>
+            <a:pPr algn="ctr"/>
+            <a:endParaRPr b="0" lang="en-US" sz="4400" spc="-1" strike="noStrike">
               <a:latin typeface="Arial"/>
             </a:endParaRPr>
           </a:p>
@@ -2678,7 +2514,7 @@
       </p:sp>
       <p:sp>
         <p:nvSpPr>
-          <p:cNvPr id="41" name="PlaceHolder 2"/>
+          <p:cNvPr id="40" name="PlaceHolder 2"/>
           <p:cNvSpPr>
             <a:spLocks noGrp="1"/>
           </p:cNvSpPr>
@@ -2689,7 +2525,7 @@
         <p:spPr>
           <a:xfrm>
             <a:off x="819000" y="1990800"/>
-            <a:ext cx="3662280" cy="2447640"/>
+            <a:ext cx="3662280" cy="2447280"/>
           </a:xfrm>
           <a:prstGeom prst="rect">
             <a:avLst/>
@@ -2700,10 +2536,7 @@
             <a:normAutofit/>
           </a:bodyPr>
           <a:p>
-            <a:endParaRPr b="0" lang="en-US" sz="1400" spc="-1" strike="noStrike">
-              <a:solidFill>
-                <a:srgbClr val="000000"/>
-              </a:solidFill>
+            <a:endParaRPr b="0" lang="en-US" sz="3200" spc="-1" strike="noStrike">
               <a:latin typeface="Arial"/>
             </a:endParaRPr>
           </a:p>
@@ -2711,7 +2544,7 @@
       </p:sp>
       <p:sp>
         <p:nvSpPr>
-          <p:cNvPr id="42" name="PlaceHolder 3"/>
+          <p:cNvPr id="41" name="PlaceHolder 3"/>
           <p:cNvSpPr>
             <a:spLocks noGrp="1"/>
           </p:cNvSpPr>
@@ -2722,7 +2555,7 @@
         <p:spPr>
           <a:xfrm>
             <a:off x="4664880" y="1990800"/>
-            <a:ext cx="3662280" cy="1167480"/>
+            <a:ext cx="3662280" cy="1167120"/>
           </a:xfrm>
           <a:prstGeom prst="rect">
             <a:avLst/>
@@ -2733,10 +2566,7 @@
             <a:normAutofit/>
           </a:bodyPr>
           <a:p>
-            <a:endParaRPr b="0" lang="en-US" sz="1400" spc="-1" strike="noStrike">
-              <a:solidFill>
-                <a:srgbClr val="000000"/>
-              </a:solidFill>
+            <a:endParaRPr b="0" lang="en-US" sz="3200" spc="-1" strike="noStrike">
               <a:latin typeface="Arial"/>
             </a:endParaRPr>
           </a:p>
@@ -2744,7 +2574,7 @@
       </p:sp>
       <p:sp>
         <p:nvSpPr>
-          <p:cNvPr id="43" name="PlaceHolder 4"/>
+          <p:cNvPr id="42" name="PlaceHolder 4"/>
           <p:cNvSpPr>
             <a:spLocks noGrp="1"/>
           </p:cNvSpPr>
@@ -2754,8 +2584,8 @@
         </p:nvSpPr>
         <p:spPr>
           <a:xfrm>
-            <a:off x="4664880" y="3269520"/>
-            <a:ext cx="3662280" cy="1167480"/>
+            <a:off x="4664880" y="3269160"/>
+            <a:ext cx="3662280" cy="1167120"/>
           </a:xfrm>
           <a:prstGeom prst="rect">
             <a:avLst/>
@@ -2766,10 +2596,7 @@
             <a:normAutofit/>
           </a:bodyPr>
           <a:p>
-            <a:endParaRPr b="0" lang="en-US" sz="1400" spc="-1" strike="noStrike">
-              <a:solidFill>
-                <a:srgbClr val="000000"/>
-              </a:solidFill>
+            <a:endParaRPr b="0" lang="en-US" sz="3200" spc="-1" strike="noStrike">
               <a:latin typeface="Arial"/>
             </a:endParaRPr>
           </a:p>
@@ -2799,7 +2626,7 @@
       </p:grpSpPr>
       <p:sp>
         <p:nvSpPr>
-          <p:cNvPr id="44" name="PlaceHolder 1"/>
+          <p:cNvPr id="43" name="PlaceHolder 1"/>
           <p:cNvSpPr>
             <a:spLocks noGrp="1"/>
           </p:cNvSpPr>
@@ -2810,7 +2637,7 @@
         <p:spPr>
           <a:xfrm>
             <a:off x="819000" y="845640"/>
-            <a:ext cx="7505280" cy="954360"/>
+            <a:ext cx="7504920" cy="954000"/>
           </a:xfrm>
           <a:prstGeom prst="rect">
             <a:avLst/>
@@ -2821,10 +2648,8 @@
             <a:noAutofit/>
           </a:bodyPr>
           <a:p>
-            <a:endParaRPr b="0" lang="en-US" sz="1400" spc="-1" strike="noStrike">
-              <a:solidFill>
-                <a:srgbClr val="000000"/>
-              </a:solidFill>
+            <a:pPr algn="ctr"/>
+            <a:endParaRPr b="0" lang="en-US" sz="4400" spc="-1" strike="noStrike">
               <a:latin typeface="Arial"/>
             </a:endParaRPr>
           </a:p>
@@ -2832,7 +2657,7 @@
       </p:sp>
       <p:sp>
         <p:nvSpPr>
-          <p:cNvPr id="45" name="PlaceHolder 2"/>
+          <p:cNvPr id="44" name="PlaceHolder 2"/>
           <p:cNvSpPr>
             <a:spLocks noGrp="1"/>
           </p:cNvSpPr>
@@ -2843,7 +2668,7 @@
         <p:spPr>
           <a:xfrm>
             <a:off x="819000" y="1990800"/>
-            <a:ext cx="3662280" cy="1167480"/>
+            <a:ext cx="3662280" cy="1167120"/>
           </a:xfrm>
           <a:prstGeom prst="rect">
             <a:avLst/>
@@ -2854,10 +2679,7 @@
             <a:normAutofit/>
           </a:bodyPr>
           <a:p>
-            <a:endParaRPr b="0" lang="en-US" sz="1400" spc="-1" strike="noStrike">
-              <a:solidFill>
-                <a:srgbClr val="000000"/>
-              </a:solidFill>
+            <a:endParaRPr b="0" lang="en-US" sz="3200" spc="-1" strike="noStrike">
               <a:latin typeface="Arial"/>
             </a:endParaRPr>
           </a:p>
@@ -2865,7 +2687,7 @@
       </p:sp>
       <p:sp>
         <p:nvSpPr>
-          <p:cNvPr id="46" name="PlaceHolder 3"/>
+          <p:cNvPr id="45" name="PlaceHolder 3"/>
           <p:cNvSpPr>
             <a:spLocks noGrp="1"/>
           </p:cNvSpPr>
@@ -2876,7 +2698,7 @@
         <p:spPr>
           <a:xfrm>
             <a:off x="4664880" y="1990800"/>
-            <a:ext cx="3662280" cy="1167480"/>
+            <a:ext cx="3662280" cy="1167120"/>
           </a:xfrm>
           <a:prstGeom prst="rect">
             <a:avLst/>
@@ -2887,10 +2709,7 @@
             <a:normAutofit/>
           </a:bodyPr>
           <a:p>
-            <a:endParaRPr b="0" lang="en-US" sz="1400" spc="-1" strike="noStrike">
-              <a:solidFill>
-                <a:srgbClr val="000000"/>
-              </a:solidFill>
+            <a:endParaRPr b="0" lang="en-US" sz="3200" spc="-1" strike="noStrike">
               <a:latin typeface="Arial"/>
             </a:endParaRPr>
           </a:p>
@@ -2898,7 +2717,7 @@
       </p:sp>
       <p:sp>
         <p:nvSpPr>
-          <p:cNvPr id="47" name="PlaceHolder 4"/>
+          <p:cNvPr id="46" name="PlaceHolder 4"/>
           <p:cNvSpPr>
             <a:spLocks noGrp="1"/>
           </p:cNvSpPr>
@@ -2908,8 +2727,8 @@
         </p:nvSpPr>
         <p:spPr>
           <a:xfrm>
-            <a:off x="819000" y="3269520"/>
-            <a:ext cx="7505280" cy="1167480"/>
+            <a:off x="819000" y="3269160"/>
+            <a:ext cx="7504920" cy="1167120"/>
           </a:xfrm>
           <a:prstGeom prst="rect">
             <a:avLst/>
@@ -2920,10 +2739,7 @@
             <a:normAutofit/>
           </a:bodyPr>
           <a:p>
-            <a:endParaRPr b="0" lang="en-US" sz="1400" spc="-1" strike="noStrike">
-              <a:solidFill>
-                <a:srgbClr val="000000"/>
-              </a:solidFill>
+            <a:endParaRPr b="0" lang="en-US" sz="3200" spc="-1" strike="noStrike">
               <a:latin typeface="Arial"/>
             </a:endParaRPr>
           </a:p>
@@ -2967,7 +2783,7 @@
         <p:spPr>
           <a:xfrm>
             <a:off x="0" y="2824560"/>
-            <a:ext cx="7369920" cy="2318760"/>
+            <a:ext cx="7369560" cy="2318400"/>
           </a:xfrm>
           <a:prstGeom prst="rtTriangle">
             <a:avLst/>
@@ -2975,7 +2791,7 @@
           <a:solidFill>
             <a:schemeClr val="accent1"/>
           </a:solidFill>
-          <a:ln>
+          <a:ln w="0">
             <a:noFill/>
           </a:ln>
         </p:spPr>
@@ -2995,7 +2811,7 @@
         <p:spPr>
           <a:xfrm flipH="1">
             <a:off x="3582000" y="1550880"/>
-            <a:ext cx="5560920" cy="3592440"/>
+            <a:ext cx="5560560" cy="3592080"/>
           </a:xfrm>
           <a:prstGeom prst="rtTriangle">
             <a:avLst/>
@@ -3003,7 +2819,7 @@
           <a:solidFill>
             <a:schemeClr val="accent3"/>
           </a:solidFill>
-          <a:ln>
+          <a:ln w="0">
             <a:noFill/>
           </a:ln>
         </p:spPr>
@@ -3022,8 +2838,8 @@
         </p:nvSpPr>
         <p:spPr>
           <a:xfrm rot="10800000">
-            <a:off x="5059080" y="0"/>
-            <a:ext cx="4084920" cy="2052360"/>
+            <a:off x="5059440" y="0"/>
+            <a:ext cx="4084560" cy="2052000"/>
           </a:xfrm>
           <a:prstGeom prst="rtTriangle">
             <a:avLst/>
@@ -3031,7 +2847,7 @@
           <a:solidFill>
             <a:schemeClr val="dk2"/>
           </a:solidFill>
-          <a:ln>
+          <a:ln w="0">
             <a:noFill/>
           </a:ln>
         </p:spPr>
@@ -3051,7 +2867,7 @@
         <p:spPr>
           <a:xfrm>
             <a:off x="203400" y="206280"/>
-            <a:ext cx="8737200" cy="4730760"/>
+            <a:ext cx="8736840" cy="4730400"/>
           </a:xfrm>
           <a:prstGeom prst="rect">
             <a:avLst/>
@@ -3059,7 +2875,7 @@
           <a:solidFill>
             <a:schemeClr val="dk1"/>
           </a:solidFill>
-          <a:ln>
+          <a:ln w="0">
             <a:noFill/>
           </a:ln>
           <a:effectLst>
@@ -3086,9 +2902,9 @@
         <p:grpSpPr>
           <a:xfrm>
             <a:off x="255240" y="720"/>
-            <a:ext cx="2250000" cy="1044000"/>
+            <a:ext cx="2249640" cy="1043640"/>
             <a:chOff x="255240" y="720"/>
-            <a:chExt cx="2250000" cy="1044000"/>
+            <a:chExt cx="2249640" cy="1043640"/>
           </a:xfrm>
         </p:grpSpPr>
         <p:sp>
@@ -3100,7 +2916,7 @@
           <p:spPr>
             <a:xfrm>
               <a:off x="763920" y="720"/>
-              <a:ext cx="1741320" cy="1044000"/>
+              <a:ext cx="1740960" cy="1043640"/>
             </a:xfrm>
             <a:prstGeom prst="parallelogram">
               <a:avLst>
@@ -3110,7 +2926,7 @@
             <a:solidFill>
               <a:schemeClr val="dk1"/>
             </a:solidFill>
-            <a:ln>
+            <a:ln w="0">
               <a:noFill/>
             </a:ln>
           </p:spPr>
@@ -3130,7 +2946,7 @@
           <p:spPr>
             <a:xfrm>
               <a:off x="509760" y="720"/>
-              <a:ext cx="1741320" cy="1044000"/>
+              <a:ext cx="1740960" cy="1043640"/>
             </a:xfrm>
             <a:prstGeom prst="parallelogram">
               <a:avLst>
@@ -3140,7 +2956,7 @@
             <a:solidFill>
               <a:schemeClr val="dk1"/>
             </a:solidFill>
-            <a:ln>
+            <a:ln w="0">
               <a:noFill/>
             </a:ln>
           </p:spPr>
@@ -3160,7 +2976,7 @@
           <p:spPr>
             <a:xfrm>
               <a:off x="255240" y="720"/>
-              <a:ext cx="1741320" cy="1044000"/>
+              <a:ext cx="1740960" cy="1043640"/>
             </a:xfrm>
             <a:prstGeom prst="parallelogram">
               <a:avLst>
@@ -3170,7 +2986,7 @@
             <a:solidFill>
               <a:schemeClr val="dk1"/>
             </a:solidFill>
-            <a:ln>
+            <a:ln w="0">
               <a:noFill/>
             </a:ln>
           </p:spPr>
@@ -3191,9 +3007,9 @@
         <p:grpSpPr>
           <a:xfrm>
             <a:off x="905400" y="720"/>
-            <a:ext cx="2250000" cy="1044000"/>
+            <a:ext cx="2249640" cy="1043640"/>
             <a:chOff x="905400" y="720"/>
-            <a:chExt cx="2250000" cy="1044000"/>
+            <a:chExt cx="2249640" cy="1043640"/>
           </a:xfrm>
         </p:grpSpPr>
         <p:sp>
@@ -3205,7 +3021,7 @@
           <p:spPr>
             <a:xfrm>
               <a:off x="1414080" y="720"/>
-              <a:ext cx="1741320" cy="1044000"/>
+              <a:ext cx="1740960" cy="1043640"/>
             </a:xfrm>
             <a:prstGeom prst="parallelogram">
               <a:avLst>
@@ -3215,7 +3031,7 @@
             <a:solidFill>
               <a:schemeClr val="accent6"/>
             </a:solidFill>
-            <a:ln>
+            <a:ln w="0">
               <a:noFill/>
             </a:ln>
           </p:spPr>
@@ -3235,7 +3051,7 @@
           <p:spPr>
             <a:xfrm>
               <a:off x="1159920" y="720"/>
-              <a:ext cx="1741320" cy="1044000"/>
+              <a:ext cx="1740960" cy="1043640"/>
             </a:xfrm>
             <a:prstGeom prst="parallelogram">
               <a:avLst>
@@ -3245,7 +3061,7 @@
             <a:solidFill>
               <a:schemeClr val="accent6"/>
             </a:solidFill>
-            <a:ln>
+            <a:ln w="0">
               <a:noFill/>
             </a:ln>
           </p:spPr>
@@ -3265,7 +3081,7 @@
           <p:spPr>
             <a:xfrm>
               <a:off x="905400" y="720"/>
-              <a:ext cx="1741320" cy="1044000"/>
+              <a:ext cx="1740960" cy="1043640"/>
             </a:xfrm>
             <a:prstGeom prst="parallelogram">
               <a:avLst>
@@ -3275,7 +3091,7 @@
             <a:solidFill>
               <a:schemeClr val="accent6"/>
             </a:solidFill>
-            <a:ln>
+            <a:ln w="0">
               <a:noFill/>
             </a:ln>
           </p:spPr>
@@ -3296,9 +3112,9 @@
         <p:grpSpPr>
           <a:xfrm>
             <a:off x="7057440" y="5040"/>
-            <a:ext cx="1850760" cy="751680"/>
+            <a:ext cx="1850400" cy="751320"/>
             <a:chOff x="7057440" y="5040"/>
-            <a:chExt cx="1850760" cy="751680"/>
+            <a:chExt cx="1850400" cy="751320"/>
           </a:xfrm>
         </p:grpSpPr>
         <p:sp>
@@ -3310,7 +3126,7 @@
           <p:spPr>
             <a:xfrm>
               <a:off x="7659360" y="5040"/>
-              <a:ext cx="1248840" cy="751680"/>
+              <a:ext cx="1248480" cy="751320"/>
             </a:xfrm>
             <a:prstGeom prst="parallelogram">
               <a:avLst>
@@ -3320,7 +3136,7 @@
             <a:solidFill>
               <a:schemeClr val="dk2"/>
             </a:solidFill>
-            <a:ln>
+            <a:ln w="0">
               <a:noFill/>
             </a:ln>
           </p:spPr>
@@ -3340,7 +3156,7 @@
           <p:spPr>
             <a:xfrm>
               <a:off x="7358400" y="5040"/>
-              <a:ext cx="1248840" cy="751680"/>
+              <a:ext cx="1248480" cy="751320"/>
             </a:xfrm>
             <a:prstGeom prst="parallelogram">
               <a:avLst>
@@ -3350,7 +3166,7 @@
             <a:solidFill>
               <a:schemeClr val="dk2"/>
             </a:solidFill>
-            <a:ln>
+            <a:ln w="0">
               <a:noFill/>
             </a:ln>
           </p:spPr>
@@ -3370,7 +3186,7 @@
           <p:spPr>
             <a:xfrm>
               <a:off x="7057440" y="5040"/>
-              <a:ext cx="1248840" cy="751680"/>
+              <a:ext cx="1248480" cy="751320"/>
             </a:xfrm>
             <a:prstGeom prst="parallelogram">
               <a:avLst>
@@ -3380,7 +3196,7 @@
             <a:solidFill>
               <a:schemeClr val="dk2"/>
             </a:solidFill>
-            <a:ln>
+            <a:ln w="0">
               <a:noFill/>
             </a:ln>
           </p:spPr>
@@ -3401,9 +3217,9 @@
         <p:grpSpPr>
           <a:xfrm>
             <a:off x="6553080" y="4217760"/>
-            <a:ext cx="2388600" cy="925200"/>
+            <a:ext cx="2388240" cy="924840"/>
             <a:chOff x="6553080" y="4217760"/>
-            <a:chExt cx="2388600" cy="925200"/>
+            <a:chExt cx="2388240" cy="924840"/>
           </a:xfrm>
         </p:grpSpPr>
         <p:sp>
@@ -3415,7 +3231,7 @@
           <p:spPr>
             <a:xfrm>
               <a:off x="7329960" y="4217760"/>
-              <a:ext cx="1611720" cy="925200"/>
+              <a:ext cx="1611360" cy="924840"/>
             </a:xfrm>
             <a:prstGeom prst="parallelogram">
               <a:avLst>
@@ -3425,7 +3241,7 @@
             <a:solidFill>
               <a:schemeClr val="dk1"/>
             </a:solidFill>
-            <a:ln>
+            <a:ln w="0">
               <a:noFill/>
             </a:ln>
           </p:spPr>
@@ -3445,7 +3261,7 @@
           <p:spPr>
             <a:xfrm>
               <a:off x="6941520" y="4217760"/>
-              <a:ext cx="1611720" cy="925200"/>
+              <a:ext cx="1611360" cy="924840"/>
             </a:xfrm>
             <a:prstGeom prst="parallelogram">
               <a:avLst>
@@ -3455,7 +3271,7 @@
             <a:solidFill>
               <a:schemeClr val="dk1"/>
             </a:solidFill>
-            <a:ln>
+            <a:ln w="0">
               <a:noFill/>
             </a:ln>
           </p:spPr>
@@ -3475,7 +3291,7 @@
           <p:spPr>
             <a:xfrm>
               <a:off x="6553080" y="4217760"/>
-              <a:ext cx="1611720" cy="925200"/>
+              <a:ext cx="1611360" cy="924840"/>
             </a:xfrm>
             <a:prstGeom prst="parallelogram">
               <a:avLst>
@@ -3485,7 +3301,7 @@
             <a:solidFill>
               <a:schemeClr val="dk1"/>
             </a:solidFill>
-            <a:ln>
+            <a:ln w="0">
               <a:noFill/>
             </a:ln>
           </p:spPr>
@@ -3506,9 +3322,9 @@
         <p:grpSpPr>
           <a:xfrm>
             <a:off x="199080" y="4055760"/>
-            <a:ext cx="2795040" cy="1082880"/>
+            <a:ext cx="2794680" cy="1082520"/>
             <a:chOff x="199080" y="4055760"/>
-            <a:chExt cx="2795040" cy="1082880"/>
+            <a:chExt cx="2794680" cy="1082520"/>
           </a:xfrm>
         </p:grpSpPr>
         <p:sp>
@@ -3520,7 +3336,7 @@
           <p:spPr>
             <a:xfrm>
               <a:off x="1108080" y="4055760"/>
-              <a:ext cx="1886040" cy="1082880"/>
+              <a:ext cx="1885680" cy="1082520"/>
             </a:xfrm>
             <a:prstGeom prst="parallelogram">
               <a:avLst>
@@ -3530,7 +3346,7 @@
             <a:solidFill>
               <a:schemeClr val="accent1"/>
             </a:solidFill>
-            <a:ln>
+            <a:ln w="0">
               <a:noFill/>
             </a:ln>
           </p:spPr>
@@ -3550,7 +3366,7 @@
           <p:spPr>
             <a:xfrm>
               <a:off x="653760" y="4055760"/>
-              <a:ext cx="1886040" cy="1082880"/>
+              <a:ext cx="1885680" cy="1082520"/>
             </a:xfrm>
             <a:prstGeom prst="parallelogram">
               <a:avLst>
@@ -3560,7 +3376,7 @@
             <a:solidFill>
               <a:schemeClr val="accent1"/>
             </a:solidFill>
-            <a:ln>
+            <a:ln w="0">
               <a:noFill/>
             </a:ln>
           </p:spPr>
@@ -3580,7 +3396,7 @@
           <p:spPr>
             <a:xfrm>
               <a:off x="199080" y="4055760"/>
-              <a:ext cx="1886040" cy="1082880"/>
+              <a:ext cx="1885680" cy="1082520"/>
             </a:xfrm>
             <a:prstGeom prst="parallelogram">
               <a:avLst>
@@ -3590,7 +3406,7 @@
             <a:solidFill>
               <a:schemeClr val="accent1"/>
             </a:solidFill>
-            <a:ln>
+            <a:ln w="0">
               <a:noFill/>
             </a:ln>
           </p:spPr>
@@ -3614,31 +3430,26 @@
         </p:nvSpPr>
         <p:spPr>
           <a:xfrm>
-            <a:off x="1858680" y="1822680"/>
-            <a:ext cx="5361120" cy="1447920"/>
+            <a:off x="819000" y="845640"/>
+            <a:ext cx="7504920" cy="954000"/>
           </a:xfrm>
           <a:prstGeom prst="rect">
             <a:avLst/>
           </a:prstGeom>
         </p:spPr>
         <p:txBody>
-          <a:bodyPr tIns="91440" bIns="91440" anchor="ctr">
-            <a:normAutofit/>
+          <a:bodyPr lIns="0" rIns="0" tIns="0" bIns="0" anchor="ctr">
+            <a:noAutofit/>
           </a:bodyPr>
           <a:p>
-            <a:r>
-              <a:rPr b="0" lang="en-US" sz="3800" spc="-1" strike="noStrike">
-                <a:solidFill>
-                  <a:srgbClr val="000000"/>
-                </a:solidFill>
+            <a:pPr algn="ctr"/>
+            <a:r>
+              <a:rPr b="0" lang="en-US" sz="1800" spc="-1" strike="noStrike">
                 <a:latin typeface="Arial"/>
               </a:rPr>
               <a:t>Click to edit the title text format</a:t>
             </a:r>
-            <a:endParaRPr b="0" lang="en-US" sz="3800" spc="-1" strike="noStrike">
-              <a:solidFill>
-                <a:srgbClr val="000000"/>
-              </a:solidFill>
+            <a:endParaRPr b="0" lang="en-US" sz="1800" spc="-1" strike="noStrike">
               <a:latin typeface="Arial"/>
             </a:endParaRPr>
           </a:p>
@@ -3647,54 +3458,6 @@
       <p:sp>
         <p:nvSpPr>
           <p:cNvPr id="25" name="PlaceHolder 26"/>
-          <p:cNvSpPr>
-            <a:spLocks noGrp="1"/>
-          </p:cNvSpPr>
-          <p:nvPr>
-            <p:ph type="sldNum"/>
-          </p:nvPr>
-        </p:nvSpPr>
-        <p:spPr>
-          <a:xfrm>
-            <a:off x="8390880" y="4543560"/>
-            <a:ext cx="548280" cy="393120"/>
-          </a:xfrm>
-          <a:prstGeom prst="rect">
-            <a:avLst/>
-          </a:prstGeom>
-        </p:spPr>
-        <p:txBody>
-          <a:bodyPr tIns="91440" bIns="91440" anchor="ctr">
-            <a:normAutofit/>
-          </a:bodyPr>
-          <a:p>
-            <a:pPr algn="r">
-              <a:lnSpc>
-                <a:spcPct val="100000"/>
-              </a:lnSpc>
-              <a:tabLst>
-                <a:tab algn="l" pos="0"/>
-              </a:tabLst>
-            </a:pPr>
-            <a:fld id="{786DB0F3-84A1-4C7B-BAD9-3E93A836C55D}" type="slidenum">
-              <a:rPr b="0" lang="en-US" sz="1000" spc="-1" strike="noStrike">
-                <a:solidFill>
-                  <a:srgbClr val="233a44"/>
-                </a:solidFill>
-                <a:latin typeface="Nunito"/>
-                <a:ea typeface="Nunito"/>
-              </a:rPr>
-              <a:t>&lt;number&gt;</a:t>
-            </a:fld>
-            <a:endParaRPr b="0" lang="en-US" sz="1000" spc="-1" strike="noStrike">
-              <a:latin typeface="Times New Roman"/>
-            </a:endParaRPr>
-          </a:p>
-        </p:txBody>
-      </p:sp>
-      <p:sp>
-        <p:nvSpPr>
-          <p:cNvPr id="26" name="PlaceHolder 27"/>
           <p:cNvSpPr>
             <a:spLocks noGrp="1"/>
           </p:cNvSpPr>
@@ -3728,18 +3491,12 @@
               <a:buChar char=""/>
             </a:pPr>
             <a:r>
-              <a:rPr b="0" lang="en-US" sz="1400" spc="-1" strike="noStrike">
-                <a:solidFill>
-                  <a:srgbClr val="000000"/>
-                </a:solidFill>
+              <a:rPr b="0" lang="en-US" sz="3200" spc="-1" strike="noStrike">
                 <a:latin typeface="Arial"/>
               </a:rPr>
               <a:t>Click to edit the outline text format</a:t>
             </a:r>
-            <a:endParaRPr b="0" lang="en-US" sz="1400" spc="-1" strike="noStrike">
-              <a:solidFill>
-                <a:srgbClr val="000000"/>
-              </a:solidFill>
+            <a:endParaRPr b="0" lang="en-US" sz="3200" spc="-1" strike="noStrike">
               <a:latin typeface="Arial"/>
             </a:endParaRPr>
           </a:p>
@@ -3756,18 +3513,12 @@
               <a:buChar char=""/>
             </a:pPr>
             <a:r>
-              <a:rPr b="0" lang="en-US" sz="1400" spc="-1" strike="noStrike">
-                <a:solidFill>
-                  <a:srgbClr val="000000"/>
-                </a:solidFill>
+              <a:rPr b="0" lang="en-US" sz="2800" spc="-1" strike="noStrike">
                 <a:latin typeface="Arial"/>
               </a:rPr>
               <a:t>Second Outline Level</a:t>
             </a:r>
-            <a:endParaRPr b="0" lang="en-US" sz="1400" spc="-1" strike="noStrike">
-              <a:solidFill>
-                <a:srgbClr val="000000"/>
-              </a:solidFill>
+            <a:endParaRPr b="0" lang="en-US" sz="2800" spc="-1" strike="noStrike">
               <a:latin typeface="Arial"/>
             </a:endParaRPr>
           </a:p>
@@ -3784,18 +3535,12 @@
               <a:buChar char=""/>
             </a:pPr>
             <a:r>
-              <a:rPr b="0" lang="en-US" sz="1400" spc="-1" strike="noStrike">
-                <a:solidFill>
-                  <a:srgbClr val="000000"/>
-                </a:solidFill>
+              <a:rPr b="0" lang="en-US" sz="2400" spc="-1" strike="noStrike">
                 <a:latin typeface="Arial"/>
               </a:rPr>
               <a:t>Third Outline Level</a:t>
             </a:r>
-            <a:endParaRPr b="0" lang="en-US" sz="1400" spc="-1" strike="noStrike">
-              <a:solidFill>
-                <a:srgbClr val="000000"/>
-              </a:solidFill>
+            <a:endParaRPr b="0" lang="en-US" sz="2400" spc="-1" strike="noStrike">
               <a:latin typeface="Arial"/>
             </a:endParaRPr>
           </a:p>
@@ -3812,18 +3557,12 @@
               <a:buChar char=""/>
             </a:pPr>
             <a:r>
-              <a:rPr b="0" lang="en-US" sz="1400" spc="-1" strike="noStrike">
-                <a:solidFill>
-                  <a:srgbClr val="000000"/>
-                </a:solidFill>
+              <a:rPr b="0" lang="en-US" sz="2000" spc="-1" strike="noStrike">
                 <a:latin typeface="Arial"/>
               </a:rPr>
               <a:t>Fourth Outline Level</a:t>
             </a:r>
-            <a:endParaRPr b="0" lang="en-US" sz="1400" spc="-1" strike="noStrike">
-              <a:solidFill>
-                <a:srgbClr val="000000"/>
-              </a:solidFill>
+            <a:endParaRPr b="0" lang="en-US" sz="2000" spc="-1" strike="noStrike">
               <a:latin typeface="Arial"/>
             </a:endParaRPr>
           </a:p>
@@ -3841,17 +3580,11 @@
             </a:pPr>
             <a:r>
               <a:rPr b="0" lang="en-US" sz="2000" spc="-1" strike="noStrike">
-                <a:solidFill>
-                  <a:srgbClr val="000000"/>
-                </a:solidFill>
                 <a:latin typeface="Arial"/>
               </a:rPr>
               <a:t>Fifth Outline Level</a:t>
             </a:r>
             <a:endParaRPr b="0" lang="en-US" sz="2000" spc="-1" strike="noStrike">
-              <a:solidFill>
-                <a:srgbClr val="000000"/>
-              </a:solidFill>
               <a:latin typeface="Arial"/>
             </a:endParaRPr>
           </a:p>
@@ -3869,17 +3602,11 @@
             </a:pPr>
             <a:r>
               <a:rPr b="0" lang="en-US" sz="2000" spc="-1" strike="noStrike">
-                <a:solidFill>
-                  <a:srgbClr val="000000"/>
-                </a:solidFill>
                 <a:latin typeface="Arial"/>
               </a:rPr>
               <a:t>Sixth Outline Level</a:t>
             </a:r>
             <a:endParaRPr b="0" lang="en-US" sz="2000" spc="-1" strike="noStrike">
-              <a:solidFill>
-                <a:srgbClr val="000000"/>
-              </a:solidFill>
               <a:latin typeface="Arial"/>
             </a:endParaRPr>
           </a:p>
@@ -3897,17 +3624,11 @@
             </a:pPr>
             <a:r>
               <a:rPr b="0" lang="en-US" sz="2000" spc="-1" strike="noStrike">
-                <a:solidFill>
-                  <a:srgbClr val="000000"/>
-                </a:solidFill>
                 <a:latin typeface="Arial"/>
               </a:rPr>
               <a:t>Seventh Outline Level</a:t>
             </a:r>
             <a:endParaRPr b="0" lang="en-US" sz="2000" spc="-1" strike="noStrike">
-              <a:solidFill>
-                <a:srgbClr val="000000"/>
-              </a:solidFill>
               <a:latin typeface="Arial"/>
             </a:endParaRPr>
           </a:p>
@@ -3959,14 +3680,14 @@
       </p:grpSpPr>
       <p:sp>
         <p:nvSpPr>
-          <p:cNvPr id="63" name="CustomShape 1"/>
+          <p:cNvPr id="62" name="CustomShape 1"/>
           <p:cNvSpPr/>
           <p:nvPr/>
         </p:nvSpPr>
         <p:spPr>
           <a:xfrm flipH="1">
             <a:off x="3582000" y="1550880"/>
-            <a:ext cx="5560920" cy="3592440"/>
+            <a:ext cx="5560560" cy="3592080"/>
           </a:xfrm>
           <a:prstGeom prst="rtTriangle">
             <a:avLst/>
@@ -3974,7 +3695,7 @@
           <a:solidFill>
             <a:schemeClr val="lt2"/>
           </a:solidFill>
-          <a:ln>
+          <a:ln w="0">
             <a:noFill/>
           </a:ln>
         </p:spPr>
@@ -3987,14 +3708,14 @@
       </p:sp>
       <p:sp>
         <p:nvSpPr>
-          <p:cNvPr id="64" name="CustomShape 2"/>
+          <p:cNvPr id="63" name="CustomShape 2"/>
           <p:cNvSpPr/>
           <p:nvPr/>
         </p:nvSpPr>
         <p:spPr>
           <a:xfrm>
             <a:off x="0" y="2824560"/>
-            <a:ext cx="7369920" cy="2318760"/>
+            <a:ext cx="7369560" cy="2318400"/>
           </a:xfrm>
           <a:prstGeom prst="rtTriangle">
             <a:avLst/>
@@ -4002,7 +3723,7 @@
           <a:solidFill>
             <a:schemeClr val="accent3"/>
           </a:solidFill>
-          <a:ln>
+          <a:ln w="0">
             <a:noFill/>
           </a:ln>
         </p:spPr>
@@ -4015,14 +3736,14 @@
       </p:sp>
       <p:sp>
         <p:nvSpPr>
-          <p:cNvPr id="65" name="CustomShape 3"/>
+          <p:cNvPr id="64" name="CustomShape 3"/>
           <p:cNvSpPr/>
           <p:nvPr/>
         </p:nvSpPr>
         <p:spPr>
           <a:xfrm>
             <a:off x="203400" y="206280"/>
-            <a:ext cx="8737200" cy="4730760"/>
+            <a:ext cx="8736840" cy="4730400"/>
           </a:xfrm>
           <a:prstGeom prst="rect">
             <a:avLst/>
@@ -4030,7 +3751,7 @@
           <a:solidFill>
             <a:schemeClr val="dk1"/>
           </a:solidFill>
-          <a:ln>
+          <a:ln w="0">
             <a:noFill/>
           </a:ln>
           <a:effectLst>
@@ -4050,7 +3771,7 @@
       </p:sp>
       <p:sp>
         <p:nvSpPr>
-          <p:cNvPr id="66" name="PlaceHolder 4"/>
+          <p:cNvPr id="65" name="PlaceHolder 4"/>
           <p:cNvSpPr>
             <a:spLocks noGrp="1"/>
           </p:cNvSpPr>
@@ -4061,75 +3782,25 @@
         <p:spPr>
           <a:xfrm>
             <a:off x="819000" y="845640"/>
-            <a:ext cx="7505280" cy="954360"/>
+            <a:ext cx="7504920" cy="954000"/>
           </a:xfrm>
           <a:prstGeom prst="rect">
             <a:avLst/>
           </a:prstGeom>
         </p:spPr>
         <p:txBody>
-          <a:bodyPr tIns="91440" bIns="91440">
-            <a:normAutofit/>
+          <a:bodyPr lIns="0" rIns="0" tIns="0" bIns="0" anchor="ctr">
+            <a:noAutofit/>
           </a:bodyPr>
           <a:p>
-            <a:r>
-              <a:rPr b="0" lang="en-US" sz="3000" spc="-1" strike="noStrike">
-                <a:solidFill>
-                  <a:srgbClr val="000000"/>
-                </a:solidFill>
-                <a:latin typeface="Arial"/>
-              </a:rPr>
-              <a:t>Click </a:t>
-            </a:r>
-            <a:r>
-              <a:rPr b="0" lang="en-US" sz="3000" spc="-1" strike="noStrike">
-                <a:solidFill>
-                  <a:srgbClr val="000000"/>
-                </a:solidFill>
-                <a:latin typeface="Arial"/>
-              </a:rPr>
-              <a:t>to edit </a:t>
-            </a:r>
-            <a:r>
-              <a:rPr b="0" lang="en-US" sz="3000" spc="-1" strike="noStrike">
-                <a:solidFill>
-                  <a:srgbClr val="000000"/>
-                </a:solidFill>
-                <a:latin typeface="Arial"/>
-              </a:rPr>
-              <a:t>the </a:t>
-            </a:r>
-            <a:r>
-              <a:rPr b="0" lang="en-US" sz="3000" spc="-1" strike="noStrike">
-                <a:solidFill>
-                  <a:srgbClr val="000000"/>
-                </a:solidFill>
-                <a:latin typeface="Arial"/>
-              </a:rPr>
-              <a:t>title </a:t>
-            </a:r>
-            <a:r>
-              <a:rPr b="0" lang="en-US" sz="3000" spc="-1" strike="noStrike">
-                <a:solidFill>
-                  <a:srgbClr val="000000"/>
-                </a:solidFill>
-                <a:latin typeface="Arial"/>
-              </a:rPr>
-              <a:t>text </a:t>
-            </a:r>
-            <a:r>
-              <a:rPr b="0" lang="en-US" sz="3000" spc="-1" strike="noStrike">
-                <a:solidFill>
-                  <a:srgbClr val="000000"/>
-                </a:solidFill>
-                <a:latin typeface="Arial"/>
-              </a:rPr>
-              <a:t>format</a:t>
-            </a:r>
-            <a:endParaRPr b="0" lang="en-US" sz="3000" spc="-1" strike="noStrike">
-              <a:solidFill>
-                <a:srgbClr val="000000"/>
-              </a:solidFill>
+            <a:pPr algn="ctr"/>
+            <a:r>
+              <a:rPr b="0" lang="en-US" sz="1800" spc="-1" strike="noStrike">
+                <a:latin typeface="Arial"/>
+              </a:rPr>
+              <a:t>Click to edit the title text format</a:t>
+            </a:r>
+            <a:endParaRPr b="0" lang="en-US" sz="1800" spc="-1" strike="noStrike">
               <a:latin typeface="Arial"/>
             </a:endParaRPr>
           </a:p>
@@ -4137,7 +3808,7 @@
       </p:sp>
       <p:sp>
         <p:nvSpPr>
-          <p:cNvPr id="67" name="PlaceHolder 5"/>
+          <p:cNvPr id="66" name="PlaceHolder 5"/>
           <p:cNvSpPr>
             <a:spLocks noGrp="1"/>
           </p:cNvSpPr>
@@ -4148,18 +3819,18 @@
         <p:spPr>
           <a:xfrm>
             <a:off x="819000" y="1990800"/>
-            <a:ext cx="7505280" cy="2447640"/>
+            <a:ext cx="7504920" cy="2447280"/>
           </a:xfrm>
           <a:prstGeom prst="rect">
             <a:avLst/>
           </a:prstGeom>
         </p:spPr>
         <p:txBody>
-          <a:bodyPr tIns="91440" bIns="91440">
+          <a:bodyPr lIns="0" rIns="0" tIns="0" bIns="0">
             <a:normAutofit/>
           </a:bodyPr>
           <a:p>
-            <a:pPr marL="432000" indent="-324000">
+            <a:pPr marL="432000" indent="-324000" algn="ctr">
               <a:spcBef>
                 <a:spcPts val="1417"/>
               </a:spcBef>
@@ -4171,23 +3842,17 @@
               <a:buChar char=""/>
             </a:pPr>
             <a:r>
-              <a:rPr b="0" lang="en-US" sz="1300" spc="-1" strike="noStrike">
-                <a:solidFill>
-                  <a:srgbClr val="000000"/>
-                </a:solidFill>
+              <a:rPr b="0" lang="en-US" sz="1800" spc="-1" strike="noStrike">
                 <a:latin typeface="Arial"/>
               </a:rPr>
               <a:t>Click to edit the outline text format</a:t>
             </a:r>
-            <a:endParaRPr b="0" lang="en-US" sz="1300" spc="-1" strike="noStrike">
-              <a:solidFill>
-                <a:srgbClr val="000000"/>
-              </a:solidFill>
-              <a:latin typeface="Arial"/>
-            </a:endParaRPr>
-          </a:p>
-          <a:p>
-            <a:pPr lvl="1" marL="864000" indent="-324000">
+            <a:endParaRPr b="0" lang="en-US" sz="1800" spc="-1" strike="noStrike">
+              <a:latin typeface="Arial"/>
+            </a:endParaRPr>
+          </a:p>
+          <a:p>
+            <a:pPr lvl="1" marL="864000" indent="-324000" algn="ctr">
               <a:spcBef>
                 <a:spcPts val="1134"/>
               </a:spcBef>
@@ -4199,23 +3864,17 @@
               <a:buChar char=""/>
             </a:pPr>
             <a:r>
-              <a:rPr b="0" lang="en-US" sz="1300" spc="-1" strike="noStrike">
-                <a:solidFill>
-                  <a:srgbClr val="000000"/>
-                </a:solidFill>
+              <a:rPr b="0" lang="en-US" sz="1800" spc="-1" strike="noStrike">
                 <a:latin typeface="Arial"/>
               </a:rPr>
               <a:t>Second Outline Level</a:t>
             </a:r>
-            <a:endParaRPr b="0" lang="en-US" sz="1300" spc="-1" strike="noStrike">
-              <a:solidFill>
-                <a:srgbClr val="000000"/>
-              </a:solidFill>
-              <a:latin typeface="Arial"/>
-            </a:endParaRPr>
-          </a:p>
-          <a:p>
-            <a:pPr lvl="2" marL="1296000" indent="-288000">
+            <a:endParaRPr b="0" lang="en-US" sz="1800" spc="-1" strike="noStrike">
+              <a:latin typeface="Arial"/>
+            </a:endParaRPr>
+          </a:p>
+          <a:p>
+            <a:pPr lvl="2" marL="1296000" indent="-288000" algn="ctr">
               <a:spcBef>
                 <a:spcPts val="850"/>
               </a:spcBef>
@@ -4227,23 +3886,17 @@
               <a:buChar char=""/>
             </a:pPr>
             <a:r>
-              <a:rPr b="0" lang="en-US" sz="1300" spc="-1" strike="noStrike">
-                <a:solidFill>
-                  <a:srgbClr val="000000"/>
-                </a:solidFill>
+              <a:rPr b="0" lang="en-US" sz="1800" spc="-1" strike="noStrike">
                 <a:latin typeface="Arial"/>
               </a:rPr>
               <a:t>Third Outline Level</a:t>
             </a:r>
-            <a:endParaRPr b="0" lang="en-US" sz="1300" spc="-1" strike="noStrike">
-              <a:solidFill>
-                <a:srgbClr val="000000"/>
-              </a:solidFill>
-              <a:latin typeface="Arial"/>
-            </a:endParaRPr>
-          </a:p>
-          <a:p>
-            <a:pPr lvl="3" marL="1728000" indent="-216000">
+            <a:endParaRPr b="0" lang="en-US" sz="1800" spc="-1" strike="noStrike">
+              <a:latin typeface="Arial"/>
+            </a:endParaRPr>
+          </a:p>
+          <a:p>
+            <a:pPr lvl="3" marL="1728000" indent="-216000" algn="ctr">
               <a:spcBef>
                 <a:spcPts val="567"/>
               </a:spcBef>
@@ -4255,23 +3908,17 @@
               <a:buChar char=""/>
             </a:pPr>
             <a:r>
-              <a:rPr b="0" lang="en-US" sz="1300" spc="-1" strike="noStrike">
-                <a:solidFill>
-                  <a:srgbClr val="000000"/>
-                </a:solidFill>
+              <a:rPr b="0" lang="en-US" sz="1800" spc="-1" strike="noStrike">
                 <a:latin typeface="Arial"/>
               </a:rPr>
               <a:t>Fourth Outline Level</a:t>
             </a:r>
-            <a:endParaRPr b="0" lang="en-US" sz="1300" spc="-1" strike="noStrike">
-              <a:solidFill>
-                <a:srgbClr val="000000"/>
-              </a:solidFill>
-              <a:latin typeface="Arial"/>
-            </a:endParaRPr>
-          </a:p>
-          <a:p>
-            <a:pPr lvl="4" marL="2160000" indent="-216000">
+            <a:endParaRPr b="0" lang="en-US" sz="1800" spc="-1" strike="noStrike">
+              <a:latin typeface="Arial"/>
+            </a:endParaRPr>
+          </a:p>
+          <a:p>
+            <a:pPr lvl="4" marL="2160000" indent="-216000" algn="ctr">
               <a:spcBef>
                 <a:spcPts val="283"/>
               </a:spcBef>
@@ -4283,23 +3930,17 @@
               <a:buChar char=""/>
             </a:pPr>
             <a:r>
-              <a:rPr b="0" lang="en-US" sz="1300" spc="-1" strike="noStrike">
-                <a:solidFill>
-                  <a:srgbClr val="000000"/>
-                </a:solidFill>
+              <a:rPr b="0" lang="en-US" sz="1800" spc="-1" strike="noStrike">
                 <a:latin typeface="Arial"/>
               </a:rPr>
               <a:t>Fifth Outline Level</a:t>
             </a:r>
-            <a:endParaRPr b="0" lang="en-US" sz="1300" spc="-1" strike="noStrike">
-              <a:solidFill>
-                <a:srgbClr val="000000"/>
-              </a:solidFill>
-              <a:latin typeface="Arial"/>
-            </a:endParaRPr>
-          </a:p>
-          <a:p>
-            <a:pPr lvl="5" marL="2592000" indent="-216000">
+            <a:endParaRPr b="0" lang="en-US" sz="1800" spc="-1" strike="noStrike">
+              <a:latin typeface="Arial"/>
+            </a:endParaRPr>
+          </a:p>
+          <a:p>
+            <a:pPr lvl="5" marL="2592000" indent="-216000" algn="ctr">
               <a:spcBef>
                 <a:spcPts val="283"/>
               </a:spcBef>
@@ -4311,23 +3952,17 @@
               <a:buChar char=""/>
             </a:pPr>
             <a:r>
-              <a:rPr b="0" lang="en-US" sz="1300" spc="-1" strike="noStrike">
-                <a:solidFill>
-                  <a:srgbClr val="000000"/>
-                </a:solidFill>
+              <a:rPr b="0" lang="en-US" sz="1800" spc="-1" strike="noStrike">
                 <a:latin typeface="Arial"/>
               </a:rPr>
               <a:t>Sixth Outline Level</a:t>
             </a:r>
-            <a:endParaRPr b="0" lang="en-US" sz="1300" spc="-1" strike="noStrike">
-              <a:solidFill>
-                <a:srgbClr val="000000"/>
-              </a:solidFill>
-              <a:latin typeface="Arial"/>
-            </a:endParaRPr>
-          </a:p>
-          <a:p>
-            <a:pPr lvl="6" marL="3024000" indent="-216000">
+            <a:endParaRPr b="0" lang="en-US" sz="1800" spc="-1" strike="noStrike">
+              <a:latin typeface="Arial"/>
+            </a:endParaRPr>
+          </a:p>
+          <a:p>
+            <a:pPr lvl="6" marL="3024000" indent="-216000" algn="ctr">
               <a:spcBef>
                 <a:spcPts val="283"/>
               </a:spcBef>
@@ -4339,67 +3974,13 @@
               <a:buChar char=""/>
             </a:pPr>
             <a:r>
-              <a:rPr b="0" lang="en-US" sz="1300" spc="-1" strike="noStrike">
-                <a:solidFill>
-                  <a:srgbClr val="000000"/>
-                </a:solidFill>
+              <a:rPr b="0" lang="en-US" sz="1800" spc="-1" strike="noStrike">
                 <a:latin typeface="Arial"/>
               </a:rPr>
               <a:t>Seventh Outline Level</a:t>
             </a:r>
-            <a:endParaRPr b="0" lang="en-US" sz="1300" spc="-1" strike="noStrike">
-              <a:solidFill>
-                <a:srgbClr val="000000"/>
-              </a:solidFill>
-              <a:latin typeface="Arial"/>
-            </a:endParaRPr>
-          </a:p>
-        </p:txBody>
-      </p:sp>
-      <p:sp>
-        <p:nvSpPr>
-          <p:cNvPr id="68" name="PlaceHolder 6"/>
-          <p:cNvSpPr>
-            <a:spLocks noGrp="1"/>
-          </p:cNvSpPr>
-          <p:nvPr>
-            <p:ph type="sldNum"/>
-          </p:nvPr>
-        </p:nvSpPr>
-        <p:spPr>
-          <a:xfrm>
-            <a:off x="8390880" y="4543560"/>
-            <a:ext cx="548280" cy="393120"/>
-          </a:xfrm>
-          <a:prstGeom prst="rect">
-            <a:avLst/>
-          </a:prstGeom>
-        </p:spPr>
-        <p:txBody>
-          <a:bodyPr tIns="91440" bIns="91440" anchor="ctr">
-            <a:normAutofit/>
-          </a:bodyPr>
-          <a:p>
-            <a:pPr algn="r">
-              <a:lnSpc>
-                <a:spcPct val="100000"/>
-              </a:lnSpc>
-              <a:tabLst>
-                <a:tab algn="l" pos="0"/>
-              </a:tabLst>
-            </a:pPr>
-            <a:fld id="{B506BFF6-D1A2-42A9-8881-DCF1CECBC9AA}" type="slidenum">
-              <a:rPr b="0" lang="en-US" sz="1000" spc="-1" strike="noStrike">
-                <a:solidFill>
-                  <a:srgbClr val="233a44"/>
-                </a:solidFill>
-                <a:latin typeface="Nunito"/>
-                <a:ea typeface="Nunito"/>
-              </a:rPr>
-              <a:t>&lt;number&gt;</a:t>
-            </a:fld>
-            <a:endParaRPr b="0" lang="en-US" sz="1000" spc="-1" strike="noStrike">
-              <a:latin typeface="Times New Roman"/>
+            <a:endParaRPr b="0" lang="en-US" sz="1800" spc="-1" strike="noStrike">
+              <a:latin typeface="Arial"/>
             </a:endParaRPr>
           </a:p>
         </p:txBody>
@@ -4443,25 +4024,31 @@
       </p:grpSpPr>
       <p:sp>
         <p:nvSpPr>
-          <p:cNvPr id="105" name="TextShape 1"/>
-          <p:cNvSpPr txBox="1"/>
+          <p:cNvPr id="103" name="CustomShape 1"/>
+          <p:cNvSpPr/>
           <p:nvPr/>
         </p:nvSpPr>
         <p:spPr>
           <a:xfrm>
             <a:off x="1858680" y="1822680"/>
-            <a:ext cx="5361120" cy="1447920"/>
+            <a:ext cx="5360760" cy="1447560"/>
           </a:xfrm>
           <a:prstGeom prst="rect">
             <a:avLst/>
           </a:prstGeom>
           <a:noFill/>
-          <a:ln>
+          <a:ln w="0">
             <a:noFill/>
           </a:ln>
         </p:spPr>
+        <p:style>
+          <a:lnRef idx="0"/>
+          <a:fillRef idx="0"/>
+          <a:effectRef idx="0"/>
+          <a:fontRef idx="minor"/>
+        </p:style>
         <p:txBody>
-          <a:bodyPr tIns="91440" bIns="91440" anchor="ctr">
+          <a:bodyPr lIns="90000" rIns="90000" tIns="91440" bIns="91440" anchor="ctr">
             <a:normAutofit/>
           </a:bodyPr>
           <a:p>
@@ -4481,52 +4068,19 @@
                 <a:latin typeface="Nunito"/>
                 <a:ea typeface="Nunito"/>
               </a:rPr>
-              <a:t>IC</a:t>
-            </a:r>
-            <a:r>
-              <a:rPr b="0" lang="en-US" sz="6000" spc="-1" strike="noStrike">
+              <a:t>ICT</a:t>
+            </a:r>
+            <a:r>
+              <a:rPr b="0" lang="ja" sz="6000" spc="-1" strike="noStrike">
                 <a:solidFill>
                   <a:srgbClr val="af7b51"/>
                 </a:solidFill>
                 <a:latin typeface="Nunito"/>
                 <a:ea typeface="Nunito"/>
               </a:rPr>
-              <a:t>T</a:t>
-            </a:r>
-            <a:r>
-              <a:rPr b="0" lang="ja" sz="6000" spc="-1" strike="noStrike">
-                <a:solidFill>
-                  <a:srgbClr val="af7b51"/>
-                </a:solidFill>
-                <a:latin typeface="Nunito"/>
-                <a:ea typeface="Nunito"/>
-              </a:rPr>
-              <a:t>同</a:t>
-            </a:r>
-            <a:r>
-              <a:rPr b="0" lang="ja" sz="6000" spc="-1" strike="noStrike">
-                <a:solidFill>
-                  <a:srgbClr val="af7b51"/>
-                </a:solidFill>
-                <a:latin typeface="Nunito"/>
-                <a:ea typeface="Nunito"/>
-              </a:rPr>
-              <a:t>好</a:t>
-            </a:r>
-            <a:r>
-              <a:rPr b="0" lang="ja" sz="6000" spc="-1" strike="noStrike">
-                <a:solidFill>
-                  <a:srgbClr val="af7b51"/>
-                </a:solidFill>
-                <a:latin typeface="Nunito"/>
-                <a:ea typeface="Nunito"/>
-              </a:rPr>
-              <a:t>会</a:t>
+              <a:t>同好会</a:t>
             </a:r>
             <a:endParaRPr b="0" lang="en-US" sz="6000" spc="-1" strike="noStrike">
-              <a:solidFill>
-                <a:srgbClr val="000000"/>
-              </a:solidFill>
               <a:latin typeface="Arial"/>
             </a:endParaRPr>
           </a:p>
@@ -4534,25 +4088,31 @@
       </p:sp>
       <p:sp>
         <p:nvSpPr>
-          <p:cNvPr id="106" name="TextShape 2"/>
-          <p:cNvSpPr txBox="1"/>
+          <p:cNvPr id="104" name="CustomShape 2"/>
+          <p:cNvSpPr/>
           <p:nvPr/>
         </p:nvSpPr>
         <p:spPr>
           <a:xfrm>
             <a:off x="3309480" y="3589560"/>
-            <a:ext cx="5361120" cy="522360"/>
+            <a:ext cx="5360760" cy="522000"/>
           </a:xfrm>
           <a:prstGeom prst="rect">
             <a:avLst/>
           </a:prstGeom>
           <a:noFill/>
-          <a:ln>
+          <a:ln w="0">
             <a:noFill/>
           </a:ln>
         </p:spPr>
+        <p:style>
+          <a:lnRef idx="0"/>
+          <a:fillRef idx="0"/>
+          <a:effectRef idx="0"/>
+          <a:fontRef idx="minor"/>
+        </p:style>
         <p:txBody>
-          <a:bodyPr tIns="91440" bIns="91440">
+          <a:bodyPr lIns="90000" rIns="90000" tIns="91440" bIns="91440">
             <a:normAutofit/>
           </a:bodyPr>
           <a:p>
@@ -4612,14 +4172,14 @@
       </p:grpSpPr>
       <p:sp>
         <p:nvSpPr>
-          <p:cNvPr id="128" name="TextShape 1"/>
-          <p:cNvSpPr txBox="1"/>
+          <p:cNvPr id="126" name="CustomShape 1"/>
+          <p:cNvSpPr/>
           <p:nvPr/>
         </p:nvSpPr>
         <p:spPr>
           <a:xfrm>
             <a:off x="204840" y="208440"/>
-            <a:ext cx="8737920" cy="605160"/>
+            <a:ext cx="8737560" cy="604800"/>
           </a:xfrm>
           <a:prstGeom prst="rect">
             <a:avLst/>
@@ -4635,13 +4195,19 @@
             </a:gsLst>
             <a:lin ang="5400000"/>
           </a:gradFill>
-          <a:ln>
+          <a:ln w="0">
             <a:noFill/>
           </a:ln>
         </p:spPr>
+        <p:style>
+          <a:lnRef idx="0"/>
+          <a:fillRef idx="0"/>
+          <a:effectRef idx="0"/>
+          <a:fontRef idx="minor"/>
+        </p:style>
         <p:txBody>
-          <a:bodyPr tIns="91440" bIns="91440">
-            <a:normAutofit fontScale="66000"/>
+          <a:bodyPr lIns="90000" rIns="90000" tIns="91440" bIns="91440">
+            <a:normAutofit fontScale="73000"/>
           </a:bodyPr>
           <a:p>
             <a:pPr>
@@ -4683,9 +4249,6 @@
               <a:t>サービス開発</a:t>
             </a:r>
             <a:endParaRPr b="0" lang="en-US" sz="3000" spc="-1" strike="noStrike">
-              <a:solidFill>
-                <a:srgbClr val="000000"/>
-              </a:solidFill>
               <a:latin typeface="Arial"/>
             </a:endParaRPr>
           </a:p>
@@ -4693,25 +4256,31 @@
       </p:sp>
       <p:sp>
         <p:nvSpPr>
-          <p:cNvPr id="129" name="TextShape 2"/>
-          <p:cNvSpPr txBox="1"/>
+          <p:cNvPr id="127" name="CustomShape 2"/>
+          <p:cNvSpPr/>
           <p:nvPr/>
         </p:nvSpPr>
         <p:spPr>
           <a:xfrm>
             <a:off x="366120" y="1215360"/>
-            <a:ext cx="8415720" cy="3536280"/>
+            <a:ext cx="8415360" cy="3535920"/>
           </a:xfrm>
           <a:prstGeom prst="rect">
             <a:avLst/>
           </a:prstGeom>
           <a:noFill/>
-          <a:ln>
+          <a:ln w="0">
             <a:noFill/>
           </a:ln>
         </p:spPr>
+        <p:style>
+          <a:lnRef idx="0"/>
+          <a:fillRef idx="0"/>
+          <a:effectRef idx="0"/>
+          <a:fontRef idx="minor"/>
+        </p:style>
         <p:txBody>
-          <a:bodyPr tIns="91440" bIns="91440">
+          <a:bodyPr lIns="90000" rIns="90000" tIns="91440" bIns="91440">
             <a:noAutofit/>
           </a:bodyPr>
           <a:p>
@@ -4737,9 +4306,6 @@
               <a:t>たとえば、、、</a:t>
             </a:r>
             <a:endParaRPr b="0" lang="en-US" sz="1800" spc="-1" strike="noStrike">
-              <a:solidFill>
-                <a:srgbClr val="000000"/>
-              </a:solidFill>
               <a:latin typeface="Arial"/>
             </a:endParaRPr>
           </a:p>
@@ -4786,9 +4352,6 @@
               <a:t>で行うとか、</a:t>
             </a:r>
             <a:endParaRPr b="0" lang="en-US" sz="1800" spc="-1" strike="noStrike">
-              <a:solidFill>
-                <a:srgbClr val="000000"/>
-              </a:solidFill>
               <a:latin typeface="Arial"/>
             </a:endParaRPr>
           </a:p>
@@ -4815,9 +4378,6 @@
               <a:t>　　会社のイントラページを作るとか、</a:t>
             </a:r>
             <a:endParaRPr b="0" lang="en-US" sz="1800" spc="-1" strike="noStrike">
-              <a:solidFill>
-                <a:srgbClr val="000000"/>
-              </a:solidFill>
               <a:latin typeface="Arial"/>
             </a:endParaRPr>
           </a:p>
@@ -4864,9 +4424,6 @@
               <a:t>サイトを作るとか</a:t>
             </a:r>
             <a:endParaRPr b="0" lang="en-US" sz="1800" spc="-1" strike="noStrike">
-              <a:solidFill>
-                <a:srgbClr val="000000"/>
-              </a:solidFill>
               <a:latin typeface="Arial"/>
             </a:endParaRPr>
           </a:p>
@@ -4874,7 +4431,7 @@
       </p:sp>
       <p:pic>
         <p:nvPicPr>
-          <p:cNvPr id="130" name="Google Shape;121;p6" descr=""/>
+          <p:cNvPr id="128" name="Google Shape;121;p6" descr=""/>
           <p:cNvPicPr/>
           <p:nvPr/>
         </p:nvPicPr>
@@ -4885,19 +4442,19 @@
         <p:spPr>
           <a:xfrm>
             <a:off x="2196360" y="3311280"/>
-            <a:ext cx="3063240" cy="1056600"/>
+            <a:ext cx="3062880" cy="1056240"/>
           </a:xfrm>
           <a:prstGeom prst="rect">
             <a:avLst/>
           </a:prstGeom>
-          <a:ln>
+          <a:ln w="0">
             <a:noFill/>
           </a:ln>
         </p:spPr>
       </p:pic>
       <p:pic>
         <p:nvPicPr>
-          <p:cNvPr id="131" name="Google Shape;122;p6" descr=""/>
+          <p:cNvPr id="129" name="Google Shape;122;p6" descr=""/>
           <p:cNvPicPr/>
           <p:nvPr/>
         </p:nvPicPr>
@@ -4908,19 +4465,19 @@
         <p:spPr>
           <a:xfrm>
             <a:off x="5801400" y="1254960"/>
-            <a:ext cx="2841840" cy="1112040"/>
+            <a:ext cx="2841480" cy="1111680"/>
           </a:xfrm>
           <a:prstGeom prst="rect">
             <a:avLst/>
           </a:prstGeom>
-          <a:ln>
+          <a:ln w="0">
             <a:noFill/>
           </a:ln>
         </p:spPr>
       </p:pic>
       <p:pic>
         <p:nvPicPr>
-          <p:cNvPr id="132" name="図 2" descr=""/>
+          <p:cNvPr id="130" name="図 2" descr=""/>
           <p:cNvPicPr/>
           <p:nvPr/>
         </p:nvPicPr>
@@ -4931,12 +4488,12 @@
         <p:spPr>
           <a:xfrm>
             <a:off x="5957280" y="3514680"/>
-            <a:ext cx="2685960" cy="1098720"/>
+            <a:ext cx="2685600" cy="1098360"/>
           </a:xfrm>
           <a:prstGeom prst="rect">
             <a:avLst/>
           </a:prstGeom>
-          <a:ln>
+          <a:ln w="0">
             <a:noFill/>
           </a:ln>
         </p:spPr>
@@ -4973,14 +4530,14 @@
       </p:grpSpPr>
       <p:sp>
         <p:nvSpPr>
-          <p:cNvPr id="133" name="TextShape 1"/>
-          <p:cNvSpPr txBox="1"/>
+          <p:cNvPr id="131" name="CustomShape 1"/>
+          <p:cNvSpPr/>
           <p:nvPr/>
         </p:nvSpPr>
         <p:spPr>
           <a:xfrm>
             <a:off x="204840" y="208440"/>
-            <a:ext cx="8737920" cy="605160"/>
+            <a:ext cx="8737560" cy="604800"/>
           </a:xfrm>
           <a:prstGeom prst="rect">
             <a:avLst/>
@@ -4996,13 +4553,19 @@
             </a:gsLst>
             <a:lin ang="5400000"/>
           </a:gradFill>
-          <a:ln>
+          <a:ln w="0">
             <a:noFill/>
           </a:ln>
         </p:spPr>
+        <p:style>
+          <a:lnRef idx="0"/>
+          <a:fillRef idx="0"/>
+          <a:effectRef idx="0"/>
+          <a:fontRef idx="minor"/>
+        </p:style>
         <p:txBody>
-          <a:bodyPr tIns="91440" bIns="91440">
-            <a:normAutofit fontScale="66000"/>
+          <a:bodyPr lIns="90000" rIns="90000" tIns="91440" bIns="91440">
+            <a:normAutofit fontScale="73000"/>
           </a:bodyPr>
           <a:p>
             <a:pPr>
@@ -5044,9 +4607,6 @@
               <a:t>情報の格納</a:t>
             </a:r>
             <a:endParaRPr b="0" lang="en-US" sz="3000" spc="-1" strike="noStrike">
-              <a:solidFill>
-                <a:srgbClr val="000000"/>
-              </a:solidFill>
               <a:latin typeface="Arial"/>
             </a:endParaRPr>
           </a:p>
@@ -5054,25 +4614,31 @@
       </p:sp>
       <p:sp>
         <p:nvSpPr>
-          <p:cNvPr id="134" name="TextShape 2"/>
-          <p:cNvSpPr txBox="1"/>
+          <p:cNvPr id="132" name="CustomShape 2"/>
+          <p:cNvSpPr/>
           <p:nvPr/>
         </p:nvSpPr>
         <p:spPr>
           <a:xfrm>
             <a:off x="366120" y="1215360"/>
-            <a:ext cx="8415720" cy="3536280"/>
+            <a:ext cx="8415360" cy="3535920"/>
           </a:xfrm>
           <a:prstGeom prst="rect">
             <a:avLst/>
           </a:prstGeom>
           <a:noFill/>
-          <a:ln>
+          <a:ln w="0">
             <a:noFill/>
           </a:ln>
         </p:spPr>
+        <p:style>
+          <a:lnRef idx="0"/>
+          <a:fillRef idx="0"/>
+          <a:effectRef idx="0"/>
+          <a:fontRef idx="minor"/>
+        </p:style>
         <p:txBody>
-          <a:bodyPr tIns="91440" bIns="91440">
+          <a:bodyPr lIns="90000" rIns="90000" tIns="91440" bIns="91440">
             <a:normAutofit/>
           </a:bodyPr>
           <a:p>
@@ -5084,10 +4650,7 @@
                 <a:tab algn="l" pos="0"/>
               </a:tabLst>
             </a:pPr>
-            <a:endParaRPr b="0" lang="en-US" sz="1400" spc="-1" strike="noStrike">
-              <a:solidFill>
-                <a:srgbClr val="000000"/>
-              </a:solidFill>
+            <a:endParaRPr b="0" lang="en-US" sz="1800" spc="-1" strike="noStrike">
               <a:latin typeface="Arial"/>
             </a:endParaRPr>
           </a:p>
@@ -5121,17 +4684,7 @@
                 <a:latin typeface="Calibri"/>
                 <a:ea typeface="Calibri"/>
               </a:rPr>
-              <a:t>4</a:t>
-            </a:r>
-            <a:r>
-              <a:rPr b="0" lang="en-US" sz="1800" spc="-1" strike="noStrike">
-                <a:solidFill>
-                  <a:srgbClr val="233a44"/>
-                </a:solidFill>
-                <a:latin typeface="Calibri"/>
-                <a:ea typeface="Calibri"/>
-              </a:rPr>
-              <a:t>-1. </a:t>
+              <a:t>4-1. </a:t>
             </a:r>
             <a:r>
               <a:rPr b="0" lang="ja" sz="1800" spc="-1" strike="noStrike">
@@ -5144,9 +4697,6 @@
               <a:t>情報を格納するということ</a:t>
             </a:r>
             <a:endParaRPr b="0" lang="en-US" sz="1800" spc="-1" strike="noStrike">
-              <a:solidFill>
-                <a:srgbClr val="000000"/>
-              </a:solidFill>
               <a:latin typeface="Arial"/>
             </a:endParaRPr>
           </a:p>
@@ -5180,7 +4730,17 @@
                 <a:latin typeface="Calibri"/>
                 <a:ea typeface="Calibri"/>
               </a:rPr>
-              <a:t>4</a:t>
+              <a:t>4-2.</a:t>
+            </a:r>
+            <a:r>
+              <a:rPr b="0" lang="ja" sz="1800" spc="-1" strike="noStrike">
+                <a:solidFill>
+                  <a:srgbClr val="233a44"/>
+                </a:solidFill>
+                <a:latin typeface="Calibri"/>
+                <a:ea typeface="Calibri"/>
+              </a:rPr>
+              <a:t>リスト </a:t>
             </a:r>
             <a:r>
               <a:rPr b="0" lang="en-US" sz="1800" spc="-1" strike="noStrike">
@@ -5190,32 +4750,9 @@
                 <a:latin typeface="Calibri"/>
                 <a:ea typeface="Calibri"/>
               </a:rPr>
-              <a:t>-2.</a:t>
-            </a:r>
-            <a:r>
-              <a:rPr b="0" lang="ja" sz="1800" spc="-1" strike="noStrike">
-                <a:solidFill>
-                  <a:srgbClr val="233a44"/>
-                </a:solidFill>
-                <a:latin typeface="Calibri"/>
-                <a:ea typeface="Calibri"/>
-              </a:rPr>
-              <a:t>リスト </a:t>
-            </a:r>
-            <a:r>
-              <a:rPr b="0" lang="en-US" sz="1800" spc="-1" strike="noStrike">
-                <a:solidFill>
-                  <a:srgbClr val="233a44"/>
-                </a:solidFill>
-                <a:latin typeface="Calibri"/>
-                <a:ea typeface="Calibri"/>
-              </a:rPr>
               <a:t>(list)</a:t>
             </a:r>
             <a:endParaRPr b="0" lang="en-US" sz="1800" spc="-1" strike="noStrike">
-              <a:solidFill>
-                <a:srgbClr val="000000"/>
-              </a:solidFill>
               <a:latin typeface="Arial"/>
             </a:endParaRPr>
           </a:p>
@@ -5249,7 +4786,17 @@
                 <a:latin typeface="Calibri"/>
                 <a:ea typeface="Calibri"/>
               </a:rPr>
-              <a:t>4</a:t>
+              <a:t>4-3. </a:t>
+            </a:r>
+            <a:r>
+              <a:rPr b="0" lang="ja" sz="1800" spc="-1" strike="noStrike">
+                <a:solidFill>
+                  <a:srgbClr val="233a44"/>
+                </a:solidFill>
+                <a:latin typeface="Calibri"/>
+                <a:ea typeface="Calibri"/>
+              </a:rPr>
+              <a:t>タプル </a:t>
             </a:r>
             <a:r>
               <a:rPr b="0" lang="en-US" sz="1800" spc="-1" strike="noStrike">
@@ -5259,32 +4806,9 @@
                 <a:latin typeface="Calibri"/>
                 <a:ea typeface="Calibri"/>
               </a:rPr>
-              <a:t>-3. </a:t>
-            </a:r>
-            <a:r>
-              <a:rPr b="0" lang="ja" sz="1800" spc="-1" strike="noStrike">
-                <a:solidFill>
-                  <a:srgbClr val="233a44"/>
-                </a:solidFill>
-                <a:latin typeface="Calibri"/>
-                <a:ea typeface="Calibri"/>
-              </a:rPr>
-              <a:t>タプル </a:t>
-            </a:r>
-            <a:r>
-              <a:rPr b="0" lang="en-US" sz="1800" spc="-1" strike="noStrike">
-                <a:solidFill>
-                  <a:srgbClr val="233a44"/>
-                </a:solidFill>
-                <a:latin typeface="Calibri"/>
-                <a:ea typeface="Calibri"/>
-              </a:rPr>
               <a:t>(tuple)</a:t>
             </a:r>
             <a:endParaRPr b="0" lang="en-US" sz="1800" spc="-1" strike="noStrike">
-              <a:solidFill>
-                <a:srgbClr val="000000"/>
-              </a:solidFill>
               <a:latin typeface="Arial"/>
             </a:endParaRPr>
           </a:p>
@@ -5322,14 +4846,14 @@
       </p:grpSpPr>
       <p:sp>
         <p:nvSpPr>
-          <p:cNvPr id="135" name="TextShape 1"/>
-          <p:cNvSpPr txBox="1"/>
+          <p:cNvPr id="133" name="CustomShape 1"/>
+          <p:cNvSpPr/>
           <p:nvPr/>
         </p:nvSpPr>
         <p:spPr>
           <a:xfrm>
             <a:off x="204840" y="208440"/>
-            <a:ext cx="8737920" cy="605160"/>
+            <a:ext cx="8737560" cy="604800"/>
           </a:xfrm>
           <a:prstGeom prst="rect">
             <a:avLst/>
@@ -5345,171 +4869,7 @@
             </a:gsLst>
             <a:lin ang="5400000"/>
           </a:gradFill>
-          <a:ln>
-            <a:noFill/>
-          </a:ln>
-        </p:spPr>
-        <p:txBody>
-          <a:bodyPr tIns="91440" bIns="91440">
-            <a:normAutofit fontScale="66000"/>
-          </a:bodyPr>
-          <a:p>
-            <a:pPr>
-              <a:lnSpc>
-                <a:spcPct val="100000"/>
-              </a:lnSpc>
-              <a:tabLst>
-                <a:tab algn="l" pos="0"/>
-              </a:tabLst>
-            </a:pPr>
-            <a:r>
-              <a:rPr b="0" lang="ja" sz="3000" spc="-1" strike="noStrike">
-                <a:solidFill>
-                  <a:srgbClr val="0000ff"/>
-                </a:solidFill>
-                <a:latin typeface="Nunito"/>
-                <a:ea typeface="Nunito"/>
-              </a:rPr>
-              <a:t>　</a:t>
-            </a:r>
-            <a:r>
-              <a:rPr b="0" lang="en-US" sz="3000" spc="-1" strike="noStrike">
-                <a:solidFill>
-                  <a:srgbClr val="0000ff"/>
-                </a:solidFill>
-                <a:latin typeface="Nunito"/>
-                <a:ea typeface="Nunito"/>
-              </a:rPr>
-              <a:t>4-1. </a:t>
-            </a:r>
-            <a:r>
-              <a:rPr b="0" lang="ja" sz="3000" spc="-1" strike="noStrike">
-                <a:solidFill>
-                  <a:srgbClr val="0000ff"/>
-                </a:solidFill>
-                <a:latin typeface="Nunito"/>
-                <a:ea typeface="Nunito"/>
-              </a:rPr>
-              <a:t>情報を格納するということ</a:t>
-            </a:r>
-            <a:endParaRPr b="0" lang="en-US" sz="3000" spc="-1" strike="noStrike">
-              <a:solidFill>
-                <a:srgbClr val="000000"/>
-              </a:solidFill>
-              <a:latin typeface="Arial"/>
-            </a:endParaRPr>
-          </a:p>
-        </p:txBody>
-      </p:sp>
-      <p:sp>
-        <p:nvSpPr>
-          <p:cNvPr id="136" name="TextShape 2"/>
-          <p:cNvSpPr txBox="1"/>
-          <p:nvPr/>
-        </p:nvSpPr>
-        <p:spPr>
-          <a:xfrm>
-            <a:off x="366120" y="1215360"/>
-            <a:ext cx="8415720" cy="3536280"/>
-          </a:xfrm>
-          <a:prstGeom prst="rect">
-            <a:avLst/>
-          </a:prstGeom>
-          <a:noFill/>
-          <a:ln>
-            <a:noFill/>
-          </a:ln>
-        </p:spPr>
-        <p:txBody>
-          <a:bodyPr tIns="91440" bIns="91440">
-            <a:normAutofit/>
-          </a:bodyPr>
-          <a:p>
-            <a:pPr>
-              <a:lnSpc>
-                <a:spcPct val="115000"/>
-              </a:lnSpc>
-              <a:tabLst>
-                <a:tab algn="l" pos="0"/>
-              </a:tabLst>
-            </a:pPr>
-            <a:r>
-              <a:rPr b="0" lang="ja" sz="1800" spc="-1" strike="noStrike">
-                <a:solidFill>
-                  <a:srgbClr val="233a44"/>
-                </a:solidFill>
-                <a:latin typeface="Calibri"/>
-                <a:ea typeface="Calibri"/>
-              </a:rPr>
-              <a:t>　前回、変数を学びました。変数は数字や文字等を入れることができます。</a:t>
-            </a:r>
-            <a:r>
-              <a:rPr b="0" lang="en-US" sz="1800" spc="-1" strike="noStrike">
-                <a:solidFill>
-                  <a:srgbClr val="233a44"/>
-                </a:solidFill>
-                <a:latin typeface="Calibri"/>
-                <a:ea typeface="Calibri"/>
-              </a:rPr>
-              <a:t>(※)</a:t>
-            </a:r>
-            <a:endParaRPr b="0" lang="en-US" sz="1800" spc="-1" strike="noStrike">
-              <a:solidFill>
-                <a:srgbClr val="000000"/>
-              </a:solidFill>
-              <a:latin typeface="Arial"/>
-            </a:endParaRPr>
-          </a:p>
-          <a:p>
-            <a:pPr>
-              <a:lnSpc>
-                <a:spcPct val="115000"/>
-              </a:lnSpc>
-              <a:spcBef>
-                <a:spcPts val="1199"/>
-              </a:spcBef>
-              <a:spcAft>
-                <a:spcPts val="1199"/>
-              </a:spcAft>
-              <a:tabLst>
-                <a:tab algn="l" pos="0"/>
-              </a:tabLst>
-            </a:pPr>
-            <a:r>
-              <a:rPr b="0" lang="ja" sz="1800" spc="-1" strike="noStrike">
-                <a:solidFill>
-                  <a:srgbClr val="233a44"/>
-                </a:solidFill>
-                <a:latin typeface="Calibri"/>
-                <a:ea typeface="Calibri"/>
-              </a:rPr>
-              <a:t>　変数に情報を入れ込むと使い勝手がよくなります。たとえば、消費税計算プログラムがあったとします。変数を使わないと、金額と消費税部分で二回入力が必要になって面倒ですよね。</a:t>
-            </a:r>
-            <a:endParaRPr b="0" lang="en-US" sz="1800" spc="-1" strike="noStrike">
-              <a:solidFill>
-                <a:srgbClr val="000000"/>
-              </a:solidFill>
-              <a:latin typeface="Arial"/>
-            </a:endParaRPr>
-          </a:p>
-        </p:txBody>
-      </p:sp>
-      <p:sp>
-        <p:nvSpPr>
-          <p:cNvPr id="137" name="CustomShape 3"/>
-          <p:cNvSpPr/>
-          <p:nvPr/>
-        </p:nvSpPr>
-        <p:spPr>
-          <a:xfrm>
-            <a:off x="460440" y="4176360"/>
-            <a:ext cx="8214120" cy="609480"/>
-          </a:xfrm>
-          <a:prstGeom prst="rect">
-            <a:avLst/>
-          </a:prstGeom>
-          <a:noFill/>
-          <a:ln>
+          <a:ln w="0">
             <a:noFill/>
           </a:ln>
         </p:spPr>
@@ -5520,8 +4880,8 @@
           <a:fontRef idx="minor"/>
         </p:style>
         <p:txBody>
-          <a:bodyPr tIns="91440" bIns="91440">
-            <a:spAutoFit/>
+          <a:bodyPr lIns="90000" rIns="90000" tIns="91440" bIns="91440">
+            <a:normAutofit fontScale="73000"/>
           </a:bodyPr>
           <a:p>
             <a:pPr>
@@ -5533,59 +4893,36 @@
               </a:tabLst>
             </a:pPr>
             <a:r>
-              <a:rPr b="0" lang="en-US" sz="1400" spc="-1" strike="noStrike">
-                <a:solidFill>
-                  <a:srgbClr val="000000"/>
-                </a:solidFill>
-                <a:latin typeface="Calibri"/>
-                <a:ea typeface="Calibri"/>
-              </a:rPr>
-              <a:t>※</a:t>
-            </a:r>
-            <a:r>
-              <a:rPr b="0" lang="en-US" sz="1400" spc="-1" strike="noStrike">
-                <a:solidFill>
-                  <a:srgbClr val="000000"/>
-                </a:solidFill>
-                <a:latin typeface="Calibri"/>
-                <a:ea typeface="Calibri"/>
-              </a:rPr>
-              <a:t>. </a:t>
-            </a:r>
-            <a:r>
-              <a:rPr b="0" lang="ja" sz="1400" spc="-1" strike="noStrike">
-                <a:solidFill>
-                  <a:srgbClr val="000000"/>
-                </a:solidFill>
-                <a:latin typeface="Calibri"/>
-                <a:ea typeface="Calibri"/>
-              </a:rPr>
-              <a:t>インスタンスという言葉も有りまして、モジュールやライブラリの情報を変数に入れ込むという</a:t>
-            </a:r>
-            <a:endParaRPr b="0" lang="en-US" sz="1400" spc="-1" strike="noStrike">
-              <a:latin typeface="Arial"/>
-            </a:endParaRPr>
-          </a:p>
-          <a:p>
-            <a:pPr>
-              <a:lnSpc>
-                <a:spcPct val="100000"/>
-              </a:lnSpc>
-              <a:tabLst>
-                <a:tab algn="l" pos="0"/>
-              </a:tabLst>
-            </a:pPr>
-            <a:r>
-              <a:rPr b="0" lang="ja" sz="1400" spc="-1" strike="noStrike">
-                <a:solidFill>
-                  <a:srgbClr val="000000"/>
-                </a:solidFill>
-                <a:latin typeface="Calibri"/>
-                <a:ea typeface="Calibri"/>
-              </a:rPr>
-              <a:t>　　使い方もあります。これはもう少し先に関わることです。</a:t>
-            </a:r>
-            <a:endParaRPr b="0" lang="en-US" sz="1400" spc="-1" strike="noStrike">
+              <a:rPr b="0" lang="ja" sz="3000" spc="-1" strike="noStrike">
+                <a:solidFill>
+                  <a:srgbClr val="0000ff"/>
+                </a:solidFill>
+                <a:latin typeface="Nunito"/>
+                <a:ea typeface="Nunito"/>
+              </a:rPr>
+              <a:t>　</a:t>
+            </a:r>
+            <a:r>
+              <a:rPr b="0" lang="en-US" sz="3000" spc="-1" strike="noStrike">
+                <a:solidFill>
+                  <a:srgbClr val="0000ff"/>
+                </a:solidFill>
+                <a:latin typeface="Nunito"/>
+                <a:ea typeface="Nunito"/>
+              </a:rPr>
+              <a:t>4-1. </a:t>
+            </a:r>
+            <a:r>
+              <a:rPr b="0" lang="ja" sz="3000" spc="-1" strike="noStrike">
+                <a:solidFill>
+                  <a:srgbClr val="0000ff"/>
+                </a:solidFill>
+                <a:latin typeface="Nunito"/>
+                <a:ea typeface="Nunito"/>
+              </a:rPr>
+              <a:t>情報を格納するということ</a:t>
+            </a:r>
+            <a:endParaRPr b="0" lang="en-US" sz="3000" spc="-1" strike="noStrike">
               <a:latin typeface="Arial"/>
             </a:endParaRPr>
           </a:p>
@@ -5593,14 +4930,204 @@
       </p:sp>
       <p:sp>
         <p:nvSpPr>
-          <p:cNvPr id="138" name="CustomShape 4"/>
+          <p:cNvPr id="134" name="CustomShape 2"/>
+          <p:cNvSpPr/>
+          <p:nvPr/>
+        </p:nvSpPr>
+        <p:spPr>
+          <a:xfrm>
+            <a:off x="366120" y="1215360"/>
+            <a:ext cx="8415360" cy="3535920"/>
+          </a:xfrm>
+          <a:prstGeom prst="rect">
+            <a:avLst/>
+          </a:prstGeom>
+          <a:noFill/>
+          <a:ln w="0">
+            <a:noFill/>
+          </a:ln>
+        </p:spPr>
+        <p:style>
+          <a:lnRef idx="0"/>
+          <a:fillRef idx="0"/>
+          <a:effectRef idx="0"/>
+          <a:fontRef idx="minor"/>
+        </p:style>
+        <p:txBody>
+          <a:bodyPr lIns="90000" rIns="90000" tIns="91440" bIns="91440">
+            <a:normAutofit/>
+          </a:bodyPr>
+          <a:p>
+            <a:pPr>
+              <a:lnSpc>
+                <a:spcPct val="115000"/>
+              </a:lnSpc>
+              <a:tabLst>
+                <a:tab algn="l" pos="0"/>
+              </a:tabLst>
+            </a:pPr>
+            <a:r>
+              <a:rPr b="0" lang="ja" sz="1800" spc="-1" strike="noStrike">
+                <a:solidFill>
+                  <a:srgbClr val="233a44"/>
+                </a:solidFill>
+                <a:latin typeface="Calibri"/>
+                <a:ea typeface="Calibri"/>
+              </a:rPr>
+              <a:t>　前回、変数を学びました。変数は数字や文字等を入れることができます。</a:t>
+            </a:r>
+            <a:r>
+              <a:rPr b="0" lang="en-US" sz="1800" spc="-1" strike="noStrike">
+                <a:solidFill>
+                  <a:srgbClr val="233a44"/>
+                </a:solidFill>
+                <a:latin typeface="Calibri"/>
+                <a:ea typeface="Calibri"/>
+              </a:rPr>
+              <a:t>(※)</a:t>
+            </a:r>
+            <a:endParaRPr b="0" lang="en-US" sz="1800" spc="-1" strike="noStrike">
+              <a:latin typeface="Arial"/>
+            </a:endParaRPr>
+          </a:p>
+          <a:p>
+            <a:pPr>
+              <a:lnSpc>
+                <a:spcPct val="115000"/>
+              </a:lnSpc>
+              <a:spcBef>
+                <a:spcPts val="1199"/>
+              </a:spcBef>
+              <a:spcAft>
+                <a:spcPts val="1199"/>
+              </a:spcAft>
+              <a:tabLst>
+                <a:tab algn="l" pos="0"/>
+              </a:tabLst>
+            </a:pPr>
+            <a:r>
+              <a:rPr b="0" lang="ja" sz="1800" spc="-1" strike="noStrike">
+                <a:solidFill>
+                  <a:srgbClr val="233a44"/>
+                </a:solidFill>
+                <a:latin typeface="Calibri"/>
+                <a:ea typeface="Calibri"/>
+              </a:rPr>
+              <a:t>　変数に情報を入れ込むと使い勝手がよくなります。たとえば、消費税計算プログラムがあったとします。変数を使わないと、金額と消費税部分で二回入力が必要になって面倒ですよね。</a:t>
+            </a:r>
+            <a:endParaRPr b="0" lang="en-US" sz="1800" spc="-1" strike="noStrike">
+              <a:latin typeface="Arial"/>
+            </a:endParaRPr>
+          </a:p>
+        </p:txBody>
+      </p:sp>
+      <p:sp>
+        <p:nvSpPr>
+          <p:cNvPr id="135" name="CustomShape 3"/>
+          <p:cNvSpPr/>
+          <p:nvPr/>
+        </p:nvSpPr>
+        <p:spPr>
+          <a:xfrm>
+            <a:off x="460440" y="4176360"/>
+            <a:ext cx="8213760" cy="609120"/>
+          </a:xfrm>
+          <a:prstGeom prst="rect">
+            <a:avLst/>
+          </a:prstGeom>
+          <a:noFill/>
+          <a:ln w="0">
+            <a:noFill/>
+          </a:ln>
+        </p:spPr>
+        <p:style>
+          <a:lnRef idx="0"/>
+          <a:fillRef idx="0"/>
+          <a:effectRef idx="0"/>
+          <a:fontRef idx="minor"/>
+        </p:style>
+        <p:txBody>
+          <a:bodyPr lIns="90000" rIns="90000" tIns="91440" bIns="91440">
+            <a:spAutoFit/>
+          </a:bodyPr>
+          <a:p>
+            <a:pPr>
+              <a:lnSpc>
+                <a:spcPct val="100000"/>
+              </a:lnSpc>
+              <a:tabLst>
+                <a:tab algn="l" pos="0"/>
+              </a:tabLst>
+            </a:pPr>
+            <a:r>
+              <a:rPr b="0" lang="en-US" sz="1400" spc="-1" strike="noStrike">
+                <a:solidFill>
+                  <a:srgbClr val="000000"/>
+                </a:solidFill>
+                <a:latin typeface="Calibri"/>
+                <a:ea typeface="Calibri"/>
+              </a:rPr>
+              <a:t>※</a:t>
+            </a:r>
+            <a:r>
+              <a:rPr b="0" lang="en-US" sz="1400" spc="-1" strike="noStrike">
+                <a:solidFill>
+                  <a:srgbClr val="000000"/>
+                </a:solidFill>
+                <a:latin typeface="Calibri"/>
+                <a:ea typeface="Calibri"/>
+              </a:rPr>
+              <a:t>. </a:t>
+            </a:r>
+            <a:r>
+              <a:rPr b="0" lang="ja" sz="1400" spc="-1" strike="noStrike">
+                <a:solidFill>
+                  <a:srgbClr val="000000"/>
+                </a:solidFill>
+                <a:latin typeface="Calibri"/>
+                <a:ea typeface="Calibri"/>
+              </a:rPr>
+              <a:t>インスタンスという言葉も有りまして、モジュールやライブラリの情報を変数に入れ込むという</a:t>
+            </a:r>
+            <a:endParaRPr b="0" lang="en-US" sz="1400" spc="-1" strike="noStrike">
+              <a:latin typeface="Arial"/>
+            </a:endParaRPr>
+          </a:p>
+          <a:p>
+            <a:pPr>
+              <a:lnSpc>
+                <a:spcPct val="100000"/>
+              </a:lnSpc>
+              <a:tabLst>
+                <a:tab algn="l" pos="0"/>
+              </a:tabLst>
+            </a:pPr>
+            <a:r>
+              <a:rPr b="0" lang="ja" sz="1400" spc="-1" strike="noStrike">
+                <a:solidFill>
+                  <a:srgbClr val="000000"/>
+                </a:solidFill>
+                <a:latin typeface="Calibri"/>
+                <a:ea typeface="Calibri"/>
+              </a:rPr>
+              <a:t>　　使い方もあります。これはもう少し先に関わることです。</a:t>
+            </a:r>
+            <a:endParaRPr b="0" lang="en-US" sz="1400" spc="-1" strike="noStrike">
+              <a:latin typeface="Arial"/>
+            </a:endParaRPr>
+          </a:p>
+        </p:txBody>
+      </p:sp>
+      <p:sp>
+        <p:nvSpPr>
+          <p:cNvPr id="136" name="CustomShape 4"/>
           <p:cNvSpPr/>
           <p:nvPr/>
         </p:nvSpPr>
         <p:spPr>
           <a:xfrm>
             <a:off x="721800" y="2832120"/>
-            <a:ext cx="7185240" cy="1120320"/>
+            <a:ext cx="7184880" cy="1119960"/>
           </a:xfrm>
           <a:prstGeom prst="bevel">
             <a:avLst>
@@ -5624,7 +5151,7 @@
           <a:fontRef idx="minor"/>
         </p:style>
         <p:txBody>
-          <a:bodyPr tIns="91440" bIns="91440" anchor="ctr">
+          <a:bodyPr lIns="90000" rIns="90000" tIns="91440" bIns="91440" anchor="ctr">
             <a:noAutofit/>
           </a:bodyPr>
           <a:p>
@@ -5830,14 +5357,14 @@
       </p:grpSpPr>
       <p:sp>
         <p:nvSpPr>
-          <p:cNvPr id="139" name="TextShape 1"/>
-          <p:cNvSpPr txBox="1"/>
+          <p:cNvPr id="137" name="CustomShape 1"/>
+          <p:cNvSpPr/>
           <p:nvPr/>
         </p:nvSpPr>
         <p:spPr>
           <a:xfrm>
             <a:off x="204840" y="208440"/>
-            <a:ext cx="8737920" cy="605160"/>
+            <a:ext cx="8737560" cy="604800"/>
           </a:xfrm>
           <a:prstGeom prst="rect">
             <a:avLst/>
@@ -5853,13 +5380,19 @@
             </a:gsLst>
             <a:lin ang="5400000"/>
           </a:gradFill>
-          <a:ln>
+          <a:ln w="0">
             <a:noFill/>
           </a:ln>
         </p:spPr>
+        <p:style>
+          <a:lnRef idx="0"/>
+          <a:fillRef idx="0"/>
+          <a:effectRef idx="0"/>
+          <a:fontRef idx="minor"/>
+        </p:style>
         <p:txBody>
-          <a:bodyPr tIns="91440" bIns="91440">
-            <a:normAutofit fontScale="66000"/>
+          <a:bodyPr lIns="90000" rIns="90000" tIns="91440" bIns="91440">
+            <a:normAutofit fontScale="73000"/>
           </a:bodyPr>
           <a:p>
             <a:pPr>
@@ -5901,9 +5434,6 @@
               <a:t>情報を格納するということ</a:t>
             </a:r>
             <a:endParaRPr b="0" lang="en-US" sz="3000" spc="-1" strike="noStrike">
-              <a:solidFill>
-                <a:srgbClr val="000000"/>
-              </a:solidFill>
               <a:latin typeface="Arial"/>
             </a:endParaRPr>
           </a:p>
@@ -5911,25 +5441,31 @@
       </p:sp>
       <p:sp>
         <p:nvSpPr>
-          <p:cNvPr id="140" name="TextShape 2"/>
-          <p:cNvSpPr txBox="1"/>
+          <p:cNvPr id="138" name="CustomShape 2"/>
+          <p:cNvSpPr/>
           <p:nvPr/>
         </p:nvSpPr>
         <p:spPr>
           <a:xfrm>
             <a:off x="366120" y="1215360"/>
-            <a:ext cx="8415720" cy="3536280"/>
+            <a:ext cx="8415360" cy="3535920"/>
           </a:xfrm>
           <a:prstGeom prst="rect">
             <a:avLst/>
           </a:prstGeom>
           <a:noFill/>
-          <a:ln>
+          <a:ln w="0">
             <a:noFill/>
           </a:ln>
         </p:spPr>
+        <p:style>
+          <a:lnRef idx="0"/>
+          <a:fillRef idx="0"/>
+          <a:effectRef idx="0"/>
+          <a:fontRef idx="minor"/>
+        </p:style>
         <p:txBody>
-          <a:bodyPr tIns="91440" bIns="91440">
+          <a:bodyPr lIns="90000" rIns="90000" tIns="91440" bIns="91440">
             <a:noAutofit/>
           </a:bodyPr>
           <a:p>
@@ -5952,9 +5488,6 @@
               <a:t>簡単なプログラムでは変数だけで事足ります。ただ、少し慣れると情報を入れておく方法を知ったほうが便利です。簡単な例で言いますと、数列があります。</a:t>
             </a:r>
             <a:endParaRPr b="0" lang="en-US" sz="1800" spc="-1" strike="noStrike">
-              <a:solidFill>
-                <a:srgbClr val="000000"/>
-              </a:solidFill>
               <a:latin typeface="Arial"/>
             </a:endParaRPr>
           </a:p>
@@ -5971,9 +5504,6 @@
               </a:tabLst>
             </a:pPr>
             <a:endParaRPr b="0" lang="en-US" sz="1800" spc="-1" strike="noStrike">
-              <a:solidFill>
-                <a:srgbClr val="000000"/>
-              </a:solidFill>
               <a:latin typeface="Arial"/>
             </a:endParaRPr>
           </a:p>
@@ -5990,9 +5520,6 @@
               </a:tabLst>
             </a:pPr>
             <a:endParaRPr b="0" lang="en-US" sz="1800" spc="-1" strike="noStrike">
-              <a:solidFill>
-                <a:srgbClr val="000000"/>
-              </a:solidFill>
               <a:latin typeface="Arial"/>
             </a:endParaRPr>
           </a:p>
@@ -6009,9 +5536,6 @@
               </a:tabLst>
             </a:pPr>
             <a:endParaRPr b="0" lang="en-US" sz="1800" spc="-1" strike="noStrike">
-              <a:solidFill>
-                <a:srgbClr val="000000"/>
-              </a:solidFill>
               <a:latin typeface="Arial"/>
             </a:endParaRPr>
           </a:p>
@@ -6061,9 +5585,6 @@
               <a:t>計算するより、予め計算しておいて何が欲しいか聞いて数値を取り出したほうが便利で、処理が早いです。</a:t>
             </a:r>
             <a:endParaRPr b="0" lang="en-US" sz="1800" spc="-1" strike="noStrike">
-              <a:solidFill>
-                <a:srgbClr val="000000"/>
-              </a:solidFill>
               <a:latin typeface="Arial"/>
             </a:endParaRPr>
           </a:p>
@@ -6071,14 +5592,14 @@
       </p:sp>
       <p:sp>
         <p:nvSpPr>
-          <p:cNvPr id="141" name="CustomShape 3"/>
+          <p:cNvPr id="139" name="CustomShape 3"/>
           <p:cNvSpPr/>
           <p:nvPr/>
         </p:nvSpPr>
         <p:spPr>
           <a:xfrm>
             <a:off x="713880" y="2072880"/>
-            <a:ext cx="7200720" cy="1150920"/>
+            <a:ext cx="7200360" cy="1150560"/>
           </a:xfrm>
           <a:prstGeom prst="bevel">
             <a:avLst>
@@ -6102,7 +5623,7 @@
           <a:fontRef idx="minor"/>
         </p:style>
         <p:txBody>
-          <a:bodyPr tIns="91440" bIns="91440">
+          <a:bodyPr lIns="90000" rIns="90000" tIns="91440" bIns="91440">
             <a:noAutofit/>
           </a:bodyPr>
           <a:p>
@@ -6291,14 +5812,14 @@
       </p:grpSpPr>
       <p:sp>
         <p:nvSpPr>
-          <p:cNvPr id="142" name="TextShape 1"/>
-          <p:cNvSpPr txBox="1"/>
+          <p:cNvPr id="140" name="CustomShape 1"/>
+          <p:cNvSpPr/>
           <p:nvPr/>
         </p:nvSpPr>
         <p:spPr>
           <a:xfrm>
             <a:off x="204840" y="208440"/>
-            <a:ext cx="8737920" cy="605160"/>
+            <a:ext cx="8737560" cy="604800"/>
           </a:xfrm>
           <a:prstGeom prst="rect">
             <a:avLst/>
@@ -6314,13 +5835,19 @@
             </a:gsLst>
             <a:lin ang="5400000"/>
           </a:gradFill>
-          <a:ln>
+          <a:ln w="0">
             <a:noFill/>
           </a:ln>
         </p:spPr>
+        <p:style>
+          <a:lnRef idx="0"/>
+          <a:fillRef idx="0"/>
+          <a:effectRef idx="0"/>
+          <a:fontRef idx="minor"/>
+        </p:style>
         <p:txBody>
-          <a:bodyPr tIns="91440" bIns="91440">
-            <a:normAutofit fontScale="66000"/>
+          <a:bodyPr lIns="90000" rIns="90000" tIns="91440" bIns="91440">
+            <a:normAutofit fontScale="73000"/>
           </a:bodyPr>
           <a:p>
             <a:pPr>
@@ -6362,9 +5889,6 @@
               <a:t>情報を格納するということ</a:t>
             </a:r>
             <a:endParaRPr b="0" lang="en-US" sz="3000" spc="-1" strike="noStrike">
-              <a:solidFill>
-                <a:srgbClr val="000000"/>
-              </a:solidFill>
               <a:latin typeface="Arial"/>
             </a:endParaRPr>
           </a:p>
@@ -6372,25 +5896,31 @@
       </p:sp>
       <p:sp>
         <p:nvSpPr>
-          <p:cNvPr id="143" name="TextShape 2"/>
-          <p:cNvSpPr txBox="1"/>
+          <p:cNvPr id="141" name="CustomShape 2"/>
+          <p:cNvSpPr/>
           <p:nvPr/>
         </p:nvSpPr>
         <p:spPr>
           <a:xfrm>
             <a:off x="366120" y="1215360"/>
-            <a:ext cx="8415720" cy="3536280"/>
+            <a:ext cx="8415360" cy="3535920"/>
           </a:xfrm>
           <a:prstGeom prst="rect">
             <a:avLst/>
           </a:prstGeom>
           <a:noFill/>
-          <a:ln>
+          <a:ln w="0">
             <a:noFill/>
           </a:ln>
         </p:spPr>
+        <p:style>
+          <a:lnRef idx="0"/>
+          <a:fillRef idx="0"/>
+          <a:effectRef idx="0"/>
+          <a:fontRef idx="minor"/>
+        </p:style>
         <p:txBody>
-          <a:bodyPr tIns="91440" bIns="91440">
+          <a:bodyPr lIns="90000" rIns="90000" tIns="91440" bIns="91440">
             <a:normAutofit/>
           </a:bodyPr>
           <a:p>
@@ -6453,9 +5983,6 @@
               <a:t>管理する場合には、どの内容を知りたいか入力したいですよね。</a:t>
             </a:r>
             <a:endParaRPr b="0" lang="en-US" sz="1800" spc="-1" strike="noStrike">
-              <a:solidFill>
-                <a:srgbClr val="000000"/>
-              </a:solidFill>
               <a:latin typeface="Arial"/>
             </a:endParaRPr>
           </a:p>
@@ -6472,9 +5999,6 @@
               </a:tabLst>
             </a:pPr>
             <a:endParaRPr b="0" lang="en-US" sz="1800" spc="-1" strike="noStrike">
-              <a:solidFill>
-                <a:srgbClr val="000000"/>
-              </a:solidFill>
               <a:latin typeface="Arial"/>
             </a:endParaRPr>
           </a:p>
@@ -6491,9 +6015,6 @@
               </a:tabLst>
             </a:pPr>
             <a:endParaRPr b="0" lang="en-US" sz="1800" spc="-1" strike="noStrike">
-              <a:solidFill>
-                <a:srgbClr val="000000"/>
-              </a:solidFill>
               <a:latin typeface="Arial"/>
             </a:endParaRPr>
           </a:p>
@@ -6510,9 +6031,6 @@
               </a:tabLst>
             </a:pPr>
             <a:endParaRPr b="0" lang="en-US" sz="1800" spc="-1" strike="noStrike">
-              <a:solidFill>
-                <a:srgbClr val="000000"/>
-              </a:solidFill>
               <a:latin typeface="Arial"/>
             </a:endParaRPr>
           </a:p>
@@ -6529,9 +6047,6 @@
               </a:tabLst>
             </a:pPr>
             <a:endParaRPr b="0" lang="en-US" sz="1800" spc="-1" strike="noStrike">
-              <a:solidFill>
-                <a:srgbClr val="000000"/>
-              </a:solidFill>
               <a:latin typeface="Arial"/>
             </a:endParaRPr>
           </a:p>
@@ -6551,9 +6066,6 @@
               </a:tabLst>
             </a:pPr>
             <a:endParaRPr b="0" lang="en-US" sz="1800" spc="-1" strike="noStrike">
-              <a:solidFill>
-                <a:srgbClr val="000000"/>
-              </a:solidFill>
               <a:latin typeface="Arial"/>
             </a:endParaRPr>
           </a:p>
@@ -6561,14 +6073,14 @@
       </p:sp>
       <p:sp>
         <p:nvSpPr>
-          <p:cNvPr id="144" name="CustomShape 3"/>
+          <p:cNvPr id="142" name="CustomShape 3"/>
           <p:cNvSpPr/>
           <p:nvPr/>
         </p:nvSpPr>
         <p:spPr>
           <a:xfrm>
             <a:off x="713880" y="2272320"/>
-            <a:ext cx="7200720" cy="1123560"/>
+            <a:ext cx="7200360" cy="1123200"/>
           </a:xfrm>
           <a:prstGeom prst="bevel">
             <a:avLst>
@@ -6592,7 +6104,7 @@
           <a:fontRef idx="minor"/>
         </p:style>
         <p:txBody>
-          <a:bodyPr tIns="91440" bIns="91440" anchor="ctr">
+          <a:bodyPr lIns="90000" rIns="90000" tIns="91440" bIns="91440" anchor="ctr">
             <a:noAutofit/>
           </a:bodyPr>
           <a:p>
@@ -6858,14 +6370,14 @@
       </p:sp>
       <p:sp>
         <p:nvSpPr>
-          <p:cNvPr id="145" name="CustomShape 4"/>
+          <p:cNvPr id="143" name="CustomShape 4"/>
           <p:cNvSpPr/>
           <p:nvPr/>
         </p:nvSpPr>
         <p:spPr>
           <a:xfrm>
             <a:off x="722160" y="3513240"/>
-            <a:ext cx="7200720" cy="1246680"/>
+            <a:ext cx="7200360" cy="1246320"/>
           </a:xfrm>
           <a:prstGeom prst="bevel">
             <a:avLst>
@@ -6889,7 +6401,7 @@
           <a:fontRef idx="minor"/>
         </p:style>
         <p:txBody>
-          <a:bodyPr tIns="91440" bIns="91440" anchor="ctr">
+          <a:bodyPr lIns="90000" rIns="90000" tIns="91440" bIns="91440" anchor="ctr">
             <a:noAutofit/>
           </a:bodyPr>
           <a:p>
@@ -7168,14 +6680,14 @@
       </p:sp>
       <p:sp>
         <p:nvSpPr>
-          <p:cNvPr id="146" name="CustomShape 5"/>
+          <p:cNvPr id="144" name="CustomShape 5"/>
           <p:cNvSpPr/>
           <p:nvPr/>
         </p:nvSpPr>
         <p:spPr>
           <a:xfrm>
             <a:off x="1942200" y="3923280"/>
-            <a:ext cx="1995480" cy="237600"/>
+            <a:ext cx="1995120" cy="237240"/>
           </a:xfrm>
           <a:prstGeom prst="roundRect">
             <a:avLst>
@@ -7199,14 +6711,14 @@
       </p:sp>
       <p:sp>
         <p:nvSpPr>
-          <p:cNvPr id="147" name="CustomShape 6"/>
+          <p:cNvPr id="145" name="CustomShape 6"/>
           <p:cNvSpPr/>
           <p:nvPr/>
         </p:nvSpPr>
         <p:spPr>
           <a:xfrm rot="5823000">
-            <a:off x="3816360" y="3181320"/>
-            <a:ext cx="1392120" cy="1017000"/>
+            <a:off x="3816720" y="3181320"/>
+            <a:ext cx="1391760" cy="1016640"/>
           </a:xfrm>
           <a:prstGeom prst="curvedDownArrow">
             <a:avLst>
@@ -7232,14 +6744,14 @@
       </p:sp>
       <p:sp>
         <p:nvSpPr>
-          <p:cNvPr id="148" name="CustomShape 7"/>
+          <p:cNvPr id="146" name="CustomShape 7"/>
           <p:cNvSpPr/>
           <p:nvPr/>
         </p:nvSpPr>
         <p:spPr>
           <a:xfrm>
             <a:off x="5559840" y="4030200"/>
-            <a:ext cx="2272320" cy="609480"/>
+            <a:ext cx="2271960" cy="609120"/>
           </a:xfrm>
           <a:prstGeom prst="rect">
             <a:avLst/>
@@ -7247,7 +6759,7 @@
           <a:solidFill>
             <a:srgbClr val="ead1dc"/>
           </a:solidFill>
-          <a:ln>
+          <a:ln w="0">
             <a:noFill/>
           </a:ln>
         </p:spPr>
@@ -7258,7 +6770,7 @@
           <a:fontRef idx="minor"/>
         </p:style>
         <p:txBody>
-          <a:bodyPr tIns="91440" bIns="91440">
+          <a:bodyPr lIns="90000" rIns="90000" tIns="91440" bIns="91440">
             <a:spAutoFit/>
           </a:bodyPr>
           <a:p>
@@ -7318,14 +6830,14 @@
       </p:grpSpPr>
       <p:sp>
         <p:nvSpPr>
-          <p:cNvPr id="149" name="TextShape 1"/>
-          <p:cNvSpPr txBox="1"/>
+          <p:cNvPr id="147" name="CustomShape 1"/>
+          <p:cNvSpPr/>
           <p:nvPr/>
         </p:nvSpPr>
         <p:spPr>
           <a:xfrm>
             <a:off x="204840" y="208440"/>
-            <a:ext cx="8737920" cy="605160"/>
+            <a:ext cx="8737560" cy="604800"/>
           </a:xfrm>
           <a:prstGeom prst="rect">
             <a:avLst/>
@@ -7341,13 +6853,19 @@
             </a:gsLst>
             <a:lin ang="5400000"/>
           </a:gradFill>
-          <a:ln>
+          <a:ln w="0">
             <a:noFill/>
           </a:ln>
         </p:spPr>
+        <p:style>
+          <a:lnRef idx="0"/>
+          <a:fillRef idx="0"/>
+          <a:effectRef idx="0"/>
+          <a:fontRef idx="minor"/>
+        </p:style>
         <p:txBody>
-          <a:bodyPr tIns="91440" bIns="91440">
-            <a:normAutofit fontScale="66000"/>
+          <a:bodyPr lIns="90000" rIns="90000" tIns="91440" bIns="91440">
+            <a:normAutofit fontScale="73000"/>
           </a:bodyPr>
           <a:p>
             <a:pPr>
@@ -7389,9 +6907,6 @@
               <a:t>情報を格納するということ</a:t>
             </a:r>
             <a:endParaRPr b="0" lang="en-US" sz="3000" spc="-1" strike="noStrike">
-              <a:solidFill>
-                <a:srgbClr val="000000"/>
-              </a:solidFill>
               <a:latin typeface="Arial"/>
             </a:endParaRPr>
           </a:p>
@@ -7399,25 +6914,31 @@
       </p:sp>
       <p:sp>
         <p:nvSpPr>
-          <p:cNvPr id="150" name="TextShape 2"/>
-          <p:cNvSpPr txBox="1"/>
+          <p:cNvPr id="148" name="CustomShape 2"/>
+          <p:cNvSpPr/>
           <p:nvPr/>
         </p:nvSpPr>
         <p:spPr>
           <a:xfrm>
             <a:off x="366120" y="1215360"/>
-            <a:ext cx="8415720" cy="3536280"/>
+            <a:ext cx="8415360" cy="3535920"/>
           </a:xfrm>
           <a:prstGeom prst="rect">
             <a:avLst/>
           </a:prstGeom>
           <a:noFill/>
-          <a:ln>
+          <a:ln w="0">
             <a:noFill/>
           </a:ln>
         </p:spPr>
+        <p:style>
+          <a:lnRef idx="0"/>
+          <a:fillRef idx="0"/>
+          <a:effectRef idx="0"/>
+          <a:fontRef idx="minor"/>
+        </p:style>
         <p:txBody>
-          <a:bodyPr tIns="91440" bIns="91440">
+          <a:bodyPr lIns="90000" rIns="90000" tIns="91440" bIns="91440">
             <a:normAutofit/>
           </a:bodyPr>
           <a:p>
@@ -7432,10 +6953,7 @@
                 <a:tab algn="l" pos="0"/>
               </a:tabLst>
             </a:pPr>
-            <a:endParaRPr b="0" lang="en-US" sz="1400" spc="-1" strike="noStrike">
-              <a:solidFill>
-                <a:srgbClr val="000000"/>
-              </a:solidFill>
+            <a:endParaRPr b="0" lang="en-US" sz="1800" spc="-1" strike="noStrike">
               <a:latin typeface="Arial"/>
             </a:endParaRPr>
           </a:p>
@@ -7472,9 +6990,6 @@
               <a:t>つ目の例ではリストとタプルというものが使えます。</a:t>
             </a:r>
             <a:endParaRPr b="0" lang="en-US" sz="1800" spc="-1" strike="noStrike">
-              <a:solidFill>
-                <a:srgbClr val="000000"/>
-              </a:solidFill>
               <a:latin typeface="Arial"/>
             </a:endParaRPr>
           </a:p>
@@ -7531,9 +7046,6 @@
               <a:t>と呼ばれることもあります。</a:t>
             </a:r>
             <a:endParaRPr b="0" lang="en-US" sz="1800" spc="-1" strike="noStrike">
-              <a:solidFill>
-                <a:srgbClr val="000000"/>
-              </a:solidFill>
               <a:latin typeface="Arial"/>
             </a:endParaRPr>
           </a:p>
@@ -7583,9 +7095,6 @@
               <a:t>つを順に解説します。</a:t>
             </a:r>
             <a:endParaRPr b="0" lang="en-US" sz="1800" spc="-1" strike="noStrike">
-              <a:solidFill>
-                <a:srgbClr val="000000"/>
-              </a:solidFill>
               <a:latin typeface="Arial"/>
             </a:endParaRPr>
           </a:p>
@@ -7623,14 +7132,14 @@
       </p:grpSpPr>
       <p:sp>
         <p:nvSpPr>
-          <p:cNvPr id="151" name="TextShape 1"/>
-          <p:cNvSpPr txBox="1"/>
+          <p:cNvPr id="149" name="CustomShape 1"/>
+          <p:cNvSpPr/>
           <p:nvPr/>
         </p:nvSpPr>
         <p:spPr>
           <a:xfrm>
             <a:off x="204840" y="208440"/>
-            <a:ext cx="8737920" cy="605160"/>
+            <a:ext cx="8737560" cy="604800"/>
           </a:xfrm>
           <a:prstGeom prst="rect">
             <a:avLst/>
@@ -7646,13 +7155,19 @@
             </a:gsLst>
             <a:lin ang="5400000"/>
           </a:gradFill>
-          <a:ln>
+          <a:ln w="0">
             <a:noFill/>
           </a:ln>
         </p:spPr>
+        <p:style>
+          <a:lnRef idx="0"/>
+          <a:fillRef idx="0"/>
+          <a:effectRef idx="0"/>
+          <a:fontRef idx="minor"/>
+        </p:style>
         <p:txBody>
-          <a:bodyPr tIns="91440" bIns="91440">
-            <a:normAutofit fontScale="66000"/>
+          <a:bodyPr lIns="90000" rIns="90000" tIns="91440" bIns="91440">
+            <a:normAutofit fontScale="73000"/>
           </a:bodyPr>
           <a:p>
             <a:pPr>
@@ -7694,9 +7209,6 @@
               <a:t>リスト</a:t>
             </a:r>
             <a:endParaRPr b="0" lang="en-US" sz="3000" spc="-1" strike="noStrike">
-              <a:solidFill>
-                <a:srgbClr val="000000"/>
-              </a:solidFill>
               <a:latin typeface="Arial"/>
             </a:endParaRPr>
           </a:p>
@@ -7704,25 +7216,31 @@
       </p:sp>
       <p:sp>
         <p:nvSpPr>
-          <p:cNvPr id="152" name="TextShape 2"/>
-          <p:cNvSpPr txBox="1"/>
+          <p:cNvPr id="150" name="CustomShape 2"/>
+          <p:cNvSpPr/>
           <p:nvPr/>
         </p:nvSpPr>
         <p:spPr>
           <a:xfrm>
             <a:off x="366120" y="1215360"/>
-            <a:ext cx="8415720" cy="3536280"/>
+            <a:ext cx="8415360" cy="3535920"/>
           </a:xfrm>
           <a:prstGeom prst="rect">
             <a:avLst/>
           </a:prstGeom>
           <a:noFill/>
-          <a:ln>
+          <a:ln w="0">
             <a:noFill/>
           </a:ln>
         </p:spPr>
+        <p:style>
+          <a:lnRef idx="0"/>
+          <a:fillRef idx="0"/>
+          <a:effectRef idx="0"/>
+          <a:fontRef idx="minor"/>
+        </p:style>
         <p:txBody>
-          <a:bodyPr tIns="91440" bIns="91440">
+          <a:bodyPr lIns="90000" rIns="90000" tIns="91440" bIns="91440">
             <a:normAutofit/>
           </a:bodyPr>
           <a:p>
@@ -7734,10 +7252,7 @@
                 <a:tab algn="l" pos="0"/>
               </a:tabLst>
             </a:pPr>
-            <a:endParaRPr b="0" lang="en-US" sz="1400" spc="-1" strike="noStrike">
-              <a:solidFill>
-                <a:srgbClr val="000000"/>
-              </a:solidFill>
+            <a:endParaRPr b="0" lang="en-US" sz="1800" spc="-1" strike="noStrike">
               <a:latin typeface="Arial"/>
             </a:endParaRPr>
           </a:p>
@@ -7761,9 +7276,6 @@
               <a:t>　タプルとリストは、順番に文字や数字等を格納することができます。</a:t>
             </a:r>
             <a:endParaRPr b="0" lang="en-US" sz="1800" spc="-1" strike="noStrike">
-              <a:solidFill>
-                <a:srgbClr val="000000"/>
-              </a:solidFill>
               <a:latin typeface="Arial"/>
             </a:endParaRPr>
           </a:p>
@@ -7783,9 +7295,6 @@
               </a:tabLst>
             </a:pPr>
             <a:endParaRPr b="0" lang="en-US" sz="1800" spc="-1" strike="noStrike">
-              <a:solidFill>
-                <a:srgbClr val="000000"/>
-              </a:solidFill>
               <a:latin typeface="Arial"/>
             </a:endParaRPr>
           </a:p>
@@ -7835,9 +7344,6 @@
               <a:t>を解説します。</a:t>
             </a:r>
             <a:endParaRPr b="0" lang="en-US" sz="1800" spc="-1" strike="noStrike">
-              <a:solidFill>
-                <a:srgbClr val="000000"/>
-              </a:solidFill>
               <a:latin typeface="Arial"/>
             </a:endParaRPr>
           </a:p>
@@ -7875,14 +7381,14 @@
       </p:grpSpPr>
       <p:sp>
         <p:nvSpPr>
-          <p:cNvPr id="153" name="TextShape 1"/>
-          <p:cNvSpPr txBox="1"/>
+          <p:cNvPr id="151" name="CustomShape 1"/>
+          <p:cNvSpPr/>
           <p:nvPr/>
         </p:nvSpPr>
         <p:spPr>
           <a:xfrm>
             <a:off x="204840" y="208440"/>
-            <a:ext cx="8737920" cy="605160"/>
+            <a:ext cx="8737560" cy="604800"/>
           </a:xfrm>
           <a:prstGeom prst="rect">
             <a:avLst/>
@@ -7898,13 +7404,19 @@
             </a:gsLst>
             <a:lin ang="5400000"/>
           </a:gradFill>
-          <a:ln>
+          <a:ln w="0">
             <a:noFill/>
           </a:ln>
         </p:spPr>
+        <p:style>
+          <a:lnRef idx="0"/>
+          <a:fillRef idx="0"/>
+          <a:effectRef idx="0"/>
+          <a:fontRef idx="minor"/>
+        </p:style>
         <p:txBody>
-          <a:bodyPr tIns="91440" bIns="91440">
-            <a:normAutofit fontScale="66000"/>
+          <a:bodyPr lIns="90000" rIns="90000" tIns="91440" bIns="91440">
+            <a:normAutofit fontScale="73000"/>
           </a:bodyPr>
           <a:p>
             <a:pPr>
@@ -7946,9 +7458,6 @@
               <a:t>リスト</a:t>
             </a:r>
             <a:endParaRPr b="0" lang="en-US" sz="3000" spc="-1" strike="noStrike">
-              <a:solidFill>
-                <a:srgbClr val="000000"/>
-              </a:solidFill>
               <a:latin typeface="Arial"/>
             </a:endParaRPr>
           </a:p>
@@ -7956,25 +7465,31 @@
       </p:sp>
       <p:sp>
         <p:nvSpPr>
-          <p:cNvPr id="154" name="TextShape 2"/>
-          <p:cNvSpPr txBox="1"/>
+          <p:cNvPr id="152" name="CustomShape 2"/>
+          <p:cNvSpPr/>
           <p:nvPr/>
         </p:nvSpPr>
         <p:spPr>
           <a:xfrm>
             <a:off x="366120" y="1215360"/>
-            <a:ext cx="8415720" cy="3536280"/>
+            <a:ext cx="8415360" cy="3535920"/>
           </a:xfrm>
           <a:prstGeom prst="rect">
             <a:avLst/>
           </a:prstGeom>
           <a:noFill/>
-          <a:ln>
+          <a:ln w="0">
             <a:noFill/>
           </a:ln>
         </p:spPr>
+        <p:style>
+          <a:lnRef idx="0"/>
+          <a:fillRef idx="0"/>
+          <a:effectRef idx="0"/>
+          <a:fontRef idx="minor"/>
+        </p:style>
         <p:txBody>
-          <a:bodyPr tIns="91440" bIns="91440">
+          <a:bodyPr lIns="90000" rIns="90000" tIns="91440" bIns="91440">
             <a:normAutofit/>
           </a:bodyPr>
           <a:p>
@@ -7997,9 +7512,6 @@
               <a:t>　</a:t>
             </a:r>
             <a:endParaRPr b="0" lang="en-US" sz="1800" spc="-1" strike="noStrike">
-              <a:solidFill>
-                <a:srgbClr val="000000"/>
-              </a:solidFill>
               <a:latin typeface="Arial"/>
             </a:endParaRPr>
           </a:p>
@@ -8007,14 +7519,14 @@
       </p:sp>
       <p:sp>
         <p:nvSpPr>
-          <p:cNvPr id="155" name="CustomShape 3"/>
+          <p:cNvPr id="153" name="CustomShape 3"/>
           <p:cNvSpPr/>
           <p:nvPr/>
         </p:nvSpPr>
         <p:spPr>
           <a:xfrm>
             <a:off x="721800" y="1053000"/>
-            <a:ext cx="7185240" cy="3820680"/>
+            <a:ext cx="7184880" cy="3820320"/>
           </a:xfrm>
           <a:prstGeom prst="bevel">
             <a:avLst>
@@ -8038,7 +7550,7 @@
           <a:fontRef idx="minor"/>
         </p:style>
         <p:txBody>
-          <a:bodyPr tIns="91440" bIns="91440">
+          <a:bodyPr lIns="90000" rIns="90000" tIns="91440" bIns="91440">
             <a:noAutofit/>
           </a:bodyPr>
           <a:p>
@@ -8371,14 +7883,14 @@
       </p:grpSpPr>
       <p:sp>
         <p:nvSpPr>
-          <p:cNvPr id="156" name="TextShape 1"/>
-          <p:cNvSpPr txBox="1"/>
+          <p:cNvPr id="154" name="CustomShape 1"/>
+          <p:cNvSpPr/>
           <p:nvPr/>
         </p:nvSpPr>
         <p:spPr>
           <a:xfrm>
             <a:off x="204840" y="208440"/>
-            <a:ext cx="8737920" cy="605160"/>
+            <a:ext cx="8737560" cy="604800"/>
           </a:xfrm>
           <a:prstGeom prst="rect">
             <a:avLst/>
@@ -8394,13 +7906,19 @@
             </a:gsLst>
             <a:lin ang="5400000"/>
           </a:gradFill>
-          <a:ln>
+          <a:ln w="0">
             <a:noFill/>
           </a:ln>
         </p:spPr>
+        <p:style>
+          <a:lnRef idx="0"/>
+          <a:fillRef idx="0"/>
+          <a:effectRef idx="0"/>
+          <a:fontRef idx="minor"/>
+        </p:style>
         <p:txBody>
-          <a:bodyPr tIns="91440" bIns="91440">
-            <a:normAutofit fontScale="66000"/>
+          <a:bodyPr lIns="90000" rIns="90000" tIns="91440" bIns="91440">
+            <a:normAutofit fontScale="73000"/>
           </a:bodyPr>
           <a:p>
             <a:pPr>
@@ -8442,9 +7960,6 @@
               <a:t>リスト</a:t>
             </a:r>
             <a:endParaRPr b="0" lang="en-US" sz="3000" spc="-1" strike="noStrike">
-              <a:solidFill>
-                <a:srgbClr val="000000"/>
-              </a:solidFill>
               <a:latin typeface="Arial"/>
             </a:endParaRPr>
           </a:p>
@@ -8452,25 +7967,31 @@
       </p:sp>
       <p:sp>
         <p:nvSpPr>
-          <p:cNvPr id="157" name="TextShape 2"/>
-          <p:cNvSpPr txBox="1"/>
+          <p:cNvPr id="155" name="CustomShape 2"/>
+          <p:cNvSpPr/>
           <p:nvPr/>
         </p:nvSpPr>
         <p:spPr>
           <a:xfrm>
             <a:off x="366120" y="1215360"/>
-            <a:ext cx="8415720" cy="3536280"/>
+            <a:ext cx="8415360" cy="3535920"/>
           </a:xfrm>
           <a:prstGeom prst="rect">
             <a:avLst/>
           </a:prstGeom>
           <a:noFill/>
-          <a:ln>
+          <a:ln w="0">
             <a:noFill/>
           </a:ln>
         </p:spPr>
+        <p:style>
+          <a:lnRef idx="0"/>
+          <a:fillRef idx="0"/>
+          <a:effectRef idx="0"/>
+          <a:fontRef idx="minor"/>
+        </p:style>
         <p:txBody>
-          <a:bodyPr tIns="91440" bIns="91440">
+          <a:bodyPr lIns="90000" rIns="90000" tIns="91440" bIns="91440">
             <a:normAutofit/>
           </a:bodyPr>
           <a:p>
@@ -8482,10 +8003,7 @@
                 <a:tab algn="l" pos="0"/>
               </a:tabLst>
             </a:pPr>
-            <a:endParaRPr b="0" lang="en-US" sz="1400" spc="-1" strike="noStrike">
-              <a:solidFill>
-                <a:srgbClr val="000000"/>
-              </a:solidFill>
+            <a:endParaRPr b="0" lang="en-US" sz="1800" spc="-1" strike="noStrike">
               <a:latin typeface="Arial"/>
             </a:endParaRPr>
           </a:p>
@@ -8504,10 +8022,7 @@
                 <a:tab algn="l" pos="0"/>
               </a:tabLst>
             </a:pPr>
-            <a:endParaRPr b="0" lang="en-US" sz="1400" spc="-1" strike="noStrike">
-              <a:solidFill>
-                <a:srgbClr val="000000"/>
-              </a:solidFill>
+            <a:endParaRPr b="0" lang="en-US" sz="1800" spc="-1" strike="noStrike">
               <a:latin typeface="Arial"/>
             </a:endParaRPr>
           </a:p>
@@ -8515,14 +8030,14 @@
       </p:sp>
       <p:sp>
         <p:nvSpPr>
-          <p:cNvPr id="158" name="CustomShape 3"/>
+          <p:cNvPr id="156" name="CustomShape 3"/>
           <p:cNvSpPr/>
           <p:nvPr/>
         </p:nvSpPr>
         <p:spPr>
           <a:xfrm>
             <a:off x="721800" y="1713240"/>
-            <a:ext cx="7185240" cy="2931840"/>
+            <a:ext cx="7184880" cy="2931480"/>
           </a:xfrm>
           <a:prstGeom prst="bevel">
             <a:avLst>
@@ -8546,7 +8061,7 @@
           <a:fontRef idx="minor"/>
         </p:style>
         <p:txBody>
-          <a:bodyPr tIns="91440" bIns="91440">
+          <a:bodyPr lIns="90000" rIns="90000" tIns="91440" bIns="91440">
             <a:noAutofit/>
           </a:bodyPr>
           <a:p>
@@ -8746,14 +8261,14 @@
       </p:sp>
       <p:sp>
         <p:nvSpPr>
-          <p:cNvPr id="159" name="CustomShape 4"/>
+          <p:cNvPr id="157" name="CustomShape 4"/>
           <p:cNvSpPr/>
           <p:nvPr/>
         </p:nvSpPr>
         <p:spPr>
           <a:xfrm>
             <a:off x="3792240" y="1443240"/>
-            <a:ext cx="1112760" cy="943920"/>
+            <a:ext cx="1112400" cy="943560"/>
           </a:xfrm>
           <a:prstGeom prst="rect">
             <a:avLst/>
@@ -8775,7 +8290,7 @@
           <a:fontRef idx="minor"/>
         </p:style>
         <p:txBody>
-          <a:bodyPr tIns="91440" bIns="91440" anchor="ctr">
+          <a:bodyPr lIns="90000" rIns="90000" tIns="91440" bIns="91440" anchor="ctr">
             <a:noAutofit/>
           </a:bodyPr>
           <a:p>
@@ -8954,14 +8469,14 @@
       </p:sp>
       <p:sp>
         <p:nvSpPr>
-          <p:cNvPr id="160" name="CustomShape 5"/>
+          <p:cNvPr id="158" name="CustomShape 5"/>
           <p:cNvSpPr/>
           <p:nvPr/>
         </p:nvSpPr>
         <p:spPr>
           <a:xfrm>
             <a:off x="3792240" y="2511360"/>
-            <a:ext cx="1112760" cy="943920"/>
+            <a:ext cx="1112400" cy="943560"/>
           </a:xfrm>
           <a:prstGeom prst="rect">
             <a:avLst/>
@@ -8983,7 +8498,7 @@
           <a:fontRef idx="minor"/>
         </p:style>
         <p:txBody>
-          <a:bodyPr tIns="91440" bIns="91440" anchor="ctr">
+          <a:bodyPr lIns="90000" rIns="90000" tIns="91440" bIns="91440" anchor="ctr">
             <a:noAutofit/>
           </a:bodyPr>
           <a:p>
@@ -9023,7 +8538,7 @@
                 <a:latin typeface="Arial"/>
                 <a:ea typeface="Arial"/>
               </a:rPr>
-              <a:t>1</a:t>
+              <a:t>0</a:t>
             </a:r>
             <a:endParaRPr b="0" lang="en-US" sz="1400" spc="-1" strike="noStrike">
               <a:latin typeface="Arial"/>
@@ -9162,14 +8677,14 @@
       </p:sp>
       <p:sp>
         <p:nvSpPr>
-          <p:cNvPr id="161" name="CustomShape 6"/>
+          <p:cNvPr id="159" name="CustomShape 6"/>
           <p:cNvSpPr/>
           <p:nvPr/>
         </p:nvSpPr>
         <p:spPr>
           <a:xfrm>
             <a:off x="3792240" y="3579840"/>
-            <a:ext cx="1112760" cy="1172160"/>
+            <a:ext cx="1112400" cy="1171800"/>
           </a:xfrm>
           <a:prstGeom prst="rect">
             <a:avLst/>
@@ -9191,7 +8706,7 @@
           <a:fontRef idx="minor"/>
         </p:style>
         <p:txBody>
-          <a:bodyPr tIns="91440" bIns="91440" anchor="ctr">
+          <a:bodyPr lIns="90000" rIns="90000" tIns="91440" bIns="91440" anchor="ctr">
             <a:noAutofit/>
           </a:bodyPr>
           <a:p>
@@ -9463,14 +8978,14 @@
       </p:sp>
       <p:sp>
         <p:nvSpPr>
-          <p:cNvPr id="162" name="CustomShape 7"/>
+          <p:cNvPr id="160" name="CustomShape 7"/>
           <p:cNvSpPr/>
           <p:nvPr/>
         </p:nvSpPr>
         <p:spPr>
           <a:xfrm>
             <a:off x="5320080" y="2680920"/>
-            <a:ext cx="1896120" cy="605160"/>
+            <a:ext cx="1895760" cy="604800"/>
           </a:xfrm>
           <a:prstGeom prst="rect">
             <a:avLst/>
@@ -9492,7 +9007,7 @@
           <a:fontRef idx="minor"/>
         </p:style>
         <p:txBody>
-          <a:bodyPr tIns="91440" bIns="91440" anchor="ctr">
+          <a:bodyPr lIns="90000" rIns="90000" tIns="91440" bIns="91440" anchor="ctr">
             <a:noAutofit/>
           </a:bodyPr>
           <a:p>
@@ -9522,14 +9037,14 @@
       </p:sp>
       <p:sp>
         <p:nvSpPr>
-          <p:cNvPr id="163" name="CustomShape 8"/>
+          <p:cNvPr id="161" name="CustomShape 8"/>
           <p:cNvSpPr/>
           <p:nvPr/>
         </p:nvSpPr>
         <p:spPr>
           <a:xfrm>
             <a:off x="5320080" y="3832560"/>
-            <a:ext cx="1896120" cy="605160"/>
+            <a:ext cx="1895760" cy="604800"/>
           </a:xfrm>
           <a:prstGeom prst="rect">
             <a:avLst/>
@@ -9551,7 +9066,7 @@
           <a:fontRef idx="minor"/>
         </p:style>
         <p:txBody>
-          <a:bodyPr tIns="91440" bIns="91440" anchor="ctr">
+          <a:bodyPr lIns="90000" rIns="90000" tIns="91440" bIns="91440" anchor="ctr">
             <a:noAutofit/>
           </a:bodyPr>
           <a:p>
@@ -9581,14 +9096,14 @@
       </p:sp>
       <p:sp>
         <p:nvSpPr>
-          <p:cNvPr id="164" name="CustomShape 9"/>
+          <p:cNvPr id="162" name="CustomShape 9"/>
           <p:cNvSpPr/>
           <p:nvPr/>
         </p:nvSpPr>
         <p:spPr>
           <a:xfrm>
             <a:off x="5350680" y="1529640"/>
-            <a:ext cx="1896120" cy="605160"/>
+            <a:ext cx="1895760" cy="604800"/>
           </a:xfrm>
           <a:prstGeom prst="rect">
             <a:avLst/>
@@ -9610,7 +9125,7 @@
           <a:fontRef idx="minor"/>
         </p:style>
         <p:txBody>
-          <a:bodyPr tIns="91440" bIns="91440" anchor="ctr">
+          <a:bodyPr lIns="90000" rIns="90000" tIns="91440" bIns="91440" anchor="ctr">
             <a:noAutofit/>
           </a:bodyPr>
           <a:p>
@@ -9693,14 +9208,14 @@
       </p:grpSpPr>
       <p:sp>
         <p:nvSpPr>
-          <p:cNvPr id="165" name="TextShape 1"/>
-          <p:cNvSpPr txBox="1"/>
+          <p:cNvPr id="163" name="CustomShape 1"/>
+          <p:cNvSpPr/>
           <p:nvPr/>
         </p:nvSpPr>
         <p:spPr>
           <a:xfrm>
             <a:off x="204840" y="208440"/>
-            <a:ext cx="8737920" cy="605160"/>
+            <a:ext cx="8737560" cy="604800"/>
           </a:xfrm>
           <a:prstGeom prst="rect">
             <a:avLst/>
@@ -9716,13 +9231,19 @@
             </a:gsLst>
             <a:lin ang="5400000"/>
           </a:gradFill>
-          <a:ln>
+          <a:ln w="0">
             <a:noFill/>
           </a:ln>
         </p:spPr>
+        <p:style>
+          <a:lnRef idx="0"/>
+          <a:fillRef idx="0"/>
+          <a:effectRef idx="0"/>
+          <a:fontRef idx="minor"/>
+        </p:style>
         <p:txBody>
-          <a:bodyPr tIns="91440" bIns="91440">
-            <a:normAutofit fontScale="66000"/>
+          <a:bodyPr lIns="90000" rIns="90000" tIns="91440" bIns="91440">
+            <a:normAutofit fontScale="73000"/>
           </a:bodyPr>
           <a:p>
             <a:pPr>
@@ -9764,9 +9285,6 @@
               <a:t>リスト</a:t>
             </a:r>
             <a:endParaRPr b="0" lang="en-US" sz="3000" spc="-1" strike="noStrike">
-              <a:solidFill>
-                <a:srgbClr val="000000"/>
-              </a:solidFill>
               <a:latin typeface="Arial"/>
             </a:endParaRPr>
           </a:p>
@@ -9774,25 +9292,31 @@
       </p:sp>
       <p:sp>
         <p:nvSpPr>
-          <p:cNvPr id="166" name="TextShape 2"/>
-          <p:cNvSpPr txBox="1"/>
+          <p:cNvPr id="164" name="CustomShape 2"/>
+          <p:cNvSpPr/>
           <p:nvPr/>
         </p:nvSpPr>
         <p:spPr>
           <a:xfrm>
             <a:off x="366120" y="1215360"/>
-            <a:ext cx="8415720" cy="3536280"/>
+            <a:ext cx="8415360" cy="3535920"/>
           </a:xfrm>
           <a:prstGeom prst="rect">
             <a:avLst/>
           </a:prstGeom>
           <a:noFill/>
-          <a:ln>
+          <a:ln w="0">
             <a:noFill/>
           </a:ln>
         </p:spPr>
+        <p:style>
+          <a:lnRef idx="0"/>
+          <a:fillRef idx="0"/>
+          <a:effectRef idx="0"/>
+          <a:fontRef idx="minor"/>
+        </p:style>
         <p:txBody>
-          <a:bodyPr tIns="91440" bIns="91440">
+          <a:bodyPr lIns="90000" rIns="90000" tIns="91440" bIns="91440">
             <a:normAutofit/>
           </a:bodyPr>
           <a:p>
@@ -9847,9 +9371,6 @@
               <a:t>)</a:t>
             </a:r>
             <a:endParaRPr b="0" lang="en-US" sz="1300" spc="-1" strike="noStrike">
-              <a:solidFill>
-                <a:srgbClr val="000000"/>
-              </a:solidFill>
               <a:latin typeface="Arial"/>
             </a:endParaRPr>
           </a:p>
@@ -9869,9 +9390,6 @@
               </a:tabLst>
             </a:pPr>
             <a:endParaRPr b="0" lang="en-US" sz="1300" spc="-1" strike="noStrike">
-              <a:solidFill>
-                <a:srgbClr val="000000"/>
-              </a:solidFill>
               <a:latin typeface="Arial"/>
             </a:endParaRPr>
           </a:p>
@@ -9879,14 +9397,14 @@
       </p:sp>
       <p:sp>
         <p:nvSpPr>
-          <p:cNvPr id="167" name="CustomShape 3"/>
+          <p:cNvPr id="165" name="CustomShape 3"/>
           <p:cNvSpPr/>
           <p:nvPr/>
         </p:nvSpPr>
         <p:spPr>
           <a:xfrm>
             <a:off x="721800" y="1713240"/>
-            <a:ext cx="7185240" cy="2931840"/>
+            <a:ext cx="7184880" cy="2931480"/>
           </a:xfrm>
           <a:prstGeom prst="bevel">
             <a:avLst>
@@ -9910,7 +9428,7 @@
           <a:fontRef idx="minor"/>
         </p:style>
         <p:txBody>
-          <a:bodyPr tIns="91440" bIns="91440">
+          <a:bodyPr lIns="90000" rIns="90000" tIns="91440" bIns="91440">
             <a:noAutofit/>
           </a:bodyPr>
           <a:p>
@@ -10223,14 +9741,14 @@
       </p:sp>
       <p:sp>
         <p:nvSpPr>
-          <p:cNvPr id="168" name="CustomShape 4"/>
+          <p:cNvPr id="166" name="CustomShape 4"/>
           <p:cNvSpPr/>
           <p:nvPr/>
         </p:nvSpPr>
         <p:spPr>
           <a:xfrm>
             <a:off x="3792240" y="1519560"/>
-            <a:ext cx="1112760" cy="943920"/>
+            <a:ext cx="1112400" cy="943560"/>
           </a:xfrm>
           <a:prstGeom prst="rect">
             <a:avLst/>
@@ -10252,7 +9770,7 @@
           <a:fontRef idx="minor"/>
         </p:style>
         <p:txBody>
-          <a:bodyPr tIns="91440" bIns="91440" anchor="ctr">
+          <a:bodyPr lIns="90000" rIns="90000" tIns="91440" bIns="91440" anchor="ctr">
             <a:noAutofit/>
           </a:bodyPr>
           <a:p>
@@ -10431,14 +9949,14 @@
       </p:sp>
       <p:sp>
         <p:nvSpPr>
-          <p:cNvPr id="169" name="CustomShape 5"/>
+          <p:cNvPr id="167" name="CustomShape 5"/>
           <p:cNvSpPr/>
           <p:nvPr/>
         </p:nvSpPr>
         <p:spPr>
           <a:xfrm>
             <a:off x="3792240" y="2511360"/>
-            <a:ext cx="1112760" cy="943920"/>
+            <a:ext cx="1112400" cy="943560"/>
           </a:xfrm>
           <a:prstGeom prst="rect">
             <a:avLst/>
@@ -10460,7 +9978,7 @@
           <a:fontRef idx="minor"/>
         </p:style>
         <p:txBody>
-          <a:bodyPr tIns="91440" bIns="91440" anchor="ctr">
+          <a:bodyPr lIns="90000" rIns="90000" tIns="91440" bIns="91440" anchor="ctr">
             <a:noAutofit/>
           </a:bodyPr>
           <a:p>
@@ -10596,14 +10114,14 @@
       </p:sp>
       <p:sp>
         <p:nvSpPr>
-          <p:cNvPr id="170" name="CustomShape 6"/>
+          <p:cNvPr id="168" name="CustomShape 6"/>
           <p:cNvSpPr/>
           <p:nvPr/>
         </p:nvSpPr>
         <p:spPr>
           <a:xfrm>
             <a:off x="3792240" y="3531240"/>
-            <a:ext cx="1327680" cy="1266120"/>
+            <a:ext cx="1327320" cy="1265760"/>
           </a:xfrm>
           <a:prstGeom prst="rect">
             <a:avLst/>
@@ -10625,7 +10143,7 @@
           <a:fontRef idx="minor"/>
         </p:style>
         <p:txBody>
-          <a:bodyPr tIns="91440" bIns="91440" anchor="ctr">
+          <a:bodyPr lIns="90000" rIns="90000" tIns="91440" bIns="91440" anchor="ctr">
             <a:noAutofit/>
           </a:bodyPr>
           <a:p>
@@ -10940,14 +10458,14 @@
       </p:sp>
       <p:sp>
         <p:nvSpPr>
-          <p:cNvPr id="171" name="CustomShape 7"/>
+          <p:cNvPr id="169" name="CustomShape 7"/>
           <p:cNvSpPr/>
           <p:nvPr/>
         </p:nvSpPr>
         <p:spPr>
           <a:xfrm>
             <a:off x="5320080" y="2680920"/>
-            <a:ext cx="1896120" cy="605160"/>
+            <a:ext cx="1895760" cy="604800"/>
           </a:xfrm>
           <a:prstGeom prst="rect">
             <a:avLst/>
@@ -10969,7 +10487,7 @@
           <a:fontRef idx="minor"/>
         </p:style>
         <p:txBody>
-          <a:bodyPr tIns="91440" bIns="91440" anchor="ctr">
+          <a:bodyPr lIns="90000" rIns="90000" tIns="91440" bIns="91440" anchor="ctr">
             <a:noAutofit/>
           </a:bodyPr>
           <a:p>
@@ -10999,14 +10517,14 @@
       </p:sp>
       <p:sp>
         <p:nvSpPr>
-          <p:cNvPr id="172" name="CustomShape 8"/>
+          <p:cNvPr id="170" name="CustomShape 8"/>
           <p:cNvSpPr/>
           <p:nvPr/>
         </p:nvSpPr>
         <p:spPr>
           <a:xfrm>
             <a:off x="5320080" y="3832560"/>
-            <a:ext cx="1896120" cy="605160"/>
+            <a:ext cx="1895760" cy="604800"/>
           </a:xfrm>
           <a:prstGeom prst="rect">
             <a:avLst/>
@@ -11028,7 +10546,7 @@
           <a:fontRef idx="minor"/>
         </p:style>
         <p:txBody>
-          <a:bodyPr tIns="91440" bIns="91440" anchor="ctr">
+          <a:bodyPr lIns="90000" rIns="90000" tIns="91440" bIns="91440" anchor="ctr">
             <a:noAutofit/>
           </a:bodyPr>
           <a:p>
@@ -11058,14 +10576,14 @@
       </p:sp>
       <p:sp>
         <p:nvSpPr>
-          <p:cNvPr id="173" name="CustomShape 9"/>
+          <p:cNvPr id="171" name="CustomShape 9"/>
           <p:cNvSpPr/>
           <p:nvPr/>
         </p:nvSpPr>
         <p:spPr>
           <a:xfrm>
             <a:off x="5350680" y="1681920"/>
-            <a:ext cx="1896120" cy="605160"/>
+            <a:ext cx="1895760" cy="604800"/>
           </a:xfrm>
           <a:prstGeom prst="rect">
             <a:avLst/>
@@ -11087,7 +10605,7 @@
           <a:fontRef idx="minor"/>
         </p:style>
         <p:txBody>
-          <a:bodyPr tIns="91440" bIns="91440" anchor="ctr">
+          <a:bodyPr lIns="90000" rIns="90000" tIns="91440" bIns="91440" anchor="ctr">
             <a:noAutofit/>
           </a:bodyPr>
           <a:p>
@@ -11170,14 +10688,14 @@
       </p:grpSpPr>
       <p:sp>
         <p:nvSpPr>
-          <p:cNvPr id="107" name="TextShape 1"/>
-          <p:cNvSpPr txBox="1"/>
+          <p:cNvPr id="105" name="CustomShape 1"/>
+          <p:cNvSpPr/>
           <p:nvPr/>
         </p:nvSpPr>
         <p:spPr>
           <a:xfrm>
             <a:off x="204840" y="208440"/>
-            <a:ext cx="8737920" cy="605160"/>
+            <a:ext cx="8737560" cy="604800"/>
           </a:xfrm>
           <a:prstGeom prst="rect">
             <a:avLst/>
@@ -11193,13 +10711,19 @@
             </a:gsLst>
             <a:lin ang="5400000"/>
           </a:gradFill>
-          <a:ln>
+          <a:ln w="0">
             <a:noFill/>
           </a:ln>
         </p:spPr>
+        <p:style>
+          <a:lnRef idx="0"/>
+          <a:fillRef idx="0"/>
+          <a:effectRef idx="0"/>
+          <a:fontRef idx="minor"/>
+        </p:style>
         <p:txBody>
-          <a:bodyPr tIns="91440" bIns="91440">
-            <a:normAutofit fontScale="91000"/>
+          <a:bodyPr lIns="90000" rIns="90000" tIns="91440" bIns="91440">
+            <a:normAutofit fontScale="73000"/>
           </a:bodyPr>
           <a:p>
             <a:pPr>
@@ -11221,9 +10745,6 @@
               <a:t>Agenda</a:t>
             </a:r>
             <a:endParaRPr b="0" lang="en-US" sz="3000" spc="-1" strike="noStrike">
-              <a:solidFill>
-                <a:srgbClr val="000000"/>
-              </a:solidFill>
               <a:latin typeface="Arial"/>
             </a:endParaRPr>
           </a:p>
@@ -11231,25 +10752,31 @@
       </p:sp>
       <p:sp>
         <p:nvSpPr>
-          <p:cNvPr id="108" name="TextShape 2"/>
-          <p:cNvSpPr txBox="1"/>
+          <p:cNvPr id="106" name="CustomShape 2"/>
+          <p:cNvSpPr/>
           <p:nvPr/>
         </p:nvSpPr>
         <p:spPr>
           <a:xfrm>
             <a:off x="366120" y="1215360"/>
-            <a:ext cx="8415720" cy="3536280"/>
+            <a:ext cx="8415360" cy="3535920"/>
           </a:xfrm>
           <a:prstGeom prst="rect">
             <a:avLst/>
           </a:prstGeom>
           <a:noFill/>
-          <a:ln>
+          <a:ln w="0">
             <a:noFill/>
           </a:ln>
         </p:spPr>
+        <p:style>
+          <a:lnRef idx="0"/>
+          <a:fillRef idx="0"/>
+          <a:effectRef idx="0"/>
+          <a:fontRef idx="minor"/>
+        </p:style>
         <p:txBody>
-          <a:bodyPr tIns="91440" bIns="91440">
+          <a:bodyPr lIns="90000" rIns="90000" tIns="91440" bIns="91440">
             <a:normAutofit/>
           </a:bodyPr>
           <a:p>
@@ -11292,9 +10819,6 @@
               <a:t>目的</a:t>
             </a:r>
             <a:endParaRPr b="0" lang="en-US" sz="2000" spc="-1" strike="noStrike">
-              <a:solidFill>
-                <a:srgbClr val="000000"/>
-              </a:solidFill>
               <a:latin typeface="Arial"/>
             </a:endParaRPr>
           </a:p>
@@ -11341,9 +10865,6 @@
               <a:t>前回の復習</a:t>
             </a:r>
             <a:endParaRPr b="0" lang="en-US" sz="2000" spc="-1" strike="noStrike">
-              <a:solidFill>
-                <a:srgbClr val="000000"/>
-              </a:solidFill>
               <a:latin typeface="Arial"/>
             </a:endParaRPr>
           </a:p>
@@ -11390,9 +10911,6 @@
               <a:t>の実例</a:t>
             </a:r>
             <a:endParaRPr b="0" lang="en-US" sz="2000" spc="-1" strike="noStrike">
-              <a:solidFill>
-                <a:srgbClr val="000000"/>
-              </a:solidFill>
               <a:latin typeface="Arial"/>
             </a:endParaRPr>
           </a:p>
@@ -11489,9 +11007,6 @@
               <a:t>)</a:t>
             </a:r>
             <a:endParaRPr b="0" lang="en-US" sz="2000" spc="-1" strike="noStrike">
-              <a:solidFill>
-                <a:srgbClr val="000000"/>
-              </a:solidFill>
               <a:latin typeface="Arial"/>
             </a:endParaRPr>
           </a:p>
@@ -11538,9 +11053,6 @@
               <a:t>次回について</a:t>
             </a:r>
             <a:endParaRPr b="0" lang="en-US" sz="2000" spc="-1" strike="noStrike">
-              <a:solidFill>
-                <a:srgbClr val="000000"/>
-              </a:solidFill>
               <a:latin typeface="Arial"/>
             </a:endParaRPr>
           </a:p>
@@ -11620,9 +11132,6 @@
               <a:t>)</a:t>
             </a:r>
             <a:endParaRPr b="0" lang="en-US" sz="2000" spc="-1" strike="noStrike">
-              <a:solidFill>
-                <a:srgbClr val="000000"/>
-              </a:solidFill>
               <a:latin typeface="Arial"/>
             </a:endParaRPr>
           </a:p>
@@ -11660,14 +11169,14 @@
       </p:grpSpPr>
       <p:sp>
         <p:nvSpPr>
-          <p:cNvPr id="174" name="TextShape 1"/>
-          <p:cNvSpPr txBox="1"/>
+          <p:cNvPr id="172" name="CustomShape 1"/>
+          <p:cNvSpPr/>
           <p:nvPr/>
         </p:nvSpPr>
         <p:spPr>
           <a:xfrm>
             <a:off x="204840" y="208440"/>
-            <a:ext cx="8737920" cy="605160"/>
+            <a:ext cx="8737560" cy="604800"/>
           </a:xfrm>
           <a:prstGeom prst="rect">
             <a:avLst/>
@@ -11683,13 +11192,19 @@
             </a:gsLst>
             <a:lin ang="5400000"/>
           </a:gradFill>
-          <a:ln>
+          <a:ln w="0">
             <a:noFill/>
           </a:ln>
         </p:spPr>
+        <p:style>
+          <a:lnRef idx="0"/>
+          <a:fillRef idx="0"/>
+          <a:effectRef idx="0"/>
+          <a:fontRef idx="minor"/>
+        </p:style>
         <p:txBody>
-          <a:bodyPr tIns="91440" bIns="91440">
-            <a:normAutofit fontScale="66000"/>
+          <a:bodyPr lIns="90000" rIns="90000" tIns="91440" bIns="91440">
+            <a:normAutofit fontScale="73000"/>
           </a:bodyPr>
           <a:p>
             <a:pPr>
@@ -11731,9 +11246,6 @@
               <a:t>リスト</a:t>
             </a:r>
             <a:endParaRPr b="0" lang="en-US" sz="3000" spc="-1" strike="noStrike">
-              <a:solidFill>
-                <a:srgbClr val="000000"/>
-              </a:solidFill>
               <a:latin typeface="Arial"/>
             </a:endParaRPr>
           </a:p>
@@ -11741,25 +11253,31 @@
       </p:sp>
       <p:sp>
         <p:nvSpPr>
-          <p:cNvPr id="175" name="TextShape 2"/>
-          <p:cNvSpPr txBox="1"/>
+          <p:cNvPr id="173" name="CustomShape 2"/>
+          <p:cNvSpPr/>
           <p:nvPr/>
         </p:nvSpPr>
         <p:spPr>
           <a:xfrm>
             <a:off x="366120" y="1215360"/>
-            <a:ext cx="8415720" cy="3536280"/>
+            <a:ext cx="8415360" cy="3535920"/>
           </a:xfrm>
           <a:prstGeom prst="rect">
             <a:avLst/>
           </a:prstGeom>
           <a:noFill/>
-          <a:ln>
+          <a:ln w="0">
             <a:noFill/>
           </a:ln>
         </p:spPr>
+        <p:style>
+          <a:lnRef idx="0"/>
+          <a:fillRef idx="0"/>
+          <a:effectRef idx="0"/>
+          <a:fontRef idx="minor"/>
+        </p:style>
         <p:txBody>
-          <a:bodyPr tIns="91440" bIns="91440">
+          <a:bodyPr lIns="90000" rIns="90000" tIns="91440" bIns="91440">
             <a:normAutofit/>
           </a:bodyPr>
           <a:p>
@@ -11815,9 +11333,6 @@
               <a:t>)</a:t>
             </a:r>
             <a:endParaRPr b="0" lang="en-US" sz="1300" spc="-1" strike="noStrike">
-              <a:solidFill>
-                <a:srgbClr val="000000"/>
-              </a:solidFill>
               <a:latin typeface="Arial"/>
             </a:endParaRPr>
           </a:p>
@@ -11825,14 +11340,14 @@
       </p:sp>
       <p:sp>
         <p:nvSpPr>
-          <p:cNvPr id="176" name="CustomShape 3"/>
+          <p:cNvPr id="174" name="CustomShape 3"/>
           <p:cNvSpPr/>
           <p:nvPr/>
         </p:nvSpPr>
         <p:spPr>
           <a:xfrm>
             <a:off x="721800" y="1713240"/>
-            <a:ext cx="7185240" cy="2931840"/>
+            <a:ext cx="7184880" cy="2931480"/>
           </a:xfrm>
           <a:prstGeom prst="bevel">
             <a:avLst>
@@ -11856,7 +11371,7 @@
           <a:fontRef idx="minor"/>
         </p:style>
         <p:txBody>
-          <a:bodyPr tIns="91440" bIns="91440">
+          <a:bodyPr lIns="90000" rIns="90000" tIns="91440" bIns="91440">
             <a:noAutofit/>
           </a:bodyPr>
           <a:p>
@@ -12182,7 +11697,7 @@
                 <a:latin typeface="Arial"/>
                 <a:ea typeface="Arial"/>
               </a:rPr>
-              <a:t>番目から最後の要素まで取り出したい</a:t>
+              <a:t>番目から最後の一つ前までの要素まで取り出したい</a:t>
             </a:r>
             <a:endParaRPr b="0" lang="en-US" sz="1200" spc="-1" strike="noStrike">
               <a:latin typeface="Arial"/>
@@ -12245,14 +11760,14 @@
       </p:grpSpPr>
       <p:sp>
         <p:nvSpPr>
-          <p:cNvPr id="177" name="TextShape 1"/>
-          <p:cNvSpPr txBox="1"/>
+          <p:cNvPr id="175" name="CustomShape 1"/>
+          <p:cNvSpPr/>
           <p:nvPr/>
         </p:nvSpPr>
         <p:spPr>
           <a:xfrm>
             <a:off x="204840" y="208440"/>
-            <a:ext cx="8737920" cy="605160"/>
+            <a:ext cx="8737560" cy="604800"/>
           </a:xfrm>
           <a:prstGeom prst="rect">
             <a:avLst/>
@@ -12268,13 +11783,19 @@
             </a:gsLst>
             <a:lin ang="5400000"/>
           </a:gradFill>
-          <a:ln>
+          <a:ln w="0">
             <a:noFill/>
           </a:ln>
         </p:spPr>
+        <p:style>
+          <a:lnRef idx="0"/>
+          <a:fillRef idx="0"/>
+          <a:effectRef idx="0"/>
+          <a:fontRef idx="minor"/>
+        </p:style>
         <p:txBody>
-          <a:bodyPr tIns="91440" bIns="91440">
-            <a:normAutofit fontScale="66000"/>
+          <a:bodyPr lIns="90000" rIns="90000" tIns="91440" bIns="91440">
+            <a:normAutofit fontScale="73000"/>
           </a:bodyPr>
           <a:p>
             <a:pPr>
@@ -12316,9 +11837,6 @@
               <a:t>タプル</a:t>
             </a:r>
             <a:endParaRPr b="0" lang="en-US" sz="3000" spc="-1" strike="noStrike">
-              <a:solidFill>
-                <a:srgbClr val="000000"/>
-              </a:solidFill>
               <a:latin typeface="Arial"/>
             </a:endParaRPr>
           </a:p>
@@ -12326,25 +11844,31 @@
       </p:sp>
       <p:sp>
         <p:nvSpPr>
-          <p:cNvPr id="178" name="TextShape 2"/>
-          <p:cNvSpPr txBox="1"/>
+          <p:cNvPr id="176" name="CustomShape 2"/>
+          <p:cNvSpPr/>
           <p:nvPr/>
         </p:nvSpPr>
         <p:spPr>
           <a:xfrm>
             <a:off x="366120" y="1215360"/>
-            <a:ext cx="8415720" cy="3536280"/>
+            <a:ext cx="8415360" cy="3535920"/>
           </a:xfrm>
           <a:prstGeom prst="rect">
             <a:avLst/>
           </a:prstGeom>
           <a:noFill/>
-          <a:ln>
+          <a:ln w="0">
             <a:noFill/>
           </a:ln>
         </p:spPr>
+        <p:style>
+          <a:lnRef idx="0"/>
+          <a:fillRef idx="0"/>
+          <a:effectRef idx="0"/>
+          <a:fontRef idx="minor"/>
+        </p:style>
         <p:txBody>
-          <a:bodyPr tIns="91440" bIns="91440">
+          <a:bodyPr lIns="90000" rIns="90000" tIns="91440" bIns="91440">
             <a:normAutofit/>
           </a:bodyPr>
           <a:p>
@@ -12370,9 +11894,6 @@
               <a:t>　タプルはリストと似ています。リストに比べて使用するメモリが少なくなるというメリットが有ります。ただし一点だけ大きな違いが有ります。まずは下記コードで違いを体感してみて下さい。</a:t>
             </a:r>
             <a:endParaRPr b="0" lang="en-US" sz="1300" spc="-1" strike="noStrike">
-              <a:solidFill>
-                <a:srgbClr val="000000"/>
-              </a:solidFill>
               <a:latin typeface="Arial"/>
             </a:endParaRPr>
           </a:p>
@@ -12380,14 +11901,14 @@
       </p:sp>
       <p:sp>
         <p:nvSpPr>
-          <p:cNvPr id="179" name="CustomShape 3"/>
+          <p:cNvPr id="177" name="CustomShape 3"/>
           <p:cNvSpPr/>
           <p:nvPr/>
         </p:nvSpPr>
         <p:spPr>
           <a:xfrm>
             <a:off x="721800" y="1941840"/>
-            <a:ext cx="7185240" cy="2931840"/>
+            <a:ext cx="7184880" cy="2931480"/>
           </a:xfrm>
           <a:prstGeom prst="bevel">
             <a:avLst>
@@ -12411,7 +11932,7 @@
           <a:fontRef idx="minor"/>
         </p:style>
         <p:txBody>
-          <a:bodyPr tIns="91440" bIns="91440">
+          <a:bodyPr lIns="90000" rIns="90000" tIns="91440" bIns="91440">
             <a:noAutofit/>
           </a:bodyPr>
           <a:p>
@@ -12757,14 +12278,14 @@
       </p:grpSpPr>
       <p:sp>
         <p:nvSpPr>
-          <p:cNvPr id="180" name="TextShape 1"/>
-          <p:cNvSpPr txBox="1"/>
+          <p:cNvPr id="178" name="CustomShape 1"/>
+          <p:cNvSpPr/>
           <p:nvPr/>
         </p:nvSpPr>
         <p:spPr>
           <a:xfrm>
             <a:off x="204840" y="208440"/>
-            <a:ext cx="8737920" cy="605160"/>
+            <a:ext cx="8737560" cy="604800"/>
           </a:xfrm>
           <a:prstGeom prst="rect">
             <a:avLst/>
@@ -12780,13 +12301,19 @@
             </a:gsLst>
             <a:lin ang="5400000"/>
           </a:gradFill>
-          <a:ln>
+          <a:ln w="0">
             <a:noFill/>
           </a:ln>
         </p:spPr>
+        <p:style>
+          <a:lnRef idx="0"/>
+          <a:fillRef idx="0"/>
+          <a:effectRef idx="0"/>
+          <a:fontRef idx="minor"/>
+        </p:style>
         <p:txBody>
-          <a:bodyPr tIns="91440" bIns="91440">
-            <a:normAutofit fontScale="66000"/>
+          <a:bodyPr lIns="90000" rIns="90000" tIns="91440" bIns="91440">
+            <a:normAutofit fontScale="73000"/>
           </a:bodyPr>
           <a:p>
             <a:pPr>
@@ -12828,9 +12355,6 @@
               <a:t>タプル</a:t>
             </a:r>
             <a:endParaRPr b="0" lang="en-US" sz="3000" spc="-1" strike="noStrike">
-              <a:solidFill>
-                <a:srgbClr val="000000"/>
-              </a:solidFill>
               <a:latin typeface="Arial"/>
             </a:endParaRPr>
           </a:p>
@@ -12838,25 +12362,31 @@
       </p:sp>
       <p:sp>
         <p:nvSpPr>
-          <p:cNvPr id="181" name="TextShape 2"/>
-          <p:cNvSpPr txBox="1"/>
+          <p:cNvPr id="179" name="CustomShape 2"/>
+          <p:cNvSpPr/>
           <p:nvPr/>
         </p:nvSpPr>
         <p:spPr>
           <a:xfrm>
             <a:off x="366120" y="1215360"/>
-            <a:ext cx="8415720" cy="3536280"/>
+            <a:ext cx="8415360" cy="3535920"/>
           </a:xfrm>
           <a:prstGeom prst="rect">
             <a:avLst/>
           </a:prstGeom>
           <a:noFill/>
-          <a:ln>
+          <a:ln w="0">
             <a:noFill/>
           </a:ln>
         </p:spPr>
+        <p:style>
+          <a:lnRef idx="0"/>
+          <a:fillRef idx="0"/>
+          <a:effectRef idx="0"/>
+          <a:fontRef idx="minor"/>
+        </p:style>
         <p:txBody>
-          <a:bodyPr tIns="91440" bIns="91440">
+          <a:bodyPr lIns="90000" rIns="90000" tIns="91440" bIns="91440">
             <a:normAutofit/>
           </a:bodyPr>
           <a:p>
@@ -12899,9 +12429,6 @@
               <a:t>節約できる理由になっていると思います。</a:t>
             </a:r>
             <a:endParaRPr b="0" lang="en-US" sz="1800" spc="-1" strike="noStrike">
-              <a:solidFill>
-                <a:srgbClr val="000000"/>
-              </a:solidFill>
               <a:latin typeface="Arial"/>
             </a:endParaRPr>
           </a:p>
@@ -12931,9 +12458,6 @@
               <a:t>　変更可能なものはリストで定義しましょう。</a:t>
             </a:r>
             <a:endParaRPr b="0" lang="en-US" sz="1800" spc="-1" strike="noStrike">
-              <a:solidFill>
-                <a:srgbClr val="000000"/>
-              </a:solidFill>
               <a:latin typeface="Arial"/>
             </a:endParaRPr>
           </a:p>
@@ -12941,14 +12465,14 @@
       </p:sp>
       <p:sp>
         <p:nvSpPr>
-          <p:cNvPr id="182" name="CustomShape 3"/>
+          <p:cNvPr id="180" name="CustomShape 3"/>
           <p:cNvSpPr/>
           <p:nvPr/>
         </p:nvSpPr>
         <p:spPr>
           <a:xfrm>
             <a:off x="721800" y="2481840"/>
-            <a:ext cx="7185240" cy="2257200"/>
+            <a:ext cx="7184880" cy="2256840"/>
           </a:xfrm>
           <a:prstGeom prst="bevel">
             <a:avLst>
@@ -12972,7 +12496,7 @@
           <a:fontRef idx="minor"/>
         </p:style>
         <p:txBody>
-          <a:bodyPr tIns="91440" bIns="91440">
+          <a:bodyPr lIns="90000" rIns="90000" tIns="91440" bIns="91440">
             <a:noAutofit/>
           </a:bodyPr>
           <a:p>
@@ -13246,14 +12770,14 @@
       </p:grpSpPr>
       <p:sp>
         <p:nvSpPr>
-          <p:cNvPr id="183" name="TextShape 1"/>
-          <p:cNvSpPr txBox="1"/>
+          <p:cNvPr id="181" name="CustomShape 1"/>
+          <p:cNvSpPr/>
           <p:nvPr/>
         </p:nvSpPr>
         <p:spPr>
           <a:xfrm>
             <a:off x="204840" y="208440"/>
-            <a:ext cx="8737920" cy="605160"/>
+            <a:ext cx="8737560" cy="604800"/>
           </a:xfrm>
           <a:prstGeom prst="rect">
             <a:avLst/>
@@ -13269,13 +12793,19 @@
             </a:gsLst>
             <a:lin ang="5400000"/>
           </a:gradFill>
-          <a:ln>
+          <a:ln w="0">
             <a:noFill/>
           </a:ln>
         </p:spPr>
+        <p:style>
+          <a:lnRef idx="0"/>
+          <a:fillRef idx="0"/>
+          <a:effectRef idx="0"/>
+          <a:fontRef idx="minor"/>
+        </p:style>
         <p:txBody>
-          <a:bodyPr tIns="91440" bIns="91440">
-            <a:normAutofit fontScale="66000"/>
+          <a:bodyPr lIns="90000" rIns="90000" tIns="91440" bIns="91440">
+            <a:normAutofit fontScale="73000"/>
           </a:bodyPr>
           <a:p>
             <a:pPr>
@@ -13317,9 +12847,6 @@
               <a:t>タプル</a:t>
             </a:r>
             <a:endParaRPr b="0" lang="en-US" sz="3000" spc="-1" strike="noStrike">
-              <a:solidFill>
-                <a:srgbClr val="000000"/>
-              </a:solidFill>
               <a:latin typeface="Arial"/>
             </a:endParaRPr>
           </a:p>
@@ -13327,25 +12854,31 @@
       </p:sp>
       <p:sp>
         <p:nvSpPr>
-          <p:cNvPr id="184" name="TextShape 2"/>
-          <p:cNvSpPr txBox="1"/>
+          <p:cNvPr id="182" name="CustomShape 2"/>
+          <p:cNvSpPr/>
           <p:nvPr/>
         </p:nvSpPr>
         <p:spPr>
           <a:xfrm>
             <a:off x="366120" y="1215360"/>
-            <a:ext cx="8415720" cy="3536280"/>
+            <a:ext cx="8415360" cy="3535920"/>
           </a:xfrm>
           <a:prstGeom prst="rect">
             <a:avLst/>
           </a:prstGeom>
           <a:noFill/>
-          <a:ln>
+          <a:ln w="0">
             <a:noFill/>
           </a:ln>
         </p:spPr>
+        <p:style>
+          <a:lnRef idx="0"/>
+          <a:fillRef idx="0"/>
+          <a:effectRef idx="0"/>
+          <a:fontRef idx="minor"/>
+        </p:style>
         <p:txBody>
-          <a:bodyPr tIns="91440" bIns="91440">
+          <a:bodyPr lIns="90000" rIns="90000" tIns="91440" bIns="91440">
             <a:normAutofit/>
           </a:bodyPr>
           <a:p>
@@ -13401,9 +12934,6 @@
               <a:t>)</a:t>
             </a:r>
             <a:endParaRPr b="0" lang="en-US" sz="1800" spc="-1" strike="noStrike">
-              <a:solidFill>
-                <a:srgbClr val="000000"/>
-              </a:solidFill>
               <a:latin typeface="Arial"/>
             </a:endParaRPr>
           </a:p>
@@ -13411,14 +12941,14 @@
       </p:sp>
       <p:sp>
         <p:nvSpPr>
-          <p:cNvPr id="185" name="CustomShape 3"/>
+          <p:cNvPr id="183" name="CustomShape 3"/>
           <p:cNvSpPr/>
           <p:nvPr/>
         </p:nvSpPr>
         <p:spPr>
           <a:xfrm>
             <a:off x="721800" y="1713240"/>
-            <a:ext cx="7185240" cy="2931840"/>
+            <a:ext cx="7184880" cy="2931480"/>
           </a:xfrm>
           <a:prstGeom prst="bevel">
             <a:avLst>
@@ -13442,7 +12972,7 @@
           <a:fontRef idx="minor"/>
         </p:style>
         <p:txBody>
-          <a:bodyPr tIns="91440" bIns="91440">
+          <a:bodyPr lIns="90000" rIns="90000" tIns="91440" bIns="91440">
             <a:noAutofit/>
           </a:bodyPr>
           <a:p>
@@ -13495,17 +13025,7 @@
                 <a:latin typeface="Arial"/>
                 <a:ea typeface="Arial"/>
               </a:rPr>
-              <a:t>tuple_sample = </a:t>
-            </a:r>
-            <a:r>
-              <a:rPr b="0" lang="en-US" sz="1200" spc="-1" strike="noStrike">
-                <a:solidFill>
-                  <a:srgbClr val="000000"/>
-                </a:solidFill>
-                <a:latin typeface="Arial"/>
-                <a:ea typeface="Arial"/>
-              </a:rPr>
-              <a:t>(1, 2, 4, 8, 16, 32)</a:t>
+              <a:t>tuple_sample = (1, 2, 4, 8, 16, 32)</a:t>
             </a:r>
             <a:endParaRPr b="0" lang="en-US" sz="1200" spc="-1" strike="noStrike">
               <a:latin typeface="Arial"/>
@@ -13841,14 +13361,14 @@
       </p:grpSpPr>
       <p:sp>
         <p:nvSpPr>
-          <p:cNvPr id="186" name="TextShape 1"/>
-          <p:cNvSpPr txBox="1"/>
+          <p:cNvPr id="184" name="CustomShape 1"/>
+          <p:cNvSpPr/>
           <p:nvPr/>
         </p:nvSpPr>
         <p:spPr>
           <a:xfrm>
             <a:off x="204840" y="208440"/>
-            <a:ext cx="8737920" cy="605160"/>
+            <a:ext cx="8737560" cy="604800"/>
           </a:xfrm>
           <a:prstGeom prst="rect">
             <a:avLst/>
@@ -13864,13 +13384,19 @@
             </a:gsLst>
             <a:lin ang="5400000"/>
           </a:gradFill>
-          <a:ln>
+          <a:ln w="0">
             <a:noFill/>
           </a:ln>
         </p:spPr>
+        <p:style>
+          <a:lnRef idx="0"/>
+          <a:fillRef idx="0"/>
+          <a:effectRef idx="0"/>
+          <a:fontRef idx="minor"/>
+        </p:style>
         <p:txBody>
-          <a:bodyPr tIns="91440" bIns="91440">
-            <a:normAutofit fontScale="66000"/>
+          <a:bodyPr lIns="90000" rIns="90000" tIns="91440" bIns="91440">
+            <a:normAutofit fontScale="73000"/>
           </a:bodyPr>
           <a:p>
             <a:pPr>
@@ -13912,9 +13438,6 @@
               <a:t>本日のまとめ</a:t>
             </a:r>
             <a:endParaRPr b="0" lang="en-US" sz="3000" spc="-1" strike="noStrike">
-              <a:solidFill>
-                <a:srgbClr val="000000"/>
-              </a:solidFill>
               <a:latin typeface="Arial"/>
             </a:endParaRPr>
           </a:p>
@@ -13922,25 +13445,31 @@
       </p:sp>
       <p:sp>
         <p:nvSpPr>
-          <p:cNvPr id="187" name="TextShape 2"/>
-          <p:cNvSpPr txBox="1"/>
+          <p:cNvPr id="185" name="CustomShape 2"/>
+          <p:cNvSpPr/>
           <p:nvPr/>
         </p:nvSpPr>
         <p:spPr>
           <a:xfrm>
             <a:off x="366120" y="1215360"/>
-            <a:ext cx="8415720" cy="3536280"/>
+            <a:ext cx="8415360" cy="3535920"/>
           </a:xfrm>
           <a:prstGeom prst="rect">
             <a:avLst/>
           </a:prstGeom>
           <a:noFill/>
-          <a:ln>
+          <a:ln w="0">
             <a:noFill/>
           </a:ln>
         </p:spPr>
+        <p:style>
+          <a:lnRef idx="0"/>
+          <a:fillRef idx="0"/>
+          <a:effectRef idx="0"/>
+          <a:fontRef idx="minor"/>
+        </p:style>
         <p:txBody>
-          <a:bodyPr tIns="91440" bIns="91440">
+          <a:bodyPr lIns="90000" rIns="90000" tIns="91440" bIns="91440">
             <a:normAutofit/>
           </a:bodyPr>
           <a:p>
@@ -13952,10 +13481,7 @@
                 <a:tab algn="l" pos="0"/>
               </a:tabLst>
             </a:pPr>
-            <a:endParaRPr b="0" lang="en-US" sz="1400" spc="-1" strike="noStrike">
-              <a:solidFill>
-                <a:srgbClr val="000000"/>
-              </a:solidFill>
+            <a:endParaRPr b="0" lang="en-US" sz="1800" spc="-1" strike="noStrike">
               <a:latin typeface="Arial"/>
             </a:endParaRPr>
           </a:p>
@@ -14002,9 +13528,6 @@
               <a:t>：　情報を順番に格納できるもの。</a:t>
             </a:r>
             <a:endParaRPr b="0" lang="en-US" sz="1800" spc="-1" strike="noStrike">
-              <a:solidFill>
-                <a:srgbClr val="000000"/>
-              </a:solidFill>
               <a:latin typeface="Arial"/>
             </a:endParaRPr>
           </a:p>
@@ -14051,9 +13574,6 @@
               <a:t>既存の情報の変更や追加が可能。</a:t>
             </a:r>
             <a:endParaRPr b="0" lang="en-US" sz="1800" spc="-1" strike="noStrike">
-              <a:solidFill>
-                <a:srgbClr val="000000"/>
-              </a:solidFill>
               <a:latin typeface="Arial"/>
             </a:endParaRPr>
           </a:p>
@@ -14100,9 +13620,6 @@
               <a:t>：　リストとほぼ同じ様に使用可能。</a:t>
             </a:r>
             <a:endParaRPr b="0" lang="en-US" sz="1800" spc="-1" strike="noStrike">
-              <a:solidFill>
-                <a:srgbClr val="000000"/>
-              </a:solidFill>
               <a:latin typeface="Arial"/>
             </a:endParaRPr>
           </a:p>
@@ -14219,9 +13736,6 @@
               <a:t>)</a:t>
             </a:r>
             <a:endParaRPr b="0" lang="en-US" sz="1800" spc="-1" strike="noStrike">
-              <a:solidFill>
-                <a:srgbClr val="000000"/>
-              </a:solidFill>
               <a:latin typeface="Arial"/>
             </a:endParaRPr>
           </a:p>
@@ -14238,9 +13752,6 @@
               </a:tabLst>
             </a:pPr>
             <a:endParaRPr b="0" lang="en-US" sz="1800" spc="-1" strike="noStrike">
-              <a:solidFill>
-                <a:srgbClr val="000000"/>
-              </a:solidFill>
               <a:latin typeface="Arial"/>
             </a:endParaRPr>
           </a:p>
@@ -14278,14 +13789,14 @@
       </p:grpSpPr>
       <p:sp>
         <p:nvSpPr>
-          <p:cNvPr id="188" name="TextShape 1"/>
-          <p:cNvSpPr txBox="1"/>
+          <p:cNvPr id="186" name="CustomShape 1"/>
+          <p:cNvSpPr/>
           <p:nvPr/>
         </p:nvSpPr>
         <p:spPr>
           <a:xfrm>
             <a:off x="204840" y="208440"/>
-            <a:ext cx="8737920" cy="605160"/>
+            <a:ext cx="8737560" cy="604800"/>
           </a:xfrm>
           <a:prstGeom prst="rect">
             <a:avLst/>
@@ -14301,13 +13812,19 @@
             </a:gsLst>
             <a:lin ang="5400000"/>
           </a:gradFill>
-          <a:ln>
+          <a:ln w="0">
             <a:noFill/>
           </a:ln>
         </p:spPr>
+        <p:style>
+          <a:lnRef idx="0"/>
+          <a:fillRef idx="0"/>
+          <a:effectRef idx="0"/>
+          <a:fontRef idx="minor"/>
+        </p:style>
         <p:txBody>
-          <a:bodyPr tIns="91440" bIns="91440">
-            <a:normAutofit fontScale="66000"/>
+          <a:bodyPr lIns="90000" rIns="90000" tIns="91440" bIns="91440">
+            <a:normAutofit fontScale="73000"/>
           </a:bodyPr>
           <a:p>
             <a:pPr>
@@ -14349,9 +13866,6 @@
               <a:t>本日のまとめ</a:t>
             </a:r>
             <a:endParaRPr b="0" lang="en-US" sz="3000" spc="-1" strike="noStrike">
-              <a:solidFill>
-                <a:srgbClr val="000000"/>
-              </a:solidFill>
               <a:latin typeface="Arial"/>
             </a:endParaRPr>
           </a:p>
@@ -14359,25 +13873,31 @@
       </p:sp>
       <p:sp>
         <p:nvSpPr>
-          <p:cNvPr id="189" name="TextShape 2"/>
-          <p:cNvSpPr txBox="1"/>
+          <p:cNvPr id="187" name="CustomShape 2"/>
+          <p:cNvSpPr/>
           <p:nvPr/>
         </p:nvSpPr>
         <p:spPr>
           <a:xfrm>
             <a:off x="366120" y="1215360"/>
-            <a:ext cx="8415720" cy="3536280"/>
+            <a:ext cx="8415360" cy="3535920"/>
           </a:xfrm>
           <a:prstGeom prst="rect">
             <a:avLst/>
           </a:prstGeom>
           <a:noFill/>
-          <a:ln>
+          <a:ln w="0">
             <a:noFill/>
           </a:ln>
         </p:spPr>
+        <p:style>
+          <a:lnRef idx="0"/>
+          <a:fillRef idx="0"/>
+          <a:effectRef idx="0"/>
+          <a:fontRef idx="minor"/>
+        </p:style>
         <p:txBody>
-          <a:bodyPr tIns="91440" bIns="91440">
+          <a:bodyPr lIns="90000" rIns="90000" tIns="91440" bIns="91440">
             <a:normAutofit/>
           </a:bodyPr>
           <a:p>
@@ -14389,10 +13909,7 @@
                 <a:tab algn="l" pos="0"/>
               </a:tabLst>
             </a:pPr>
-            <a:endParaRPr b="0" lang="en-US" sz="1400" spc="-1" strike="noStrike">
-              <a:solidFill>
-                <a:srgbClr val="000000"/>
-              </a:solidFill>
+            <a:endParaRPr b="0" lang="en-US" sz="1800" spc="-1" strike="noStrike">
               <a:latin typeface="Arial"/>
             </a:endParaRPr>
           </a:p>
@@ -14456,9 +13973,6 @@
               <a:t>について</a:t>
             </a:r>
             <a:endParaRPr b="0" lang="en-US" sz="1800" spc="-1" strike="noStrike">
-              <a:solidFill>
-                <a:srgbClr val="000000"/>
-              </a:solidFill>
               <a:latin typeface="Arial"/>
             </a:endParaRPr>
           </a:p>
@@ -14475,9 +13989,6 @@
               </a:tabLst>
             </a:pPr>
             <a:endParaRPr b="0" lang="en-US" sz="1800" spc="-1" strike="noStrike">
-              <a:solidFill>
-                <a:srgbClr val="000000"/>
-              </a:solidFill>
               <a:latin typeface="Arial"/>
             </a:endParaRPr>
           </a:p>
@@ -14544,9 +14055,6 @@
               <a:t>、スクレイピング</a:t>
             </a:r>
             <a:endParaRPr b="0" lang="en-US" sz="1800" spc="-1" strike="noStrike">
-              <a:solidFill>
-                <a:srgbClr val="000000"/>
-              </a:solidFill>
               <a:latin typeface="Arial"/>
             </a:endParaRPr>
           </a:p>
@@ -14573,9 +14081,6 @@
               <a:t>　・ディクショナリ型を学ぶ</a:t>
             </a:r>
             <a:endParaRPr b="0" lang="en-US" sz="1800" spc="-1" strike="noStrike">
-              <a:solidFill>
-                <a:srgbClr val="000000"/>
-              </a:solidFill>
               <a:latin typeface="Arial"/>
             </a:endParaRPr>
           </a:p>
@@ -14602,9 +14107,6 @@
               <a:t>　・統計データを取得してみよう</a:t>
             </a:r>
             <a:endParaRPr b="0" lang="en-US" sz="1800" spc="-1" strike="noStrike">
-              <a:solidFill>
-                <a:srgbClr val="000000"/>
-              </a:solidFill>
               <a:latin typeface="Arial"/>
             </a:endParaRPr>
           </a:p>
@@ -14642,14 +14144,14 @@
       </p:grpSpPr>
       <p:sp>
         <p:nvSpPr>
-          <p:cNvPr id="190" name="TextShape 1"/>
-          <p:cNvSpPr txBox="1"/>
+          <p:cNvPr id="188" name="CustomShape 1"/>
+          <p:cNvSpPr/>
           <p:nvPr/>
         </p:nvSpPr>
         <p:spPr>
           <a:xfrm>
             <a:off x="204840" y="208440"/>
-            <a:ext cx="8737920" cy="605160"/>
+            <a:ext cx="8737560" cy="604800"/>
           </a:xfrm>
           <a:prstGeom prst="rect">
             <a:avLst/>
@@ -14665,13 +14167,19 @@
             </a:gsLst>
             <a:lin ang="5400000"/>
           </a:gradFill>
-          <a:ln>
+          <a:ln w="0">
             <a:noFill/>
           </a:ln>
         </p:spPr>
+        <p:style>
+          <a:lnRef idx="0"/>
+          <a:fillRef idx="0"/>
+          <a:effectRef idx="0"/>
+          <a:fontRef idx="minor"/>
+        </p:style>
         <p:txBody>
-          <a:bodyPr tIns="91440" bIns="91440">
-            <a:normAutofit fontScale="66000"/>
+          <a:bodyPr lIns="90000" rIns="90000" tIns="91440" bIns="91440">
+            <a:normAutofit fontScale="73000"/>
           </a:bodyPr>
           <a:p>
             <a:pPr>
@@ -14713,9 +14221,6 @@
               <a:t>組み立て</a:t>
             </a:r>
             <a:endParaRPr b="0" lang="en-US" sz="3000" spc="-1" strike="noStrike">
-              <a:solidFill>
-                <a:srgbClr val="000000"/>
-              </a:solidFill>
               <a:latin typeface="Arial"/>
             </a:endParaRPr>
           </a:p>
@@ -14723,25 +14228,31 @@
       </p:sp>
       <p:sp>
         <p:nvSpPr>
-          <p:cNvPr id="191" name="TextShape 2"/>
-          <p:cNvSpPr txBox="1"/>
+          <p:cNvPr id="189" name="CustomShape 2"/>
+          <p:cNvSpPr/>
           <p:nvPr/>
         </p:nvSpPr>
         <p:spPr>
           <a:xfrm>
             <a:off x="366120" y="1215360"/>
-            <a:ext cx="8415720" cy="3536280"/>
+            <a:ext cx="8415360" cy="3535920"/>
           </a:xfrm>
           <a:prstGeom prst="rect">
             <a:avLst/>
           </a:prstGeom>
           <a:noFill/>
-          <a:ln>
+          <a:ln w="0">
             <a:noFill/>
           </a:ln>
         </p:spPr>
+        <p:style>
+          <a:lnRef idx="0"/>
+          <a:fillRef idx="0"/>
+          <a:effectRef idx="0"/>
+          <a:fontRef idx="minor"/>
+        </p:style>
         <p:txBody>
-          <a:bodyPr tIns="91440" bIns="91440">
+          <a:bodyPr lIns="90000" rIns="90000" tIns="91440" bIns="91440">
             <a:normAutofit/>
           </a:bodyPr>
           <a:p>
@@ -14777,9 +14288,6 @@
               <a:t>延長ケーブルとピンを使って下記のように組み立てます。</a:t>
             </a:r>
             <a:endParaRPr b="0" lang="en-US" sz="1300" spc="-1" strike="noStrike">
-              <a:solidFill>
-                <a:srgbClr val="000000"/>
-              </a:solidFill>
               <a:latin typeface="Arial"/>
             </a:endParaRPr>
           </a:p>
@@ -14787,7 +14295,7 @@
       </p:sp>
       <p:pic>
         <p:nvPicPr>
-          <p:cNvPr id="192" name="Google Shape;316;p38" descr=""/>
+          <p:cNvPr id="190" name="Google Shape;316;p38" descr=""/>
           <p:cNvPicPr/>
           <p:nvPr/>
         </p:nvPicPr>
@@ -14798,19 +14306,19 @@
         <p:spPr>
           <a:xfrm>
             <a:off x="3903480" y="1834920"/>
-            <a:ext cx="3907800" cy="2525400"/>
+            <a:ext cx="3907440" cy="2525040"/>
           </a:xfrm>
           <a:prstGeom prst="rect">
             <a:avLst/>
           </a:prstGeom>
-          <a:ln>
+          <a:ln w="0">
             <a:noFill/>
           </a:ln>
         </p:spPr>
       </p:pic>
       <p:pic>
         <p:nvPicPr>
-          <p:cNvPr id="193" name="Google Shape;318;p38" descr=""/>
+          <p:cNvPr id="191" name="Google Shape;318;p38" descr=""/>
           <p:cNvPicPr/>
           <p:nvPr/>
         </p:nvPicPr>
@@ -14821,36 +14329,36 @@
         <p:spPr>
           <a:xfrm>
             <a:off x="943200" y="3034440"/>
-            <a:ext cx="1811160" cy="1815120"/>
+            <a:ext cx="1810800" cy="1814760"/>
           </a:xfrm>
           <a:prstGeom prst="rect">
             <a:avLst/>
           </a:prstGeom>
-          <a:ln>
+          <a:ln w="0">
             <a:noFill/>
           </a:ln>
         </p:spPr>
       </p:pic>
       <p:pic>
         <p:nvPicPr>
-          <p:cNvPr id="194" name="Google Shape;319;p38" descr=""/>
+          <p:cNvPr id="192" name="Google Shape;319;p38" descr=""/>
           <p:cNvPicPr/>
           <p:nvPr/>
         </p:nvPicPr>
         <p:blipFill>
           <a:blip r:embed="rId3"/>
-          <a:srcRect l="0" t="17220" r="0" b="21158"/>
+          <a:srcRect l="0" t="17219" r="0" b="21160"/>
           <a:stretch/>
         </p:blipFill>
         <p:spPr>
           <a:xfrm>
             <a:off x="656280" y="1758960"/>
-            <a:ext cx="1945800" cy="1199160"/>
+            <a:ext cx="1945440" cy="1198800"/>
           </a:xfrm>
           <a:prstGeom prst="rect">
             <a:avLst/>
           </a:prstGeom>
-          <a:ln>
+          <a:ln w="0">
             <a:noFill/>
           </a:ln>
         </p:spPr>
@@ -14887,14 +14395,14 @@
       </p:grpSpPr>
       <p:sp>
         <p:nvSpPr>
-          <p:cNvPr id="109" name="TextShape 1"/>
-          <p:cNvSpPr txBox="1"/>
+          <p:cNvPr id="107" name="CustomShape 1"/>
+          <p:cNvSpPr/>
           <p:nvPr/>
         </p:nvSpPr>
         <p:spPr>
           <a:xfrm>
             <a:off x="204840" y="208440"/>
-            <a:ext cx="8737920" cy="605160"/>
+            <a:ext cx="8737560" cy="604800"/>
           </a:xfrm>
           <a:prstGeom prst="rect">
             <a:avLst/>
@@ -14910,13 +14418,19 @@
             </a:gsLst>
             <a:lin ang="5400000"/>
           </a:gradFill>
-          <a:ln>
+          <a:ln w="0">
             <a:noFill/>
           </a:ln>
         </p:spPr>
+        <p:style>
+          <a:lnRef idx="0"/>
+          <a:fillRef idx="0"/>
+          <a:effectRef idx="0"/>
+          <a:fontRef idx="minor"/>
+        </p:style>
         <p:txBody>
-          <a:bodyPr tIns="91440" bIns="91440">
-            <a:normAutofit fontScale="66000"/>
+          <a:bodyPr lIns="90000" rIns="90000" tIns="91440" bIns="91440">
+            <a:normAutofit fontScale="73000"/>
           </a:bodyPr>
           <a:p>
             <a:pPr>
@@ -14958,9 +14472,6 @@
               <a:t>今回の目的</a:t>
             </a:r>
             <a:endParaRPr b="0" lang="en-US" sz="3000" spc="-1" strike="noStrike">
-              <a:solidFill>
-                <a:srgbClr val="000000"/>
-              </a:solidFill>
               <a:latin typeface="Arial"/>
             </a:endParaRPr>
           </a:p>
@@ -14968,25 +14479,31 @@
       </p:sp>
       <p:sp>
         <p:nvSpPr>
-          <p:cNvPr id="110" name="TextShape 2"/>
-          <p:cNvSpPr txBox="1"/>
+          <p:cNvPr id="108" name="CustomShape 2"/>
+          <p:cNvSpPr/>
           <p:nvPr/>
         </p:nvSpPr>
         <p:spPr>
           <a:xfrm>
             <a:off x="366120" y="1215360"/>
-            <a:ext cx="8415720" cy="3536280"/>
+            <a:ext cx="8415360" cy="3535920"/>
           </a:xfrm>
           <a:prstGeom prst="rect">
             <a:avLst/>
           </a:prstGeom>
           <a:noFill/>
-          <a:ln>
+          <a:ln w="0">
             <a:noFill/>
           </a:ln>
         </p:spPr>
+        <p:style>
+          <a:lnRef idx="0"/>
+          <a:fillRef idx="0"/>
+          <a:effectRef idx="0"/>
+          <a:fontRef idx="minor"/>
+        </p:style>
         <p:txBody>
-          <a:bodyPr tIns="91440" bIns="91440">
+          <a:bodyPr lIns="90000" rIns="90000" tIns="91440" bIns="91440">
             <a:noAutofit/>
           </a:bodyPr>
           <a:p>
@@ -15009,9 +14526,6 @@
               <a:t>＜目的＞</a:t>
             </a:r>
             <a:endParaRPr b="0" lang="en-US" sz="1800" spc="-1" strike="noStrike">
-              <a:solidFill>
-                <a:srgbClr val="000000"/>
-              </a:solidFill>
               <a:latin typeface="Arial"/>
             </a:endParaRPr>
           </a:p>
@@ -15068,9 +14582,6 @@
               <a:t>活用の一つの手段としてラズパイの使用を考えていきたいと思います。</a:t>
             </a:r>
             <a:endParaRPr b="0" lang="en-US" sz="1800" spc="-1" strike="noStrike">
-              <a:solidFill>
-                <a:srgbClr val="000000"/>
-              </a:solidFill>
               <a:latin typeface="Arial"/>
             </a:endParaRPr>
           </a:p>
@@ -15127,9 +14638,6 @@
               <a:t>目的とします。</a:t>
             </a:r>
             <a:endParaRPr b="0" lang="en-US" sz="1800" spc="-1" strike="noStrike">
-              <a:solidFill>
-                <a:srgbClr val="000000"/>
-              </a:solidFill>
               <a:latin typeface="Arial"/>
             </a:endParaRPr>
           </a:p>
@@ -15156,9 +14664,6 @@
               <a:t>＜今回の目標＞</a:t>
             </a:r>
             <a:endParaRPr b="0" lang="en-US" sz="1800" spc="-1" strike="noStrike">
-              <a:solidFill>
-                <a:srgbClr val="000000"/>
-              </a:solidFill>
               <a:latin typeface="Arial"/>
             </a:endParaRPr>
           </a:p>
@@ -15215,9 +14720,6 @@
               <a:t>の基礎となるリスト等を学習します。</a:t>
             </a:r>
             <a:endParaRPr b="0" lang="en-US" sz="1800" spc="-1" strike="noStrike">
-              <a:solidFill>
-                <a:srgbClr val="000000"/>
-              </a:solidFill>
               <a:latin typeface="Arial"/>
             </a:endParaRPr>
           </a:p>
@@ -15244,9 +14746,6 @@
               <a:t>　これができるようになると応用の幅が広がります。</a:t>
             </a:r>
             <a:endParaRPr b="0" lang="en-US" sz="1800" spc="-1" strike="noStrike">
-              <a:solidFill>
-                <a:srgbClr val="000000"/>
-              </a:solidFill>
               <a:latin typeface="Arial"/>
             </a:endParaRPr>
           </a:p>
@@ -15284,14 +14783,14 @@
       </p:grpSpPr>
       <p:sp>
         <p:nvSpPr>
-          <p:cNvPr id="111" name="TextShape 1"/>
-          <p:cNvSpPr txBox="1"/>
+          <p:cNvPr id="109" name="CustomShape 1"/>
+          <p:cNvSpPr/>
           <p:nvPr/>
         </p:nvSpPr>
         <p:spPr>
           <a:xfrm>
             <a:off x="204840" y="208440"/>
-            <a:ext cx="8737920" cy="605160"/>
+            <a:ext cx="8737560" cy="604800"/>
           </a:xfrm>
           <a:prstGeom prst="rect">
             <a:avLst/>
@@ -15307,13 +14806,19 @@
             </a:gsLst>
             <a:lin ang="5400000"/>
           </a:gradFill>
-          <a:ln>
+          <a:ln w="0">
             <a:noFill/>
           </a:ln>
         </p:spPr>
+        <p:style>
+          <a:lnRef idx="0"/>
+          <a:fillRef idx="0"/>
+          <a:effectRef idx="0"/>
+          <a:fontRef idx="minor"/>
+        </p:style>
         <p:txBody>
-          <a:bodyPr tIns="91440" bIns="91440">
-            <a:normAutofit fontScale="66000"/>
+          <a:bodyPr lIns="90000" rIns="90000" tIns="91440" bIns="91440">
+            <a:normAutofit fontScale="73000"/>
           </a:bodyPr>
           <a:p>
             <a:pPr>
@@ -15355,9 +14860,6 @@
               <a:t>前回の復習</a:t>
             </a:r>
             <a:endParaRPr b="0" lang="en-US" sz="3000" spc="-1" strike="noStrike">
-              <a:solidFill>
-                <a:srgbClr val="000000"/>
-              </a:solidFill>
               <a:latin typeface="Arial"/>
             </a:endParaRPr>
           </a:p>
@@ -15365,26 +14867,32 @@
       </p:sp>
       <p:sp>
         <p:nvSpPr>
-          <p:cNvPr id="112" name="TextShape 2"/>
-          <p:cNvSpPr txBox="1"/>
+          <p:cNvPr id="110" name="CustomShape 2"/>
+          <p:cNvSpPr/>
           <p:nvPr/>
         </p:nvSpPr>
         <p:spPr>
           <a:xfrm>
             <a:off x="366120" y="1215360"/>
-            <a:ext cx="8415720" cy="3536280"/>
+            <a:ext cx="8415360" cy="3535920"/>
           </a:xfrm>
           <a:prstGeom prst="rect">
             <a:avLst/>
           </a:prstGeom>
           <a:noFill/>
-          <a:ln>
+          <a:ln w="0">
             <a:noFill/>
           </a:ln>
         </p:spPr>
+        <p:style>
+          <a:lnRef idx="0"/>
+          <a:fillRef idx="0"/>
+          <a:effectRef idx="0"/>
+          <a:fontRef idx="minor"/>
+        </p:style>
         <p:txBody>
-          <a:bodyPr tIns="91440" bIns="91440">
-            <a:normAutofit fontScale="97000"/>
+          <a:bodyPr lIns="90000" rIns="90000" tIns="91440" bIns="91440">
+            <a:normAutofit/>
           </a:bodyPr>
           <a:p>
             <a:pPr>
@@ -15426,9 +14934,6 @@
               <a:t>とは＞</a:t>
             </a:r>
             <a:endParaRPr b="0" lang="en-US" sz="1800" spc="-1" strike="noStrike">
-              <a:solidFill>
-                <a:srgbClr val="000000"/>
-              </a:solidFill>
               <a:latin typeface="Arial"/>
             </a:endParaRPr>
           </a:p>
@@ -15492,9 +14997,6 @@
               <a:t>があり、様々なことで使える。記法がシンプルで初心者から上級者まで親しめる。</a:t>
             </a:r>
             <a:endParaRPr b="0" lang="en-US" sz="1800" spc="-1" strike="noStrike">
-              <a:solidFill>
-                <a:srgbClr val="000000"/>
-              </a:solidFill>
               <a:latin typeface="Arial"/>
             </a:endParaRPr>
           </a:p>
@@ -15538,9 +15040,6 @@
               <a:t>数字の入力＞</a:t>
             </a:r>
             <a:endParaRPr b="0" lang="en-US" sz="1800" spc="-1" strike="noStrike">
-              <a:solidFill>
-                <a:srgbClr val="000000"/>
-              </a:solidFill>
               <a:latin typeface="Arial"/>
             </a:endParaRPr>
           </a:p>
@@ -15584,9 +15083,6 @@
               <a:t>関数で、文字や数字を表示させることができる。文字はダブルクォーテーションかシングルクォーテーションで囲うルール。</a:t>
             </a:r>
             <a:endParaRPr b="0" lang="en-US" sz="1800" spc="-1" strike="noStrike">
-              <a:solidFill>
-                <a:srgbClr val="000000"/>
-              </a:solidFill>
               <a:latin typeface="Arial"/>
             </a:endParaRPr>
           </a:p>
@@ -15610,9 +15106,6 @@
               <a:t>＜変数＞</a:t>
             </a:r>
             <a:endParaRPr b="0" lang="en-US" sz="1800" spc="-1" strike="noStrike">
-              <a:solidFill>
-                <a:srgbClr val="000000"/>
-              </a:solidFill>
               <a:latin typeface="Arial"/>
             </a:endParaRPr>
           </a:p>
@@ -15676,9 +15169,6 @@
               <a:t>に近いかも。</a:t>
             </a:r>
             <a:endParaRPr b="0" lang="en-US" sz="1800" spc="-1" strike="noStrike">
-              <a:solidFill>
-                <a:srgbClr val="000000"/>
-              </a:solidFill>
               <a:latin typeface="Arial"/>
             </a:endParaRPr>
           </a:p>
@@ -15716,14 +15206,14 @@
       </p:grpSpPr>
       <p:sp>
         <p:nvSpPr>
-          <p:cNvPr id="113" name="TextShape 1"/>
-          <p:cNvSpPr txBox="1"/>
+          <p:cNvPr id="111" name="CustomShape 1"/>
+          <p:cNvSpPr/>
           <p:nvPr/>
         </p:nvSpPr>
         <p:spPr>
           <a:xfrm>
             <a:off x="204840" y="208440"/>
-            <a:ext cx="8737920" cy="605160"/>
+            <a:ext cx="8737560" cy="604800"/>
           </a:xfrm>
           <a:prstGeom prst="rect">
             <a:avLst/>
@@ -15739,13 +15229,19 @@
             </a:gsLst>
             <a:lin ang="5400000"/>
           </a:gradFill>
-          <a:ln>
+          <a:ln w="0">
             <a:noFill/>
           </a:ln>
         </p:spPr>
+        <p:style>
+          <a:lnRef idx="0"/>
+          <a:fillRef idx="0"/>
+          <a:effectRef idx="0"/>
+          <a:fontRef idx="minor"/>
+        </p:style>
         <p:txBody>
-          <a:bodyPr tIns="91440" bIns="91440">
-            <a:normAutofit fontScale="66000"/>
+          <a:bodyPr lIns="90000" rIns="90000" tIns="91440" bIns="91440">
+            <a:normAutofit fontScale="73000"/>
           </a:bodyPr>
           <a:p>
             <a:pPr>
@@ -15787,9 +15283,6 @@
               <a:t>を使った実例</a:t>
             </a:r>
             <a:endParaRPr b="0" lang="en-US" sz="3000" spc="-1" strike="noStrike">
-              <a:solidFill>
-                <a:srgbClr val="000000"/>
-              </a:solidFill>
               <a:latin typeface="Arial"/>
             </a:endParaRPr>
           </a:p>
@@ -15797,25 +15290,31 @@
       </p:sp>
       <p:sp>
         <p:nvSpPr>
-          <p:cNvPr id="114" name="TextShape 2"/>
-          <p:cNvSpPr txBox="1"/>
+          <p:cNvPr id="112" name="CustomShape 2"/>
+          <p:cNvSpPr/>
           <p:nvPr/>
         </p:nvSpPr>
         <p:spPr>
           <a:xfrm>
             <a:off x="366120" y="1215360"/>
-            <a:ext cx="8415720" cy="3536280"/>
+            <a:ext cx="8415360" cy="3535920"/>
           </a:xfrm>
           <a:prstGeom prst="rect">
             <a:avLst/>
           </a:prstGeom>
           <a:noFill/>
-          <a:ln>
+          <a:ln w="0">
             <a:noFill/>
           </a:ln>
         </p:spPr>
+        <p:style>
+          <a:lnRef idx="0"/>
+          <a:fillRef idx="0"/>
+          <a:effectRef idx="0"/>
+          <a:fontRef idx="minor"/>
+        </p:style>
         <p:txBody>
-          <a:bodyPr tIns="91440" bIns="91440">
+          <a:bodyPr lIns="90000" rIns="90000" tIns="91440" bIns="91440">
             <a:noAutofit/>
           </a:bodyPr>
           <a:p>
@@ -15891,9 +15390,6 @@
               <a:t>】</a:t>
             </a:r>
             <a:endParaRPr b="0" lang="en-US" sz="1800" spc="-1" strike="noStrike">
-              <a:solidFill>
-                <a:srgbClr val="000000"/>
-              </a:solidFill>
               <a:latin typeface="Arial"/>
             </a:endParaRPr>
           </a:p>
@@ -15927,7 +15423,17 @@
                 <a:latin typeface="Calibri"/>
                 <a:ea typeface="Calibri"/>
               </a:rPr>
-              <a:t>3</a:t>
+              <a:t>3-2. </a:t>
+            </a:r>
+            <a:r>
+              <a:rPr b="0" lang="ja-JP" sz="1800" spc="-1" strike="noStrike">
+                <a:solidFill>
+                  <a:srgbClr val="233a44"/>
+                </a:solidFill>
+                <a:latin typeface="Calibri"/>
+                <a:ea typeface="Calibri"/>
+              </a:rPr>
+              <a:t>粒子のカウントプログラム</a:t>
             </a:r>
             <a:r>
               <a:rPr b="0" lang="en-US" sz="1800" spc="-1" strike="noStrike">
@@ -15937,7 +15443,17 @@
                 <a:latin typeface="Calibri"/>
                 <a:ea typeface="Calibri"/>
               </a:rPr>
-              <a:t>-2. </a:t>
+              <a:t>	</a:t>
+            </a:r>
+            <a:r>
+              <a:rPr b="0" lang="en-US" sz="1800" spc="-1" strike="noStrike">
+                <a:solidFill>
+                  <a:srgbClr val="233a44"/>
+                </a:solidFill>
+                <a:latin typeface="Calibri"/>
+                <a:ea typeface="Calibri"/>
+              </a:rPr>
+              <a:t>	</a:t>
             </a:r>
             <a:r>
               <a:rPr b="0" lang="ja-JP" sz="1800" spc="-1" strike="noStrike">
@@ -15947,7 +15463,7 @@
                 <a:latin typeface="Calibri"/>
                 <a:ea typeface="Calibri"/>
               </a:rPr>
-              <a:t>粒子のカウントプログラム</a:t>
+              <a:t>【</a:t>
             </a:r>
             <a:r>
               <a:rPr b="0" lang="en-US" sz="1800" spc="-1" strike="noStrike">
@@ -15957,17 +15473,7 @@
                 <a:latin typeface="Calibri"/>
                 <a:ea typeface="Calibri"/>
               </a:rPr>
-              <a:t>	</a:t>
-            </a:r>
-            <a:r>
-              <a:rPr b="0" lang="en-US" sz="1800" spc="-1" strike="noStrike">
-                <a:solidFill>
-                  <a:srgbClr val="233a44"/>
-                </a:solidFill>
-                <a:latin typeface="Calibri"/>
-                <a:ea typeface="Calibri"/>
-              </a:rPr>
-              <a:t>	</a:t>
+              <a:t>OpenCV, numpy</a:t>
             </a:r>
             <a:r>
               <a:rPr b="0" lang="ja-JP" sz="1800" spc="-1" strike="noStrike">
@@ -15977,32 +15483,9 @@
                 <a:latin typeface="Calibri"/>
                 <a:ea typeface="Calibri"/>
               </a:rPr>
-              <a:t>【</a:t>
-            </a:r>
-            <a:r>
-              <a:rPr b="0" lang="en-US" sz="1800" spc="-1" strike="noStrike">
-                <a:solidFill>
-                  <a:srgbClr val="233a44"/>
-                </a:solidFill>
-                <a:latin typeface="Calibri"/>
-                <a:ea typeface="Calibri"/>
-              </a:rPr>
-              <a:t>OpenCV, numpy</a:t>
-            </a:r>
-            <a:r>
-              <a:rPr b="0" lang="ja-JP" sz="1800" spc="-1" strike="noStrike">
-                <a:solidFill>
-                  <a:srgbClr val="233a44"/>
-                </a:solidFill>
-                <a:latin typeface="Calibri"/>
-                <a:ea typeface="Calibri"/>
-              </a:rPr>
               <a:t>】</a:t>
             </a:r>
             <a:endParaRPr b="0" lang="en-US" sz="1800" spc="-1" strike="noStrike">
-              <a:solidFill>
-                <a:srgbClr val="000000"/>
-              </a:solidFill>
               <a:latin typeface="Arial"/>
             </a:endParaRPr>
           </a:p>
@@ -16109,9 +15592,6 @@
               <a:t>】</a:t>
             </a:r>
             <a:endParaRPr b="0" lang="en-US" sz="1800" spc="-1" strike="noStrike">
-              <a:solidFill>
-                <a:srgbClr val="000000"/>
-              </a:solidFill>
               <a:latin typeface="Arial"/>
             </a:endParaRPr>
           </a:p>
@@ -16198,9 +15678,6 @@
               <a:t>】</a:t>
             </a:r>
             <a:endParaRPr b="0" lang="en-US" sz="1800" spc="-1" strike="noStrike">
-              <a:solidFill>
-                <a:srgbClr val="000000"/>
-              </a:solidFill>
               <a:latin typeface="Arial"/>
             </a:endParaRPr>
           </a:p>
@@ -16307,9 +15784,6 @@
               <a:t>】</a:t>
             </a:r>
             <a:endParaRPr b="0" lang="en-US" sz="1800" spc="-1" strike="noStrike">
-              <a:solidFill>
-                <a:srgbClr val="000000"/>
-              </a:solidFill>
               <a:latin typeface="Arial"/>
             </a:endParaRPr>
           </a:p>
@@ -16347,14 +15821,14 @@
       </p:grpSpPr>
       <p:sp>
         <p:nvSpPr>
-          <p:cNvPr id="115" name="TextShape 1"/>
-          <p:cNvSpPr txBox="1"/>
+          <p:cNvPr id="113" name="CustomShape 1"/>
+          <p:cNvSpPr/>
           <p:nvPr/>
         </p:nvSpPr>
         <p:spPr>
           <a:xfrm>
             <a:off x="204840" y="208440"/>
-            <a:ext cx="8737920" cy="605160"/>
+            <a:ext cx="8737560" cy="604800"/>
           </a:xfrm>
           <a:prstGeom prst="rect">
             <a:avLst/>
@@ -16370,13 +15844,19 @@
             </a:gsLst>
             <a:lin ang="5400000"/>
           </a:gradFill>
-          <a:ln>
+          <a:ln w="0">
             <a:noFill/>
           </a:ln>
         </p:spPr>
+        <p:style>
+          <a:lnRef idx="0"/>
+          <a:fillRef idx="0"/>
+          <a:effectRef idx="0"/>
+          <a:fontRef idx="minor"/>
+        </p:style>
         <p:txBody>
-          <a:bodyPr tIns="91440" bIns="91440">
-            <a:normAutofit fontScale="66000"/>
+          <a:bodyPr lIns="90000" rIns="90000" tIns="91440" bIns="91440">
+            <a:normAutofit fontScale="73000"/>
           </a:bodyPr>
           <a:p>
             <a:pPr>
@@ -16425,9 +15905,6 @@
               <a:t>)</a:t>
             </a:r>
             <a:endParaRPr b="0" lang="en-US" sz="2200" spc="-1" strike="noStrike">
-              <a:solidFill>
-                <a:srgbClr val="000000"/>
-              </a:solidFill>
               <a:latin typeface="Arial"/>
             </a:endParaRPr>
           </a:p>
@@ -16435,25 +15912,31 @@
       </p:sp>
       <p:sp>
         <p:nvSpPr>
-          <p:cNvPr id="116" name="TextShape 2"/>
-          <p:cNvSpPr txBox="1"/>
+          <p:cNvPr id="114" name="CustomShape 2"/>
+          <p:cNvSpPr/>
           <p:nvPr/>
         </p:nvSpPr>
         <p:spPr>
           <a:xfrm>
             <a:off x="366120" y="934920"/>
-            <a:ext cx="8415720" cy="3536280"/>
+            <a:ext cx="8415360" cy="3535920"/>
           </a:xfrm>
           <a:prstGeom prst="rect">
             <a:avLst/>
           </a:prstGeom>
           <a:noFill/>
-          <a:ln>
+          <a:ln w="0">
             <a:noFill/>
           </a:ln>
         </p:spPr>
+        <p:style>
+          <a:lnRef idx="0"/>
+          <a:fillRef idx="0"/>
+          <a:effectRef idx="0"/>
+          <a:fontRef idx="minor"/>
+        </p:style>
         <p:txBody>
-          <a:bodyPr tIns="91440" bIns="91440">
+          <a:bodyPr lIns="90000" rIns="90000" tIns="91440" bIns="91440">
             <a:noAutofit/>
           </a:bodyPr>
           <a:p>
@@ -16489,9 +15972,6 @@
               <a:t>目的】パソコン操作の自動化</a:t>
             </a:r>
             <a:endParaRPr b="0" lang="en-US" sz="1800" spc="-1" strike="noStrike">
-              <a:solidFill>
-                <a:srgbClr val="000000"/>
-              </a:solidFill>
               <a:latin typeface="Arial"/>
             </a:endParaRPr>
           </a:p>
@@ -16518,9 +15998,6 @@
               <a:t>【課題】スキルの上がらない単純入力作業などが多い</a:t>
             </a:r>
             <a:endParaRPr b="0" lang="en-US" sz="1800" spc="-1" strike="noStrike">
-              <a:solidFill>
-                <a:srgbClr val="000000"/>
-              </a:solidFill>
               <a:latin typeface="Arial"/>
             </a:endParaRPr>
           </a:p>
@@ -16567,9 +16044,6 @@
               <a:t>に準備されたモジュールを使ってコードを組む</a:t>
             </a:r>
             <a:endParaRPr b="0" lang="en-US" sz="1800" spc="-1" strike="noStrike">
-              <a:solidFill>
-                <a:srgbClr val="000000"/>
-              </a:solidFill>
               <a:latin typeface="Arial"/>
             </a:endParaRPr>
           </a:p>
@@ -16586,9 +16060,6 @@
               </a:tabLst>
             </a:pPr>
             <a:endParaRPr b="0" lang="en-US" sz="1800" spc="-1" strike="noStrike">
-              <a:solidFill>
-                <a:srgbClr val="000000"/>
-              </a:solidFill>
               <a:latin typeface="Arial"/>
             </a:endParaRPr>
           </a:p>
@@ -16605,9 +16076,6 @@
               </a:tabLst>
             </a:pPr>
             <a:endParaRPr b="0" lang="en-US" sz="1800" spc="-1" strike="noStrike">
-              <a:solidFill>
-                <a:srgbClr val="000000"/>
-              </a:solidFill>
               <a:latin typeface="Arial"/>
             </a:endParaRPr>
           </a:p>
@@ -16624,9 +16092,6 @@
               </a:tabLst>
             </a:pPr>
             <a:endParaRPr b="0" lang="en-US" sz="1800" spc="-1" strike="noStrike">
-              <a:solidFill>
-                <a:srgbClr val="000000"/>
-              </a:solidFill>
               <a:latin typeface="Arial"/>
             </a:endParaRPr>
           </a:p>
@@ -16653,9 +16118,6 @@
               <a:t>強力なツールなので、時間を十分にとり次回お話します。</a:t>
             </a:r>
             <a:endParaRPr b="0" lang="en-US" sz="1800" spc="-1" strike="noStrike">
-              <a:solidFill>
-                <a:srgbClr val="000000"/>
-              </a:solidFill>
               <a:latin typeface="Arial"/>
             </a:endParaRPr>
           </a:p>
@@ -16663,7 +16125,7 @@
       </p:sp>
       <p:pic>
         <p:nvPicPr>
-          <p:cNvPr id="117" name="Google Shape;125;p6" descr="Icon&#10;&#10;Description automatically generated"/>
+          <p:cNvPr id="115" name="Google Shape;125;p6" descr="Icon&#10;&#10;Description automatically generated"/>
           <p:cNvPicPr/>
           <p:nvPr/>
         </p:nvPicPr>
@@ -16674,19 +16136,19 @@
         <p:spPr>
           <a:xfrm>
             <a:off x="3926160" y="2368800"/>
-            <a:ext cx="1077840" cy="1129320"/>
+            <a:ext cx="1077480" cy="1128960"/>
           </a:xfrm>
           <a:prstGeom prst="rect">
             <a:avLst/>
           </a:prstGeom>
-          <a:ln>
+          <a:ln w="0">
             <a:noFill/>
           </a:ln>
         </p:spPr>
       </p:pic>
       <p:pic>
         <p:nvPicPr>
-          <p:cNvPr id="118" name="Google Shape;126;p6" descr=""/>
+          <p:cNvPr id="116" name="Google Shape;126;p6" descr=""/>
           <p:cNvPicPr/>
           <p:nvPr/>
         </p:nvPicPr>
@@ -16697,12 +16159,12 @@
         <p:spPr>
           <a:xfrm>
             <a:off x="5484960" y="2157840"/>
-            <a:ext cx="3366360" cy="1442160"/>
+            <a:ext cx="3366000" cy="1441800"/>
           </a:xfrm>
           <a:prstGeom prst="rect">
             <a:avLst/>
           </a:prstGeom>
-          <a:ln>
+          <a:ln w="0">
             <a:noFill/>
           </a:ln>
         </p:spPr>
@@ -16739,14 +16201,14 @@
       </p:grpSpPr>
       <p:sp>
         <p:nvSpPr>
-          <p:cNvPr id="119" name="TextShape 1"/>
-          <p:cNvSpPr txBox="1"/>
+          <p:cNvPr id="117" name="CustomShape 1"/>
+          <p:cNvSpPr/>
           <p:nvPr/>
         </p:nvSpPr>
         <p:spPr>
           <a:xfrm>
             <a:off x="204840" y="208440"/>
-            <a:ext cx="8737920" cy="605160"/>
+            <a:ext cx="8737560" cy="604800"/>
           </a:xfrm>
           <a:prstGeom prst="rect">
             <a:avLst/>
@@ -16762,13 +16224,19 @@
             </a:gsLst>
             <a:lin ang="5400000"/>
           </a:gradFill>
-          <a:ln>
+          <a:ln w="0">
             <a:noFill/>
           </a:ln>
         </p:spPr>
+        <p:style>
+          <a:lnRef idx="0"/>
+          <a:fillRef idx="0"/>
+          <a:effectRef idx="0"/>
+          <a:fontRef idx="minor"/>
+        </p:style>
         <p:txBody>
-          <a:bodyPr tIns="91440" bIns="91440">
-            <a:normAutofit fontScale="66000"/>
+          <a:bodyPr lIns="90000" rIns="90000" tIns="91440" bIns="91440">
+            <a:normAutofit fontScale="73000"/>
           </a:bodyPr>
           <a:p>
             <a:pPr>
@@ -16810,9 +16278,6 @@
               <a:t>粒子のカウントプログラム</a:t>
             </a:r>
             <a:endParaRPr b="0" lang="en-US" sz="3000" spc="-1" strike="noStrike">
-              <a:solidFill>
-                <a:srgbClr val="000000"/>
-              </a:solidFill>
               <a:latin typeface="Arial"/>
             </a:endParaRPr>
           </a:p>
@@ -16820,25 +16285,31 @@
       </p:sp>
       <p:sp>
         <p:nvSpPr>
-          <p:cNvPr id="120" name="TextShape 2"/>
-          <p:cNvSpPr txBox="1"/>
+          <p:cNvPr id="118" name="CustomShape 2"/>
+          <p:cNvSpPr/>
           <p:nvPr/>
         </p:nvSpPr>
         <p:spPr>
           <a:xfrm>
             <a:off x="366120" y="1215360"/>
-            <a:ext cx="8415720" cy="3536280"/>
+            <a:ext cx="8415360" cy="3535920"/>
           </a:xfrm>
           <a:prstGeom prst="rect">
             <a:avLst/>
           </a:prstGeom>
           <a:noFill/>
-          <a:ln>
+          <a:ln w="0">
             <a:noFill/>
           </a:ln>
         </p:spPr>
+        <p:style>
+          <a:lnRef idx="0"/>
+          <a:fillRef idx="0"/>
+          <a:effectRef idx="0"/>
+          <a:fontRef idx="minor"/>
+        </p:style>
         <p:txBody>
-          <a:bodyPr tIns="91440" bIns="91440">
+          <a:bodyPr lIns="90000" rIns="90000" tIns="91440" bIns="91440">
             <a:noAutofit/>
           </a:bodyPr>
           <a:p>
@@ -16874,9 +16345,6 @@
               <a:t>課題】</a:t>
             </a:r>
             <a:endParaRPr b="0" lang="en-US" sz="1800" spc="-1" strike="noStrike">
-              <a:solidFill>
-                <a:srgbClr val="000000"/>
-              </a:solidFill>
               <a:latin typeface="Arial"/>
             </a:endParaRPr>
           </a:p>
@@ -16903,9 +16371,6 @@
               <a:t>　画像に写っている粒子をカウントする業務があるとのことで、粒子数を楽に知りたい。</a:t>
             </a:r>
             <a:endParaRPr b="0" lang="en-US" sz="1800" spc="-1" strike="noStrike">
-              <a:solidFill>
-                <a:srgbClr val="000000"/>
-              </a:solidFill>
               <a:latin typeface="Arial"/>
             </a:endParaRPr>
           </a:p>
@@ -16922,9 +16387,6 @@
               </a:tabLst>
             </a:pPr>
             <a:endParaRPr b="0" lang="en-US" sz="1800" spc="-1" strike="noStrike">
-              <a:solidFill>
-                <a:srgbClr val="000000"/>
-              </a:solidFill>
               <a:latin typeface="Arial"/>
             </a:endParaRPr>
           </a:p>
@@ -16951,9 +16413,6 @@
               <a:t>【アプローチ】</a:t>
             </a:r>
             <a:endParaRPr b="0" lang="en-US" sz="1800" spc="-1" strike="noStrike">
-              <a:solidFill>
-                <a:srgbClr val="000000"/>
-              </a:solidFill>
               <a:latin typeface="Arial"/>
             </a:endParaRPr>
           </a:p>
@@ -16980,9 +16439,6 @@
               <a:t>　粒子は径が揃って、円形に近いという前提条件を使用。円を検出することに特化した画像解析を行い、カウントする。</a:t>
             </a:r>
             <a:endParaRPr b="0" lang="en-US" sz="1800" spc="-1" strike="noStrike">
-              <a:solidFill>
-                <a:srgbClr val="000000"/>
-              </a:solidFill>
               <a:latin typeface="Arial"/>
             </a:endParaRPr>
           </a:p>
@@ -16990,7 +16446,7 @@
       </p:sp>
       <p:pic>
         <p:nvPicPr>
-          <p:cNvPr id="121" name="Picture 2" descr="OpenCV"/>
+          <p:cNvPr id="119" name="Picture 2" descr="OpenCV"/>
           <p:cNvPicPr/>
           <p:nvPr/>
         </p:nvPicPr>
@@ -17001,19 +16457,19 @@
         <p:spPr>
           <a:xfrm>
             <a:off x="7907760" y="208440"/>
-            <a:ext cx="1035000" cy="1369800"/>
+            <a:ext cx="1034640" cy="1369440"/>
           </a:xfrm>
           <a:prstGeom prst="rect">
             <a:avLst/>
           </a:prstGeom>
-          <a:ln>
+          <a:ln w="0">
             <a:noFill/>
           </a:ln>
         </p:spPr>
       </p:pic>
       <p:pic>
         <p:nvPicPr>
-          <p:cNvPr id="122" name="Google Shape;115;p6" descr=""/>
+          <p:cNvPr id="120" name="Google Shape;115;p6" descr=""/>
           <p:cNvPicPr/>
           <p:nvPr/>
         </p:nvPicPr>
@@ -17024,12 +16480,12 @@
         <p:spPr>
           <a:xfrm>
             <a:off x="5344200" y="654120"/>
-            <a:ext cx="2361240" cy="934200"/>
+            <a:ext cx="2360880" cy="933840"/>
           </a:xfrm>
           <a:prstGeom prst="rect">
             <a:avLst/>
           </a:prstGeom>
-          <a:ln>
+          <a:ln w="0">
             <a:noFill/>
           </a:ln>
         </p:spPr>
@@ -17066,14 +16522,14 @@
       </p:grpSpPr>
       <p:sp>
         <p:nvSpPr>
-          <p:cNvPr id="123" name="TextShape 1"/>
-          <p:cNvSpPr txBox="1"/>
+          <p:cNvPr id="121" name="CustomShape 1"/>
+          <p:cNvSpPr/>
           <p:nvPr/>
         </p:nvSpPr>
         <p:spPr>
           <a:xfrm>
             <a:off x="204840" y="208440"/>
-            <a:ext cx="8737920" cy="605160"/>
+            <a:ext cx="8737560" cy="604800"/>
           </a:xfrm>
           <a:prstGeom prst="rect">
             <a:avLst/>
@@ -17089,13 +16545,19 @@
             </a:gsLst>
             <a:lin ang="5400000"/>
           </a:gradFill>
-          <a:ln>
+          <a:ln w="0">
             <a:noFill/>
           </a:ln>
         </p:spPr>
+        <p:style>
+          <a:lnRef idx="0"/>
+          <a:fillRef idx="0"/>
+          <a:effectRef idx="0"/>
+          <a:fontRef idx="minor"/>
+        </p:style>
         <p:txBody>
-          <a:bodyPr tIns="91440" bIns="91440">
-            <a:normAutofit fontScale="66000"/>
+          <a:bodyPr lIns="90000" rIns="90000" tIns="91440" bIns="91440">
+            <a:normAutofit fontScale="73000"/>
           </a:bodyPr>
           <a:p>
             <a:pPr>
@@ -17137,9 +16599,6 @@
               <a:t>改善提案取り込み</a:t>
             </a:r>
             <a:endParaRPr b="0" lang="en-US" sz="3000" spc="-1" strike="noStrike">
-              <a:solidFill>
-                <a:srgbClr val="000000"/>
-              </a:solidFill>
               <a:latin typeface="Arial"/>
             </a:endParaRPr>
           </a:p>
@@ -17147,25 +16606,31 @@
       </p:sp>
       <p:sp>
         <p:nvSpPr>
-          <p:cNvPr id="124" name="TextShape 2"/>
-          <p:cNvSpPr txBox="1"/>
+          <p:cNvPr id="122" name="CustomShape 2"/>
+          <p:cNvSpPr/>
           <p:nvPr/>
         </p:nvSpPr>
         <p:spPr>
           <a:xfrm>
             <a:off x="366120" y="1215360"/>
-            <a:ext cx="8415720" cy="3536280"/>
+            <a:ext cx="8415360" cy="3535920"/>
           </a:xfrm>
           <a:prstGeom prst="rect">
             <a:avLst/>
           </a:prstGeom>
           <a:noFill/>
-          <a:ln>
+          <a:ln w="0">
             <a:noFill/>
           </a:ln>
         </p:spPr>
+        <p:style>
+          <a:lnRef idx="0"/>
+          <a:fillRef idx="0"/>
+          <a:effectRef idx="0"/>
+          <a:fontRef idx="minor"/>
+        </p:style>
         <p:txBody>
-          <a:bodyPr tIns="91440" bIns="91440">
+          <a:bodyPr lIns="90000" rIns="90000" tIns="91440" bIns="91440">
             <a:noAutofit/>
           </a:bodyPr>
           <a:p>
@@ -17201,9 +16666,6 @@
               <a:t>課題】</a:t>
             </a:r>
             <a:endParaRPr b="0" lang="en-US" sz="1800" spc="-1" strike="noStrike">
-              <a:solidFill>
-                <a:srgbClr val="000000"/>
-              </a:solidFill>
               <a:latin typeface="Arial"/>
             </a:endParaRPr>
           </a:p>
@@ -17230,9 +16692,6 @@
               <a:t>　月次処理で時間がかかる。紙で保管されているもので、電子データとして管理されておらず、内容の共有化がされていない。</a:t>
             </a:r>
             <a:endParaRPr b="0" lang="en-US" sz="1800" spc="-1" strike="noStrike">
-              <a:solidFill>
-                <a:srgbClr val="000000"/>
-              </a:solidFill>
               <a:latin typeface="Arial"/>
             </a:endParaRPr>
           </a:p>
@@ -17259,9 +16718,6 @@
               <a:t>【アプローチ】</a:t>
             </a:r>
             <a:endParaRPr b="0" lang="en-US" sz="1800" spc="-1" strike="noStrike">
-              <a:solidFill>
-                <a:srgbClr val="000000"/>
-              </a:solidFill>
               <a:latin typeface="Arial"/>
             </a:endParaRPr>
           </a:p>
@@ -17288,9 +16744,6 @@
               <a:t>　ベースとなるエクセルフォーマットを整え、取り込みプログラムを作成し、一覧表に出力するようにした。</a:t>
             </a:r>
             <a:endParaRPr b="0" lang="en-US" sz="1800" spc="-1" strike="noStrike">
-              <a:solidFill>
-                <a:srgbClr val="000000"/>
-              </a:solidFill>
               <a:latin typeface="Arial"/>
             </a:endParaRPr>
           </a:p>
@@ -17298,7 +16751,7 @@
       </p:sp>
       <p:pic>
         <p:nvPicPr>
-          <p:cNvPr id="125" name="Google Shape;113;p6" descr=""/>
+          <p:cNvPr id="123" name="Google Shape;113;p6" descr=""/>
           <p:cNvPicPr/>
           <p:nvPr/>
         </p:nvPicPr>
@@ -17309,12 +16762,12 @@
         <p:spPr>
           <a:xfrm>
             <a:off x="6152760" y="183240"/>
-            <a:ext cx="2683440" cy="1082160"/>
+            <a:ext cx="2683080" cy="1081800"/>
           </a:xfrm>
           <a:prstGeom prst="rect">
             <a:avLst/>
           </a:prstGeom>
-          <a:ln>
+          <a:ln w="0">
             <a:noFill/>
           </a:ln>
         </p:spPr>
@@ -17351,14 +16804,14 @@
       </p:grpSpPr>
       <p:sp>
         <p:nvSpPr>
-          <p:cNvPr id="126" name="TextShape 1"/>
-          <p:cNvSpPr txBox="1"/>
+          <p:cNvPr id="124" name="CustomShape 1"/>
+          <p:cNvSpPr/>
           <p:nvPr/>
         </p:nvSpPr>
         <p:spPr>
           <a:xfrm>
             <a:off x="204840" y="208440"/>
-            <a:ext cx="8737920" cy="605160"/>
+            <a:ext cx="8737560" cy="604800"/>
           </a:xfrm>
           <a:prstGeom prst="rect">
             <a:avLst/>
@@ -17374,13 +16827,19 @@
             </a:gsLst>
             <a:lin ang="5400000"/>
           </a:gradFill>
-          <a:ln>
+          <a:ln w="0">
             <a:noFill/>
           </a:ln>
         </p:spPr>
+        <p:style>
+          <a:lnRef idx="0"/>
+          <a:fillRef idx="0"/>
+          <a:effectRef idx="0"/>
+          <a:fontRef idx="minor"/>
+        </p:style>
         <p:txBody>
-          <a:bodyPr tIns="91440" bIns="91440">
-            <a:normAutofit fontScale="66000"/>
+          <a:bodyPr lIns="90000" rIns="90000" tIns="91440" bIns="91440">
+            <a:normAutofit fontScale="73000"/>
           </a:bodyPr>
           <a:p>
             <a:pPr>
@@ -17422,9 +16881,6 @@
               <a:t>ディープラーニングによる欠陥検出</a:t>
             </a:r>
             <a:endParaRPr b="0" lang="en-US" sz="3000" spc="-1" strike="noStrike">
-              <a:solidFill>
-                <a:srgbClr val="000000"/>
-              </a:solidFill>
               <a:latin typeface="Arial"/>
             </a:endParaRPr>
           </a:p>
@@ -17432,25 +16888,31 @@
       </p:sp>
       <p:sp>
         <p:nvSpPr>
-          <p:cNvPr id="127" name="TextShape 2"/>
-          <p:cNvSpPr txBox="1"/>
+          <p:cNvPr id="125" name="CustomShape 2"/>
+          <p:cNvSpPr/>
           <p:nvPr/>
         </p:nvSpPr>
         <p:spPr>
           <a:xfrm>
             <a:off x="366120" y="1215360"/>
-            <a:ext cx="8415720" cy="3536280"/>
+            <a:ext cx="8415360" cy="3535920"/>
           </a:xfrm>
           <a:prstGeom prst="rect">
             <a:avLst/>
           </a:prstGeom>
           <a:noFill/>
-          <a:ln>
+          <a:ln w="0">
             <a:noFill/>
           </a:ln>
         </p:spPr>
+        <p:style>
+          <a:lnRef idx="0"/>
+          <a:fillRef idx="0"/>
+          <a:effectRef idx="0"/>
+          <a:fontRef idx="minor"/>
+        </p:style>
         <p:txBody>
-          <a:bodyPr tIns="91440" bIns="91440">
+          <a:bodyPr lIns="90000" rIns="90000" tIns="91440" bIns="91440">
             <a:noAutofit/>
           </a:bodyPr>
           <a:p>
@@ -17496,9 +16958,6 @@
               <a:t>のコンペに参加して、検出用のコード書いてみました。</a:t>
             </a:r>
             <a:endParaRPr b="0" lang="en-US" sz="1800" spc="-1" strike="noStrike">
-              <a:solidFill>
-                <a:srgbClr val="000000"/>
-              </a:solidFill>
               <a:latin typeface="Arial"/>
             </a:endParaRPr>
           </a:p>
@@ -17525,9 +16984,6 @@
               <a:t>　コードは長いので、興味あれば個別に聞いてください。</a:t>
             </a:r>
             <a:endParaRPr b="0" lang="en-US" sz="1800" spc="-1" strike="noStrike">
-              <a:solidFill>
-                <a:srgbClr val="000000"/>
-              </a:solidFill>
               <a:latin typeface="Arial"/>
             </a:endParaRPr>
           </a:p>
@@ -17544,9 +17000,6 @@
               </a:tabLst>
             </a:pPr>
             <a:endParaRPr b="0" lang="en-US" sz="1800" spc="-1" strike="noStrike">
-              <a:solidFill>
-                <a:srgbClr val="000000"/>
-              </a:solidFill>
               <a:latin typeface="Arial"/>
             </a:endParaRPr>
           </a:p>
@@ -17593,9 +17046,6 @@
               <a:t>％の精度が難しいことが分かったことと、どのような対象なら適用できそうかのレベル感は掴めました。</a:t>
             </a:r>
             <a:endParaRPr b="0" lang="en-US" sz="1800" spc="-1" strike="noStrike">
-              <a:solidFill>
-                <a:srgbClr val="000000"/>
-              </a:solidFill>
               <a:latin typeface="Arial"/>
             </a:endParaRPr>
           </a:p>
